--- a/college files/Attendance Management.pptx
+++ b/college files/Attendance Management.pptx
@@ -5,17 +5,16 @@
     <p:sldMasterId id="2147483684" r:id="rId4"/>
   </p:sldMasterIdLst>
   <p:notesMasterIdLst>
-    <p:notesMasterId r:id="rId13"/>
+    <p:notesMasterId r:id="rId12"/>
   </p:notesMasterIdLst>
   <p:sldIdLst>
     <p:sldId id="259" r:id="rId5"/>
     <p:sldId id="260" r:id="rId6"/>
     <p:sldId id="261" r:id="rId7"/>
     <p:sldId id="262" r:id="rId8"/>
-    <p:sldId id="263" r:id="rId9"/>
-    <p:sldId id="264" r:id="rId10"/>
-    <p:sldId id="265" r:id="rId11"/>
-    <p:sldId id="266" r:id="rId12"/>
+    <p:sldId id="267" r:id="rId9"/>
+    <p:sldId id="265" r:id="rId10"/>
+    <p:sldId id="266" r:id="rId11"/>
   </p:sldIdLst>
   <p:sldSz cx="12192000" cy="6858000"/>
   <p:notesSz cx="6858000" cy="9144000"/>
@@ -1964,6 +1963,753 @@
 </dgm:colorsDef>
 </file>
 
+<file path=ppt/diagrams/colors3.xml><?xml version="1.0" encoding="utf-8"?>
+<dgm:colorsDef xmlns:dgm="http://schemas.openxmlformats.org/drawingml/2006/diagram" xmlns:a="http://schemas.openxmlformats.org/drawingml/2006/main" uniqueId="urn:microsoft.com/office/officeart/2005/8/colors/accent2_2">
+  <dgm:title val=""/>
+  <dgm:desc val=""/>
+  <dgm:catLst>
+    <dgm:cat type="accent2" pri="11200"/>
+  </dgm:catLst>
+  <dgm:styleLbl name="node0">
+    <dgm:fillClrLst meth="repeat">
+      <a:schemeClr val="accent2"/>
+    </dgm:fillClrLst>
+    <dgm:linClrLst meth="repeat">
+      <a:schemeClr val="lt1"/>
+    </dgm:linClrLst>
+    <dgm:effectClrLst/>
+    <dgm:txLinClrLst/>
+    <dgm:txFillClrLst/>
+    <dgm:txEffectClrLst/>
+  </dgm:styleLbl>
+  <dgm:styleLbl name="node1">
+    <dgm:fillClrLst meth="repeat">
+      <a:schemeClr val="accent2"/>
+    </dgm:fillClrLst>
+    <dgm:linClrLst meth="repeat">
+      <a:schemeClr val="lt1"/>
+    </dgm:linClrLst>
+    <dgm:effectClrLst/>
+    <dgm:txLinClrLst/>
+    <dgm:txFillClrLst/>
+    <dgm:txEffectClrLst/>
+  </dgm:styleLbl>
+  <dgm:styleLbl name="alignNode1">
+    <dgm:fillClrLst meth="repeat">
+      <a:schemeClr val="accent2"/>
+    </dgm:fillClrLst>
+    <dgm:linClrLst meth="repeat">
+      <a:schemeClr val="accent2"/>
+    </dgm:linClrLst>
+    <dgm:effectClrLst/>
+    <dgm:txLinClrLst/>
+    <dgm:txFillClrLst/>
+    <dgm:txEffectClrLst/>
+  </dgm:styleLbl>
+  <dgm:styleLbl name="lnNode1">
+    <dgm:fillClrLst meth="repeat">
+      <a:schemeClr val="accent2"/>
+    </dgm:fillClrLst>
+    <dgm:linClrLst meth="repeat">
+      <a:schemeClr val="lt1"/>
+    </dgm:linClrLst>
+    <dgm:effectClrLst/>
+    <dgm:txLinClrLst/>
+    <dgm:txFillClrLst/>
+    <dgm:txEffectClrLst/>
+  </dgm:styleLbl>
+  <dgm:styleLbl name="vennNode1">
+    <dgm:fillClrLst meth="repeat">
+      <a:schemeClr val="accent2">
+        <a:alpha val="50000"/>
+      </a:schemeClr>
+    </dgm:fillClrLst>
+    <dgm:linClrLst meth="repeat">
+      <a:schemeClr val="lt1"/>
+    </dgm:linClrLst>
+    <dgm:effectClrLst/>
+    <dgm:txLinClrLst/>
+    <dgm:txFillClrLst/>
+    <dgm:txEffectClrLst/>
+  </dgm:styleLbl>
+  <dgm:styleLbl name="node2">
+    <dgm:fillClrLst meth="repeat">
+      <a:schemeClr val="accent2"/>
+    </dgm:fillClrLst>
+    <dgm:linClrLst meth="repeat">
+      <a:schemeClr val="lt1"/>
+    </dgm:linClrLst>
+    <dgm:effectClrLst/>
+    <dgm:txLinClrLst/>
+    <dgm:txFillClrLst/>
+    <dgm:txEffectClrLst/>
+  </dgm:styleLbl>
+  <dgm:styleLbl name="node3">
+    <dgm:fillClrLst meth="repeat">
+      <a:schemeClr val="accent2"/>
+    </dgm:fillClrLst>
+    <dgm:linClrLst meth="repeat">
+      <a:schemeClr val="lt1"/>
+    </dgm:linClrLst>
+    <dgm:effectClrLst/>
+    <dgm:txLinClrLst/>
+    <dgm:txFillClrLst/>
+    <dgm:txEffectClrLst/>
+  </dgm:styleLbl>
+  <dgm:styleLbl name="node4">
+    <dgm:fillClrLst meth="repeat">
+      <a:schemeClr val="accent2"/>
+    </dgm:fillClrLst>
+    <dgm:linClrLst meth="repeat">
+      <a:schemeClr val="lt1"/>
+    </dgm:linClrLst>
+    <dgm:effectClrLst/>
+    <dgm:txLinClrLst/>
+    <dgm:txFillClrLst/>
+    <dgm:txEffectClrLst/>
+  </dgm:styleLbl>
+  <dgm:styleLbl name="fgImgPlace1">
+    <dgm:fillClrLst meth="repeat">
+      <a:schemeClr val="accent2">
+        <a:tint val="50000"/>
+      </a:schemeClr>
+    </dgm:fillClrLst>
+    <dgm:linClrLst meth="repeat">
+      <a:schemeClr val="lt1"/>
+    </dgm:linClrLst>
+    <dgm:effectClrLst/>
+    <dgm:txLinClrLst/>
+    <dgm:txFillClrLst meth="repeat">
+      <a:schemeClr val="lt1"/>
+    </dgm:txFillClrLst>
+    <dgm:txEffectClrLst/>
+  </dgm:styleLbl>
+  <dgm:styleLbl name="alignImgPlace1">
+    <dgm:fillClrLst meth="repeat">
+      <a:schemeClr val="accent2">
+        <a:tint val="50000"/>
+      </a:schemeClr>
+    </dgm:fillClrLst>
+    <dgm:linClrLst meth="repeat">
+      <a:schemeClr val="lt1"/>
+    </dgm:linClrLst>
+    <dgm:effectClrLst/>
+    <dgm:txLinClrLst/>
+    <dgm:txFillClrLst meth="repeat">
+      <a:schemeClr val="lt1"/>
+    </dgm:txFillClrLst>
+    <dgm:txEffectClrLst/>
+  </dgm:styleLbl>
+  <dgm:styleLbl name="bgImgPlace1">
+    <dgm:fillClrLst meth="repeat">
+      <a:schemeClr val="accent2">
+        <a:tint val="50000"/>
+      </a:schemeClr>
+    </dgm:fillClrLst>
+    <dgm:linClrLst meth="repeat">
+      <a:schemeClr val="lt1"/>
+    </dgm:linClrLst>
+    <dgm:effectClrLst/>
+    <dgm:txLinClrLst/>
+    <dgm:txFillClrLst meth="repeat">
+      <a:schemeClr val="lt1"/>
+    </dgm:txFillClrLst>
+    <dgm:txEffectClrLst/>
+  </dgm:styleLbl>
+  <dgm:styleLbl name="sibTrans2D1">
+    <dgm:fillClrLst meth="repeat">
+      <a:schemeClr val="accent2">
+        <a:tint val="60000"/>
+      </a:schemeClr>
+    </dgm:fillClrLst>
+    <dgm:linClrLst meth="repeat">
+      <a:schemeClr val="accent2">
+        <a:tint val="60000"/>
+      </a:schemeClr>
+    </dgm:linClrLst>
+    <dgm:effectClrLst/>
+    <dgm:txLinClrLst/>
+    <dgm:txFillClrLst/>
+    <dgm:txEffectClrLst/>
+  </dgm:styleLbl>
+  <dgm:styleLbl name="fgSibTrans2D1">
+    <dgm:fillClrLst meth="repeat">
+      <a:schemeClr val="accent2">
+        <a:tint val="60000"/>
+      </a:schemeClr>
+    </dgm:fillClrLst>
+    <dgm:linClrLst meth="repeat">
+      <a:schemeClr val="accent2">
+        <a:tint val="60000"/>
+      </a:schemeClr>
+    </dgm:linClrLst>
+    <dgm:effectClrLst/>
+    <dgm:txLinClrLst/>
+    <dgm:txFillClrLst/>
+    <dgm:txEffectClrLst/>
+  </dgm:styleLbl>
+  <dgm:styleLbl name="bgSibTrans2D1">
+    <dgm:fillClrLst meth="repeat">
+      <a:schemeClr val="accent2">
+        <a:tint val="60000"/>
+      </a:schemeClr>
+    </dgm:fillClrLst>
+    <dgm:linClrLst meth="repeat">
+      <a:schemeClr val="accent2">
+        <a:tint val="60000"/>
+      </a:schemeClr>
+    </dgm:linClrLst>
+    <dgm:effectClrLst/>
+    <dgm:txLinClrLst/>
+    <dgm:txFillClrLst/>
+    <dgm:txEffectClrLst/>
+  </dgm:styleLbl>
+  <dgm:styleLbl name="sibTrans1D1">
+    <dgm:fillClrLst meth="repeat">
+      <a:schemeClr val="accent2"/>
+    </dgm:fillClrLst>
+    <dgm:linClrLst meth="repeat">
+      <a:schemeClr val="accent2"/>
+    </dgm:linClrLst>
+    <dgm:effectClrLst/>
+    <dgm:txLinClrLst/>
+    <dgm:txFillClrLst meth="repeat">
+      <a:schemeClr val="tx1"/>
+    </dgm:txFillClrLst>
+    <dgm:txEffectClrLst/>
+  </dgm:styleLbl>
+  <dgm:styleLbl name="callout">
+    <dgm:fillClrLst meth="repeat">
+      <a:schemeClr val="accent2"/>
+    </dgm:fillClrLst>
+    <dgm:linClrLst meth="repeat">
+      <a:schemeClr val="accent2">
+        <a:tint val="50000"/>
+      </a:schemeClr>
+    </dgm:linClrLst>
+    <dgm:effectClrLst/>
+    <dgm:txLinClrLst/>
+    <dgm:txFillClrLst meth="repeat">
+      <a:schemeClr val="tx1"/>
+    </dgm:txFillClrLst>
+    <dgm:txEffectClrLst/>
+  </dgm:styleLbl>
+  <dgm:styleLbl name="asst0">
+    <dgm:fillClrLst meth="repeat">
+      <a:schemeClr val="accent2"/>
+    </dgm:fillClrLst>
+    <dgm:linClrLst meth="repeat">
+      <a:schemeClr val="lt1"/>
+    </dgm:linClrLst>
+    <dgm:effectClrLst/>
+    <dgm:txLinClrLst/>
+    <dgm:txFillClrLst/>
+    <dgm:txEffectClrLst/>
+  </dgm:styleLbl>
+  <dgm:styleLbl name="asst1">
+    <dgm:fillClrLst meth="repeat">
+      <a:schemeClr val="accent2"/>
+    </dgm:fillClrLst>
+    <dgm:linClrLst meth="repeat">
+      <a:schemeClr val="lt1"/>
+    </dgm:linClrLst>
+    <dgm:effectClrLst/>
+    <dgm:txLinClrLst/>
+    <dgm:txFillClrLst/>
+    <dgm:txEffectClrLst/>
+  </dgm:styleLbl>
+  <dgm:styleLbl name="asst2">
+    <dgm:fillClrLst meth="repeat">
+      <a:schemeClr val="accent2"/>
+    </dgm:fillClrLst>
+    <dgm:linClrLst meth="repeat">
+      <a:schemeClr val="lt1"/>
+    </dgm:linClrLst>
+    <dgm:effectClrLst/>
+    <dgm:txLinClrLst/>
+    <dgm:txFillClrLst/>
+    <dgm:txEffectClrLst/>
+  </dgm:styleLbl>
+  <dgm:styleLbl name="asst3">
+    <dgm:fillClrLst meth="repeat">
+      <a:schemeClr val="accent2"/>
+    </dgm:fillClrLst>
+    <dgm:linClrLst meth="repeat">
+      <a:schemeClr val="lt1"/>
+    </dgm:linClrLst>
+    <dgm:effectClrLst/>
+    <dgm:txLinClrLst/>
+    <dgm:txFillClrLst/>
+    <dgm:txEffectClrLst/>
+  </dgm:styleLbl>
+  <dgm:styleLbl name="asst4">
+    <dgm:fillClrLst meth="repeat">
+      <a:schemeClr val="accent2"/>
+    </dgm:fillClrLst>
+    <dgm:linClrLst meth="repeat">
+      <a:schemeClr val="lt1"/>
+    </dgm:linClrLst>
+    <dgm:effectClrLst/>
+    <dgm:txLinClrLst/>
+    <dgm:txFillClrLst/>
+    <dgm:txEffectClrLst/>
+  </dgm:styleLbl>
+  <dgm:styleLbl name="parChTrans2D1">
+    <dgm:fillClrLst meth="repeat">
+      <a:schemeClr val="accent2">
+        <a:tint val="60000"/>
+      </a:schemeClr>
+    </dgm:fillClrLst>
+    <dgm:linClrLst meth="repeat">
+      <a:schemeClr val="accent2">
+        <a:tint val="60000"/>
+      </a:schemeClr>
+    </dgm:linClrLst>
+    <dgm:effectClrLst/>
+    <dgm:txLinClrLst/>
+    <dgm:txFillClrLst meth="repeat">
+      <a:schemeClr val="lt1"/>
+    </dgm:txFillClrLst>
+    <dgm:txEffectClrLst/>
+  </dgm:styleLbl>
+  <dgm:styleLbl name="parChTrans2D2">
+    <dgm:fillClrLst meth="repeat">
+      <a:schemeClr val="accent2"/>
+    </dgm:fillClrLst>
+    <dgm:linClrLst meth="repeat">
+      <a:schemeClr val="accent2"/>
+    </dgm:linClrLst>
+    <dgm:effectClrLst/>
+    <dgm:txLinClrLst/>
+    <dgm:txFillClrLst meth="repeat">
+      <a:schemeClr val="lt1"/>
+    </dgm:txFillClrLst>
+    <dgm:txEffectClrLst/>
+  </dgm:styleLbl>
+  <dgm:styleLbl name="parChTrans2D3">
+    <dgm:fillClrLst meth="repeat">
+      <a:schemeClr val="accent2"/>
+    </dgm:fillClrLst>
+    <dgm:linClrLst meth="repeat">
+      <a:schemeClr val="accent2"/>
+    </dgm:linClrLst>
+    <dgm:effectClrLst/>
+    <dgm:txLinClrLst/>
+    <dgm:txFillClrLst meth="repeat">
+      <a:schemeClr val="lt1"/>
+    </dgm:txFillClrLst>
+    <dgm:txEffectClrLst/>
+  </dgm:styleLbl>
+  <dgm:styleLbl name="parChTrans2D4">
+    <dgm:fillClrLst meth="repeat">
+      <a:schemeClr val="accent2"/>
+    </dgm:fillClrLst>
+    <dgm:linClrLst meth="repeat">
+      <a:schemeClr val="accent2"/>
+    </dgm:linClrLst>
+    <dgm:effectClrLst/>
+    <dgm:txLinClrLst/>
+    <dgm:txFillClrLst meth="repeat">
+      <a:schemeClr val="lt1"/>
+    </dgm:txFillClrLst>
+    <dgm:txEffectClrLst/>
+  </dgm:styleLbl>
+  <dgm:styleLbl name="parChTrans1D1">
+    <dgm:fillClrLst meth="repeat">
+      <a:schemeClr val="accent2"/>
+    </dgm:fillClrLst>
+    <dgm:linClrLst meth="repeat">
+      <a:schemeClr val="accent2">
+        <a:shade val="60000"/>
+      </a:schemeClr>
+    </dgm:linClrLst>
+    <dgm:effectClrLst/>
+    <dgm:txLinClrLst/>
+    <dgm:txFillClrLst meth="repeat">
+      <a:schemeClr val="tx1"/>
+    </dgm:txFillClrLst>
+    <dgm:txEffectClrLst/>
+  </dgm:styleLbl>
+  <dgm:styleLbl name="parChTrans1D2">
+    <dgm:fillClrLst meth="repeat">
+      <a:schemeClr val="accent2"/>
+    </dgm:fillClrLst>
+    <dgm:linClrLst meth="repeat">
+      <a:schemeClr val="accent2">
+        <a:shade val="60000"/>
+      </a:schemeClr>
+    </dgm:linClrLst>
+    <dgm:effectClrLst/>
+    <dgm:txLinClrLst/>
+    <dgm:txFillClrLst meth="repeat">
+      <a:schemeClr val="tx1"/>
+    </dgm:txFillClrLst>
+    <dgm:txEffectClrLst/>
+  </dgm:styleLbl>
+  <dgm:styleLbl name="parChTrans1D3">
+    <dgm:fillClrLst meth="repeat">
+      <a:schemeClr val="accent2"/>
+    </dgm:fillClrLst>
+    <dgm:linClrLst meth="repeat">
+      <a:schemeClr val="accent2">
+        <a:shade val="80000"/>
+      </a:schemeClr>
+    </dgm:linClrLst>
+    <dgm:effectClrLst/>
+    <dgm:txLinClrLst/>
+    <dgm:txFillClrLst meth="repeat">
+      <a:schemeClr val="tx1"/>
+    </dgm:txFillClrLst>
+    <dgm:txEffectClrLst/>
+  </dgm:styleLbl>
+  <dgm:styleLbl name="parChTrans1D4">
+    <dgm:fillClrLst meth="repeat">
+      <a:schemeClr val="accent2"/>
+    </dgm:fillClrLst>
+    <dgm:linClrLst meth="repeat">
+      <a:schemeClr val="accent2">
+        <a:shade val="80000"/>
+      </a:schemeClr>
+    </dgm:linClrLst>
+    <dgm:effectClrLst/>
+    <dgm:txLinClrLst/>
+    <dgm:txFillClrLst meth="repeat">
+      <a:schemeClr val="tx1"/>
+    </dgm:txFillClrLst>
+    <dgm:txEffectClrLst/>
+  </dgm:styleLbl>
+  <dgm:styleLbl name="fgAcc1">
+    <dgm:fillClrLst meth="repeat">
+      <a:schemeClr val="lt1">
+        <a:alpha val="90000"/>
+      </a:schemeClr>
+    </dgm:fillClrLst>
+    <dgm:linClrLst meth="repeat">
+      <a:schemeClr val="accent2"/>
+    </dgm:linClrLst>
+    <dgm:effectClrLst/>
+    <dgm:txLinClrLst/>
+    <dgm:txFillClrLst meth="repeat">
+      <a:schemeClr val="dk1"/>
+    </dgm:txFillClrLst>
+    <dgm:txEffectClrLst/>
+  </dgm:styleLbl>
+  <dgm:styleLbl name="conFgAcc1">
+    <dgm:fillClrLst meth="repeat">
+      <a:schemeClr val="lt1">
+        <a:alpha val="90000"/>
+      </a:schemeClr>
+    </dgm:fillClrLst>
+    <dgm:linClrLst meth="repeat">
+      <a:schemeClr val="accent2"/>
+    </dgm:linClrLst>
+    <dgm:effectClrLst/>
+    <dgm:txLinClrLst/>
+    <dgm:txFillClrLst meth="repeat">
+      <a:schemeClr val="dk1"/>
+    </dgm:txFillClrLst>
+    <dgm:txEffectClrLst/>
+  </dgm:styleLbl>
+  <dgm:styleLbl name="alignAcc1">
+    <dgm:fillClrLst meth="repeat">
+      <a:schemeClr val="lt1">
+        <a:alpha val="90000"/>
+      </a:schemeClr>
+    </dgm:fillClrLst>
+    <dgm:linClrLst meth="repeat">
+      <a:schemeClr val="accent2"/>
+    </dgm:linClrLst>
+    <dgm:effectClrLst/>
+    <dgm:txLinClrLst/>
+    <dgm:txFillClrLst meth="repeat">
+      <a:schemeClr val="dk1"/>
+    </dgm:txFillClrLst>
+    <dgm:txEffectClrLst/>
+  </dgm:styleLbl>
+  <dgm:styleLbl name="trAlignAcc1">
+    <dgm:fillClrLst meth="repeat">
+      <a:schemeClr val="lt1">
+        <a:alpha val="40000"/>
+      </a:schemeClr>
+    </dgm:fillClrLst>
+    <dgm:linClrLst meth="repeat">
+      <a:schemeClr val="accent2"/>
+    </dgm:linClrLst>
+    <dgm:effectClrLst/>
+    <dgm:txLinClrLst/>
+    <dgm:txFillClrLst meth="repeat">
+      <a:schemeClr val="dk1"/>
+    </dgm:txFillClrLst>
+    <dgm:txEffectClrLst/>
+  </dgm:styleLbl>
+  <dgm:styleLbl name="bgAcc1">
+    <dgm:fillClrLst meth="repeat">
+      <a:schemeClr val="lt1">
+        <a:alpha val="90000"/>
+      </a:schemeClr>
+    </dgm:fillClrLst>
+    <dgm:linClrLst meth="repeat">
+      <a:schemeClr val="accent2"/>
+    </dgm:linClrLst>
+    <dgm:effectClrLst/>
+    <dgm:txLinClrLst/>
+    <dgm:txFillClrLst meth="repeat">
+      <a:schemeClr val="dk1"/>
+    </dgm:txFillClrLst>
+    <dgm:txEffectClrLst/>
+  </dgm:styleLbl>
+  <dgm:styleLbl name="solidFgAcc1">
+    <dgm:fillClrLst meth="repeat">
+      <a:schemeClr val="lt1"/>
+    </dgm:fillClrLst>
+    <dgm:linClrLst meth="repeat">
+      <a:schemeClr val="accent2"/>
+    </dgm:linClrLst>
+    <dgm:effectClrLst/>
+    <dgm:txLinClrLst/>
+    <dgm:txFillClrLst meth="repeat">
+      <a:schemeClr val="dk1"/>
+    </dgm:txFillClrLst>
+    <dgm:txEffectClrLst/>
+  </dgm:styleLbl>
+  <dgm:styleLbl name="solidAlignAcc1">
+    <dgm:fillClrLst meth="repeat">
+      <a:schemeClr val="lt1"/>
+    </dgm:fillClrLst>
+    <dgm:linClrLst meth="repeat">
+      <a:schemeClr val="accent2"/>
+    </dgm:linClrLst>
+    <dgm:effectClrLst/>
+    <dgm:txLinClrLst/>
+    <dgm:txFillClrLst meth="repeat">
+      <a:schemeClr val="dk1"/>
+    </dgm:txFillClrLst>
+    <dgm:txEffectClrLst/>
+  </dgm:styleLbl>
+  <dgm:styleLbl name="solidBgAcc1">
+    <dgm:fillClrLst meth="repeat">
+      <a:schemeClr val="lt1"/>
+    </dgm:fillClrLst>
+    <dgm:linClrLst meth="repeat">
+      <a:schemeClr val="accent2"/>
+    </dgm:linClrLst>
+    <dgm:effectClrLst/>
+    <dgm:txLinClrLst/>
+    <dgm:txFillClrLst meth="repeat">
+      <a:schemeClr val="dk1"/>
+    </dgm:txFillClrLst>
+    <dgm:txEffectClrLst/>
+  </dgm:styleLbl>
+  <dgm:styleLbl name="fgAccFollowNode1">
+    <dgm:fillClrLst meth="repeat">
+      <a:schemeClr val="accent2">
+        <a:alpha val="90000"/>
+        <a:tint val="40000"/>
+      </a:schemeClr>
+    </dgm:fillClrLst>
+    <dgm:linClrLst meth="repeat">
+      <a:schemeClr val="accent2">
+        <a:alpha val="90000"/>
+        <a:tint val="40000"/>
+      </a:schemeClr>
+    </dgm:linClrLst>
+    <dgm:effectClrLst/>
+    <dgm:txLinClrLst/>
+    <dgm:txFillClrLst meth="repeat">
+      <a:schemeClr val="dk1"/>
+    </dgm:txFillClrLst>
+    <dgm:txEffectClrLst/>
+  </dgm:styleLbl>
+  <dgm:styleLbl name="alignAccFollowNode1">
+    <dgm:fillClrLst meth="repeat">
+      <a:schemeClr val="accent2">
+        <a:alpha val="90000"/>
+        <a:tint val="40000"/>
+      </a:schemeClr>
+    </dgm:fillClrLst>
+    <dgm:linClrLst meth="repeat">
+      <a:schemeClr val="accent2">
+        <a:alpha val="90000"/>
+        <a:tint val="40000"/>
+      </a:schemeClr>
+    </dgm:linClrLst>
+    <dgm:effectClrLst/>
+    <dgm:txLinClrLst/>
+    <dgm:txFillClrLst meth="repeat">
+      <a:schemeClr val="dk1"/>
+    </dgm:txFillClrLst>
+    <dgm:txEffectClrLst/>
+  </dgm:styleLbl>
+  <dgm:styleLbl name="bgAccFollowNode1">
+    <dgm:fillClrLst meth="repeat">
+      <a:schemeClr val="accent2">
+        <a:alpha val="90000"/>
+        <a:tint val="40000"/>
+      </a:schemeClr>
+    </dgm:fillClrLst>
+    <dgm:linClrLst meth="repeat">
+      <a:schemeClr val="accent2">
+        <a:alpha val="90000"/>
+        <a:tint val="40000"/>
+      </a:schemeClr>
+    </dgm:linClrLst>
+    <dgm:effectClrLst/>
+    <dgm:txLinClrLst/>
+    <dgm:txFillClrLst meth="repeat">
+      <a:schemeClr val="dk1"/>
+    </dgm:txFillClrLst>
+    <dgm:txEffectClrLst/>
+  </dgm:styleLbl>
+  <dgm:styleLbl name="fgAcc0">
+    <dgm:fillClrLst meth="repeat">
+      <a:schemeClr val="lt1">
+        <a:alpha val="90000"/>
+      </a:schemeClr>
+    </dgm:fillClrLst>
+    <dgm:linClrLst meth="repeat">
+      <a:schemeClr val="accent2"/>
+    </dgm:linClrLst>
+    <dgm:effectClrLst/>
+    <dgm:txLinClrLst/>
+    <dgm:txFillClrLst meth="repeat">
+      <a:schemeClr val="dk1"/>
+    </dgm:txFillClrLst>
+    <dgm:txEffectClrLst/>
+  </dgm:styleLbl>
+  <dgm:styleLbl name="fgAcc2">
+    <dgm:fillClrLst meth="repeat">
+      <a:schemeClr val="lt1">
+        <a:alpha val="90000"/>
+      </a:schemeClr>
+    </dgm:fillClrLst>
+    <dgm:linClrLst meth="repeat">
+      <a:schemeClr val="accent2"/>
+    </dgm:linClrLst>
+    <dgm:effectClrLst/>
+    <dgm:txLinClrLst/>
+    <dgm:txFillClrLst meth="repeat">
+      <a:schemeClr val="dk1"/>
+    </dgm:txFillClrLst>
+    <dgm:txEffectClrLst/>
+  </dgm:styleLbl>
+  <dgm:styleLbl name="fgAcc3">
+    <dgm:fillClrLst meth="repeat">
+      <a:schemeClr val="lt1">
+        <a:alpha val="90000"/>
+      </a:schemeClr>
+    </dgm:fillClrLst>
+    <dgm:linClrLst meth="repeat">
+      <a:schemeClr val="accent2"/>
+    </dgm:linClrLst>
+    <dgm:effectClrLst/>
+    <dgm:txLinClrLst/>
+    <dgm:txFillClrLst meth="repeat">
+      <a:schemeClr val="dk1"/>
+    </dgm:txFillClrLst>
+    <dgm:txEffectClrLst/>
+  </dgm:styleLbl>
+  <dgm:styleLbl name="fgAcc4">
+    <dgm:fillClrLst meth="repeat">
+      <a:schemeClr val="lt1">
+        <a:alpha val="90000"/>
+      </a:schemeClr>
+    </dgm:fillClrLst>
+    <dgm:linClrLst meth="repeat">
+      <a:schemeClr val="accent2"/>
+    </dgm:linClrLst>
+    <dgm:effectClrLst/>
+    <dgm:txLinClrLst/>
+    <dgm:txFillClrLst meth="repeat">
+      <a:schemeClr val="dk1"/>
+    </dgm:txFillClrLst>
+    <dgm:txEffectClrLst/>
+  </dgm:styleLbl>
+  <dgm:styleLbl name="bgShp">
+    <dgm:fillClrLst meth="repeat">
+      <a:schemeClr val="accent2">
+        <a:tint val="40000"/>
+      </a:schemeClr>
+    </dgm:fillClrLst>
+    <dgm:linClrLst meth="repeat">
+      <a:schemeClr val="accent2"/>
+    </dgm:linClrLst>
+    <dgm:effectClrLst/>
+    <dgm:txLinClrLst/>
+    <dgm:txFillClrLst meth="repeat">
+      <a:schemeClr val="dk1"/>
+    </dgm:txFillClrLst>
+    <dgm:txEffectClrLst/>
+  </dgm:styleLbl>
+  <dgm:styleLbl name="dkBgShp">
+    <dgm:fillClrLst meth="repeat">
+      <a:schemeClr val="accent2">
+        <a:shade val="80000"/>
+      </a:schemeClr>
+    </dgm:fillClrLst>
+    <dgm:linClrLst meth="repeat">
+      <a:schemeClr val="accent2"/>
+    </dgm:linClrLst>
+    <dgm:effectClrLst/>
+    <dgm:txLinClrLst/>
+    <dgm:txFillClrLst meth="repeat">
+      <a:schemeClr val="lt1"/>
+    </dgm:txFillClrLst>
+    <dgm:txEffectClrLst/>
+  </dgm:styleLbl>
+  <dgm:styleLbl name="trBgShp">
+    <dgm:fillClrLst meth="repeat">
+      <a:schemeClr val="accent2">
+        <a:tint val="50000"/>
+        <a:alpha val="40000"/>
+      </a:schemeClr>
+    </dgm:fillClrLst>
+    <dgm:linClrLst meth="repeat">
+      <a:schemeClr val="accent2"/>
+    </dgm:linClrLst>
+    <dgm:effectClrLst/>
+    <dgm:txLinClrLst/>
+    <dgm:txFillClrLst meth="repeat">
+      <a:schemeClr val="lt1"/>
+    </dgm:txFillClrLst>
+    <dgm:txEffectClrLst/>
+  </dgm:styleLbl>
+  <dgm:styleLbl name="fgShp">
+    <dgm:fillClrLst meth="repeat">
+      <a:schemeClr val="accent2">
+        <a:tint val="60000"/>
+      </a:schemeClr>
+    </dgm:fillClrLst>
+    <dgm:linClrLst meth="repeat">
+      <a:schemeClr val="lt1"/>
+    </dgm:linClrLst>
+    <dgm:effectClrLst/>
+    <dgm:txLinClrLst/>
+    <dgm:txFillClrLst meth="repeat">
+      <a:schemeClr val="dk1"/>
+    </dgm:txFillClrLst>
+    <dgm:txEffectClrLst/>
+  </dgm:styleLbl>
+  <dgm:styleLbl name="revTx">
+    <dgm:fillClrLst meth="repeat">
+      <a:schemeClr val="lt1">
+        <a:alpha val="0"/>
+      </a:schemeClr>
+    </dgm:fillClrLst>
+    <dgm:linClrLst meth="repeat">
+      <a:schemeClr val="dk1">
+        <a:alpha val="0"/>
+      </a:schemeClr>
+    </dgm:linClrLst>
+    <dgm:effectClrLst/>
+    <dgm:txLinClrLst/>
+    <dgm:txFillClrLst meth="repeat">
+      <a:schemeClr val="tx1"/>
+    </dgm:txFillClrLst>
+    <dgm:txEffectClrLst/>
+  </dgm:styleLbl>
+</dgm:colorsDef>
+</file>
+
 <file path=ppt/diagrams/data1.xml><?xml version="1.0" encoding="utf-8"?>
 <dgm:dataModel xmlns:dgm="http://schemas.openxmlformats.org/drawingml/2006/diagram" xmlns:a="http://schemas.openxmlformats.org/drawingml/2006/main">
   <dgm:ptLst>
@@ -2794,6 +3540,212 @@
 </dgm:dataModel>
 </file>
 
+<file path=ppt/diagrams/data3.xml><?xml version="1.0" encoding="utf-8"?>
+<dgm:dataModel xmlns:dgm="http://schemas.openxmlformats.org/drawingml/2006/diagram" xmlns:a="http://schemas.openxmlformats.org/drawingml/2006/main">
+  <dgm:ptLst>
+    <dgm:pt modelId="{C7A49CEB-CE04-4365-AECB-5B1D463D69D5}" type="doc">
+      <dgm:prSet loTypeId="urn:microsoft.com/office/officeart/2008/layout/AlternatingHexagons" loCatId="list" qsTypeId="urn:microsoft.com/office/officeart/2005/8/quickstyle/simple5" qsCatId="simple" csTypeId="urn:microsoft.com/office/officeart/2005/8/colors/accent2_2" csCatId="accent2" phldr="1"/>
+      <dgm:spPr/>
+      <dgm:t>
+        <a:bodyPr/>
+        <a:lstStyle/>
+        <a:p>
+          <a:endParaRPr lang="en-US"/>
+        </a:p>
+      </dgm:t>
+    </dgm:pt>
+    <dgm:pt modelId="{1085D1F1-6C94-4A91-BC42-4C4F95277B26}">
+      <dgm:prSet/>
+      <dgm:spPr/>
+      <dgm:t>
+        <a:bodyPr/>
+        <a:lstStyle/>
+        <a:p>
+          <a:r>
+            <a:rPr lang="en-US"/>
+            <a:t>Manage Faculty</a:t>
+          </a:r>
+        </a:p>
+      </dgm:t>
+    </dgm:pt>
+    <dgm:pt modelId="{1FE7943B-60DB-4F14-89E8-DE80A2C65A25}" type="parTrans" cxnId="{2B0AFB9D-541D-483A-A031-C76C2BD7BD5F}">
+      <dgm:prSet/>
+      <dgm:spPr/>
+      <dgm:t>
+        <a:bodyPr/>
+        <a:lstStyle/>
+        <a:p>
+          <a:endParaRPr lang="en-US"/>
+        </a:p>
+      </dgm:t>
+    </dgm:pt>
+    <dgm:pt modelId="{6CAA9AB6-C68E-486E-9129-24ADFD02233D}" type="sibTrans" cxnId="{2B0AFB9D-541D-483A-A031-C76C2BD7BD5F}">
+      <dgm:prSet/>
+      <dgm:spPr/>
+      <dgm:t>
+        <a:bodyPr/>
+        <a:lstStyle/>
+        <a:p>
+          <a:endParaRPr lang="en-US"/>
+        </a:p>
+      </dgm:t>
+    </dgm:pt>
+    <dgm:pt modelId="{E8603373-3047-4246-87D4-88EA7251E41C}">
+      <dgm:prSet/>
+      <dgm:spPr/>
+      <dgm:t>
+        <a:bodyPr/>
+        <a:lstStyle/>
+        <a:p>
+          <a:r>
+            <a:rPr lang="en-US"/>
+            <a:t>Manage Subjects</a:t>
+          </a:r>
+        </a:p>
+      </dgm:t>
+    </dgm:pt>
+    <dgm:pt modelId="{AC1653FD-3F13-4CFA-A723-A3447A719A50}" type="parTrans" cxnId="{0322320E-4691-4E1E-BD84-FABC0F2DDF1D}">
+      <dgm:prSet/>
+      <dgm:spPr/>
+      <dgm:t>
+        <a:bodyPr/>
+        <a:lstStyle/>
+        <a:p>
+          <a:endParaRPr lang="en-US"/>
+        </a:p>
+      </dgm:t>
+    </dgm:pt>
+    <dgm:pt modelId="{E1028B05-4DE9-4CDB-99C5-9AC5A77BF3D5}" type="sibTrans" cxnId="{0322320E-4691-4E1E-BD84-FABC0F2DDF1D}">
+      <dgm:prSet/>
+      <dgm:spPr/>
+      <dgm:t>
+        <a:bodyPr/>
+        <a:lstStyle/>
+        <a:p>
+          <a:endParaRPr lang="en-US"/>
+        </a:p>
+      </dgm:t>
+    </dgm:pt>
+    <dgm:pt modelId="{DFC929B6-DA59-4933-BD68-2C2BF6ED847D}" type="pres">
+      <dgm:prSet presAssocID="{C7A49CEB-CE04-4365-AECB-5B1D463D69D5}" presName="Name0" presStyleCnt="0">
+        <dgm:presLayoutVars>
+          <dgm:chMax/>
+          <dgm:chPref/>
+          <dgm:dir/>
+          <dgm:animLvl val="lvl"/>
+        </dgm:presLayoutVars>
+      </dgm:prSet>
+      <dgm:spPr/>
+    </dgm:pt>
+    <dgm:pt modelId="{55E25992-6983-4EB2-8E1E-02B52B93163A}" type="pres">
+      <dgm:prSet presAssocID="{1085D1F1-6C94-4A91-BC42-4C4F95277B26}" presName="composite" presStyleCnt="0"/>
+      <dgm:spPr/>
+    </dgm:pt>
+    <dgm:pt modelId="{EA385FAC-DAA6-4795-9098-6CB9DB8FB5B6}" type="pres">
+      <dgm:prSet presAssocID="{1085D1F1-6C94-4A91-BC42-4C4F95277B26}" presName="Parent1" presStyleLbl="node1" presStyleIdx="0" presStyleCnt="4">
+        <dgm:presLayoutVars>
+          <dgm:chMax val="1"/>
+          <dgm:chPref val="1"/>
+          <dgm:bulletEnabled val="1"/>
+        </dgm:presLayoutVars>
+      </dgm:prSet>
+      <dgm:spPr/>
+    </dgm:pt>
+    <dgm:pt modelId="{1ADFBC43-B59C-4758-A514-7D09615C0203}" type="pres">
+      <dgm:prSet presAssocID="{1085D1F1-6C94-4A91-BC42-4C4F95277B26}" presName="Childtext1" presStyleLbl="revTx" presStyleIdx="0" presStyleCnt="2">
+        <dgm:presLayoutVars>
+          <dgm:chMax val="0"/>
+          <dgm:chPref val="0"/>
+          <dgm:bulletEnabled val="1"/>
+        </dgm:presLayoutVars>
+      </dgm:prSet>
+      <dgm:spPr/>
+    </dgm:pt>
+    <dgm:pt modelId="{A26A851C-F4D3-469C-87FC-6087C39EABF3}" type="pres">
+      <dgm:prSet presAssocID="{1085D1F1-6C94-4A91-BC42-4C4F95277B26}" presName="BalanceSpacing" presStyleCnt="0"/>
+      <dgm:spPr/>
+    </dgm:pt>
+    <dgm:pt modelId="{56DE64D1-866F-4106-8234-AC3A0C49B317}" type="pres">
+      <dgm:prSet presAssocID="{1085D1F1-6C94-4A91-BC42-4C4F95277B26}" presName="BalanceSpacing1" presStyleCnt="0"/>
+      <dgm:spPr/>
+    </dgm:pt>
+    <dgm:pt modelId="{D0CA43E8-AD28-4F8E-84EA-41BFDA53868F}" type="pres">
+      <dgm:prSet presAssocID="{6CAA9AB6-C68E-486E-9129-24ADFD02233D}" presName="Accent1Text" presStyleLbl="node1" presStyleIdx="1" presStyleCnt="4"/>
+      <dgm:spPr/>
+    </dgm:pt>
+    <dgm:pt modelId="{9DA1F1DA-495F-42AE-854B-E608EC033E64}" type="pres">
+      <dgm:prSet presAssocID="{6CAA9AB6-C68E-486E-9129-24ADFD02233D}" presName="spaceBetweenRectangles" presStyleCnt="0"/>
+      <dgm:spPr/>
+    </dgm:pt>
+    <dgm:pt modelId="{EF733D9B-8935-4B31-A7B7-5E97018D0E54}" type="pres">
+      <dgm:prSet presAssocID="{E8603373-3047-4246-87D4-88EA7251E41C}" presName="composite" presStyleCnt="0"/>
+      <dgm:spPr/>
+    </dgm:pt>
+    <dgm:pt modelId="{98A4013C-DC2D-4E3D-8CE3-7A8764280403}" type="pres">
+      <dgm:prSet presAssocID="{E8603373-3047-4246-87D4-88EA7251E41C}" presName="Parent1" presStyleLbl="node1" presStyleIdx="2" presStyleCnt="4">
+        <dgm:presLayoutVars>
+          <dgm:chMax val="1"/>
+          <dgm:chPref val="1"/>
+          <dgm:bulletEnabled val="1"/>
+        </dgm:presLayoutVars>
+      </dgm:prSet>
+      <dgm:spPr/>
+    </dgm:pt>
+    <dgm:pt modelId="{72C312A5-A58A-4FF5-8665-DED3D20CC01E}" type="pres">
+      <dgm:prSet presAssocID="{E8603373-3047-4246-87D4-88EA7251E41C}" presName="Childtext1" presStyleLbl="revTx" presStyleIdx="1" presStyleCnt="2">
+        <dgm:presLayoutVars>
+          <dgm:chMax val="0"/>
+          <dgm:chPref val="0"/>
+          <dgm:bulletEnabled val="1"/>
+        </dgm:presLayoutVars>
+      </dgm:prSet>
+      <dgm:spPr/>
+    </dgm:pt>
+    <dgm:pt modelId="{BF37CDFE-C461-440A-B315-E7C477C952C1}" type="pres">
+      <dgm:prSet presAssocID="{E8603373-3047-4246-87D4-88EA7251E41C}" presName="BalanceSpacing" presStyleCnt="0"/>
+      <dgm:spPr/>
+    </dgm:pt>
+    <dgm:pt modelId="{900E4A23-CCC2-4D18-9B94-E08AE1219AC4}" type="pres">
+      <dgm:prSet presAssocID="{E8603373-3047-4246-87D4-88EA7251E41C}" presName="BalanceSpacing1" presStyleCnt="0"/>
+      <dgm:spPr/>
+    </dgm:pt>
+    <dgm:pt modelId="{1B27412B-9161-48E4-BA0B-F2F79A6442F1}" type="pres">
+      <dgm:prSet presAssocID="{E1028B05-4DE9-4CDB-99C5-9AC5A77BF3D5}" presName="Accent1Text" presStyleLbl="node1" presStyleIdx="3" presStyleCnt="4"/>
+      <dgm:spPr/>
+    </dgm:pt>
+  </dgm:ptLst>
+  <dgm:cxnLst>
+    <dgm:cxn modelId="{0322320E-4691-4E1E-BD84-FABC0F2DDF1D}" srcId="{C7A49CEB-CE04-4365-AECB-5B1D463D69D5}" destId="{E8603373-3047-4246-87D4-88EA7251E41C}" srcOrd="1" destOrd="0" parTransId="{AC1653FD-3F13-4CFA-A723-A3447A719A50}" sibTransId="{E1028B05-4DE9-4CDB-99C5-9AC5A77BF3D5}"/>
+    <dgm:cxn modelId="{AA9C6017-F2F0-466C-955E-68A2C4F384D5}" type="presOf" srcId="{E8603373-3047-4246-87D4-88EA7251E41C}" destId="{98A4013C-DC2D-4E3D-8CE3-7A8764280403}" srcOrd="0" destOrd="0" presId="urn:microsoft.com/office/officeart/2008/layout/AlternatingHexagons"/>
+    <dgm:cxn modelId="{07012619-3987-41EB-A779-2A3757F012F0}" type="presOf" srcId="{6CAA9AB6-C68E-486E-9129-24ADFD02233D}" destId="{D0CA43E8-AD28-4F8E-84EA-41BFDA53868F}" srcOrd="0" destOrd="0" presId="urn:microsoft.com/office/officeart/2008/layout/AlternatingHexagons"/>
+    <dgm:cxn modelId="{DAC2E44F-C8A0-480D-8D40-DE47CFD69D35}" type="presOf" srcId="{1085D1F1-6C94-4A91-BC42-4C4F95277B26}" destId="{EA385FAC-DAA6-4795-9098-6CB9DB8FB5B6}" srcOrd="0" destOrd="0" presId="urn:microsoft.com/office/officeart/2008/layout/AlternatingHexagons"/>
+    <dgm:cxn modelId="{2B0AFB9D-541D-483A-A031-C76C2BD7BD5F}" srcId="{C7A49CEB-CE04-4365-AECB-5B1D463D69D5}" destId="{1085D1F1-6C94-4A91-BC42-4C4F95277B26}" srcOrd="0" destOrd="0" parTransId="{1FE7943B-60DB-4F14-89E8-DE80A2C65A25}" sibTransId="{6CAA9AB6-C68E-486E-9129-24ADFD02233D}"/>
+    <dgm:cxn modelId="{3301F9DB-AD15-439C-8DB5-84D46C413932}" type="presOf" srcId="{C7A49CEB-CE04-4365-AECB-5B1D463D69D5}" destId="{DFC929B6-DA59-4933-BD68-2C2BF6ED847D}" srcOrd="0" destOrd="0" presId="urn:microsoft.com/office/officeart/2008/layout/AlternatingHexagons"/>
+    <dgm:cxn modelId="{7EDA47EA-5A13-4677-B2B7-D4CA50C7321E}" type="presOf" srcId="{E1028B05-4DE9-4CDB-99C5-9AC5A77BF3D5}" destId="{1B27412B-9161-48E4-BA0B-F2F79A6442F1}" srcOrd="0" destOrd="0" presId="urn:microsoft.com/office/officeart/2008/layout/AlternatingHexagons"/>
+    <dgm:cxn modelId="{1CB46369-205A-41CD-83C8-20128C2452CC}" type="presParOf" srcId="{DFC929B6-DA59-4933-BD68-2C2BF6ED847D}" destId="{55E25992-6983-4EB2-8E1E-02B52B93163A}" srcOrd="0" destOrd="0" presId="urn:microsoft.com/office/officeart/2008/layout/AlternatingHexagons"/>
+    <dgm:cxn modelId="{0D4130D4-8D9F-4CE5-A79C-DCF1395583A8}" type="presParOf" srcId="{55E25992-6983-4EB2-8E1E-02B52B93163A}" destId="{EA385FAC-DAA6-4795-9098-6CB9DB8FB5B6}" srcOrd="0" destOrd="0" presId="urn:microsoft.com/office/officeart/2008/layout/AlternatingHexagons"/>
+    <dgm:cxn modelId="{13715DAB-5FA2-46F8-8E14-7F4CDC27A291}" type="presParOf" srcId="{55E25992-6983-4EB2-8E1E-02B52B93163A}" destId="{1ADFBC43-B59C-4758-A514-7D09615C0203}" srcOrd="1" destOrd="0" presId="urn:microsoft.com/office/officeart/2008/layout/AlternatingHexagons"/>
+    <dgm:cxn modelId="{6B622992-A9CE-44BD-B364-9956DA48E666}" type="presParOf" srcId="{55E25992-6983-4EB2-8E1E-02B52B93163A}" destId="{A26A851C-F4D3-469C-87FC-6087C39EABF3}" srcOrd="2" destOrd="0" presId="urn:microsoft.com/office/officeart/2008/layout/AlternatingHexagons"/>
+    <dgm:cxn modelId="{D00B5719-687F-4C3F-BA28-2A1B93CCA5FE}" type="presParOf" srcId="{55E25992-6983-4EB2-8E1E-02B52B93163A}" destId="{56DE64D1-866F-4106-8234-AC3A0C49B317}" srcOrd="3" destOrd="0" presId="urn:microsoft.com/office/officeart/2008/layout/AlternatingHexagons"/>
+    <dgm:cxn modelId="{9B9B5535-9923-4091-8BC4-3DF9996C311C}" type="presParOf" srcId="{55E25992-6983-4EB2-8E1E-02B52B93163A}" destId="{D0CA43E8-AD28-4F8E-84EA-41BFDA53868F}" srcOrd="4" destOrd="0" presId="urn:microsoft.com/office/officeart/2008/layout/AlternatingHexagons"/>
+    <dgm:cxn modelId="{6489456E-66FD-46B3-83FF-BC5A45243EC7}" type="presParOf" srcId="{DFC929B6-DA59-4933-BD68-2C2BF6ED847D}" destId="{9DA1F1DA-495F-42AE-854B-E608EC033E64}" srcOrd="1" destOrd="0" presId="urn:microsoft.com/office/officeart/2008/layout/AlternatingHexagons"/>
+    <dgm:cxn modelId="{B01A0CC5-9CF5-44AD-BB01-DC8E74A5AA92}" type="presParOf" srcId="{DFC929B6-DA59-4933-BD68-2C2BF6ED847D}" destId="{EF733D9B-8935-4B31-A7B7-5E97018D0E54}" srcOrd="2" destOrd="0" presId="urn:microsoft.com/office/officeart/2008/layout/AlternatingHexagons"/>
+    <dgm:cxn modelId="{F28A24CF-8243-46AD-B9E3-4B9E9D02CF0B}" type="presParOf" srcId="{EF733D9B-8935-4B31-A7B7-5E97018D0E54}" destId="{98A4013C-DC2D-4E3D-8CE3-7A8764280403}" srcOrd="0" destOrd="0" presId="urn:microsoft.com/office/officeart/2008/layout/AlternatingHexagons"/>
+    <dgm:cxn modelId="{ECA74447-DC19-420E-B422-E9704D17FEA5}" type="presParOf" srcId="{EF733D9B-8935-4B31-A7B7-5E97018D0E54}" destId="{72C312A5-A58A-4FF5-8665-DED3D20CC01E}" srcOrd="1" destOrd="0" presId="urn:microsoft.com/office/officeart/2008/layout/AlternatingHexagons"/>
+    <dgm:cxn modelId="{90647E21-7550-450B-B80B-1C34B709C1D2}" type="presParOf" srcId="{EF733D9B-8935-4B31-A7B7-5E97018D0E54}" destId="{BF37CDFE-C461-440A-B315-E7C477C952C1}" srcOrd="2" destOrd="0" presId="urn:microsoft.com/office/officeart/2008/layout/AlternatingHexagons"/>
+    <dgm:cxn modelId="{566B00D2-7249-49F7-9B9B-8FDCC65B51F5}" type="presParOf" srcId="{EF733D9B-8935-4B31-A7B7-5E97018D0E54}" destId="{900E4A23-CCC2-4D18-9B94-E08AE1219AC4}" srcOrd="3" destOrd="0" presId="urn:microsoft.com/office/officeart/2008/layout/AlternatingHexagons"/>
+    <dgm:cxn modelId="{60FAC957-4A50-420F-AF5E-EBBD20FCBD54}" type="presParOf" srcId="{EF733D9B-8935-4B31-A7B7-5E97018D0E54}" destId="{1B27412B-9161-48E4-BA0B-F2F79A6442F1}" srcOrd="4" destOrd="0" presId="urn:microsoft.com/office/officeart/2008/layout/AlternatingHexagons"/>
+  </dgm:cxnLst>
+  <dgm:bg/>
+  <dgm:whole/>
+  <dgm:extLst>
+    <a:ext uri="http://schemas.microsoft.com/office/drawing/2008/diagram">
+      <dsp:dataModelExt xmlns:dsp="http://schemas.microsoft.com/office/drawing/2008/diagram" relId="rId6" minVer="http://schemas.openxmlformats.org/drawingml/2006/diagram"/>
+    </a:ext>
+  </dgm:extLst>
+</dgm:dataModel>
+</file>
+
 <file path=ppt/diagrams/drawing1.xml><?xml version="1.0" encoding="utf-8"?>
 <dsp:drawing xmlns:dgm="http://schemas.openxmlformats.org/drawingml/2006/diagram" xmlns:dsp="http://schemas.microsoft.com/office/drawing/2008/diagram" xmlns:a="http://schemas.openxmlformats.org/drawingml/2006/main">
   <dsp:spTree>
@@ -3899,6 +4851,544 @@
       <dsp:txXfrm>
         <a:off x="1016329" y="4403827"/>
         <a:ext cx="4805437" cy="879939"/>
+      </dsp:txXfrm>
+    </dsp:sp>
+  </dsp:spTree>
+</dsp:drawing>
+</file>
+
+<file path=ppt/diagrams/drawing3.xml><?xml version="1.0" encoding="utf-8"?>
+<dsp:drawing xmlns:dgm="http://schemas.openxmlformats.org/drawingml/2006/diagram" xmlns:dsp="http://schemas.microsoft.com/office/drawing/2008/diagram" xmlns:a="http://schemas.openxmlformats.org/drawingml/2006/main">
+  <dsp:spTree>
+    <dsp:nvGrpSpPr>
+      <dsp:cNvPr id="0" name=""/>
+      <dsp:cNvGrpSpPr/>
+    </dsp:nvGrpSpPr>
+    <dsp:grpSpPr/>
+    <dsp:sp modelId="{EA385FAC-DAA6-4795-9098-6CB9DB8FB5B6}">
+      <dsp:nvSpPr>
+        <dsp:cNvPr id="0" name=""/>
+        <dsp:cNvSpPr/>
+      </dsp:nvSpPr>
+      <dsp:spPr>
+        <a:xfrm rot="5400000">
+          <a:off x="2540749" y="1194733"/>
+          <a:ext cx="1668691" cy="1451761"/>
+        </a:xfrm>
+        <a:prstGeom prst="hexagon">
+          <a:avLst>
+            <a:gd name="adj" fmla="val 25000"/>
+            <a:gd name="vf" fmla="val 115470"/>
+          </a:avLst>
+        </a:prstGeom>
+        <a:gradFill rotWithShape="0">
+          <a:gsLst>
+            <a:gs pos="0">
+              <a:schemeClr val="accent2">
+                <a:hueOff val="0"/>
+                <a:satOff val="0"/>
+                <a:lumOff val="0"/>
+                <a:alphaOff val="0"/>
+                <a:tint val="98000"/>
+                <a:satMod val="110000"/>
+                <a:lumMod val="104000"/>
+              </a:schemeClr>
+            </a:gs>
+            <a:gs pos="69000">
+              <a:schemeClr val="accent2">
+                <a:hueOff val="0"/>
+                <a:satOff val="0"/>
+                <a:lumOff val="0"/>
+                <a:alphaOff val="0"/>
+                <a:shade val="84000"/>
+                <a:satMod val="130000"/>
+                <a:lumMod val="92000"/>
+              </a:schemeClr>
+            </a:gs>
+            <a:gs pos="100000">
+              <a:schemeClr val="accent2">
+                <a:hueOff val="0"/>
+                <a:satOff val="0"/>
+                <a:lumOff val="0"/>
+                <a:alphaOff val="0"/>
+                <a:shade val="76000"/>
+                <a:satMod val="130000"/>
+                <a:lumMod val="88000"/>
+              </a:schemeClr>
+            </a:gs>
+          </a:gsLst>
+          <a:lin ang="5400000" scaled="0"/>
+        </a:gradFill>
+        <a:ln>
+          <a:noFill/>
+        </a:ln>
+        <a:effectLst>
+          <a:outerShdw blurRad="38100" dist="25400" dir="5400000" rotWithShape="0">
+            <a:srgbClr val="000000">
+              <a:alpha val="75000"/>
+            </a:srgbClr>
+          </a:outerShdw>
+        </a:effectLst>
+        <a:scene3d>
+          <a:camera prst="orthographicFront">
+            <a:rot lat="0" lon="0" rev="0"/>
+          </a:camera>
+          <a:lightRig rig="threePt" dir="tl"/>
+        </a:scene3d>
+        <a:sp3d>
+          <a:bevelT w="0" h="0"/>
+        </a:sp3d>
+      </dsp:spPr>
+      <dsp:style>
+        <a:lnRef idx="0">
+          <a:scrgbClr r="0" g="0" b="0"/>
+        </a:lnRef>
+        <a:fillRef idx="3">
+          <a:scrgbClr r="0" g="0" b="0"/>
+        </a:fillRef>
+        <a:effectRef idx="3">
+          <a:scrgbClr r="0" g="0" b="0"/>
+        </a:effectRef>
+        <a:fontRef idx="minor">
+          <a:schemeClr val="lt1"/>
+        </a:fontRef>
+      </dsp:style>
+      <dsp:txBody>
+        <a:bodyPr spcFirstLastPara="0" vert="horz" wrap="square" lIns="64770" tIns="64770" rIns="64770" bIns="64770" numCol="1" spcCol="1270" anchor="ctr" anchorCtr="0">
+          <a:noAutofit/>
+        </a:bodyPr>
+        <a:lstStyle/>
+        <a:p>
+          <a:pPr marL="0" lvl="0" indent="0" algn="ctr" defTabSz="755650">
+            <a:lnSpc>
+              <a:spcPct val="90000"/>
+            </a:lnSpc>
+            <a:spcBef>
+              <a:spcPct val="0"/>
+            </a:spcBef>
+            <a:spcAft>
+              <a:spcPct val="35000"/>
+            </a:spcAft>
+            <a:buNone/>
+          </a:pPr>
+          <a:r>
+            <a:rPr lang="en-US" sz="1700" kern="1200"/>
+            <a:t>Manage Faculty</a:t>
+          </a:r>
+        </a:p>
+      </dsp:txBody>
+      <dsp:txXfrm rot="-5400000">
+        <a:off x="2875447" y="1346306"/>
+        <a:ext cx="999295" cy="1148615"/>
+      </dsp:txXfrm>
+    </dsp:sp>
+    <dsp:sp modelId="{1ADFBC43-B59C-4758-A514-7D09615C0203}">
+      <dsp:nvSpPr>
+        <dsp:cNvPr id="0" name=""/>
+        <dsp:cNvSpPr/>
+      </dsp:nvSpPr>
+      <dsp:spPr>
+        <a:xfrm>
+          <a:off x="4145030" y="1420006"/>
+          <a:ext cx="1862259" cy="1001215"/>
+        </a:xfrm>
+        <a:prstGeom prst="rect">
+          <a:avLst/>
+        </a:prstGeom>
+        <a:noFill/>
+        <a:ln>
+          <a:noFill/>
+        </a:ln>
+        <a:effectLst/>
+      </dsp:spPr>
+      <dsp:style>
+        <a:lnRef idx="0">
+          <a:scrgbClr r="0" g="0" b="0"/>
+        </a:lnRef>
+        <a:fillRef idx="0">
+          <a:scrgbClr r="0" g="0" b="0"/>
+        </a:fillRef>
+        <a:effectRef idx="0">
+          <a:scrgbClr r="0" g="0" b="0"/>
+        </a:effectRef>
+        <a:fontRef idx="minor"/>
+      </dsp:style>
+    </dsp:sp>
+    <dsp:sp modelId="{D0CA43E8-AD28-4F8E-84EA-41BFDA53868F}">
+      <dsp:nvSpPr>
+        <dsp:cNvPr id="0" name=""/>
+        <dsp:cNvSpPr/>
+      </dsp:nvSpPr>
+      <dsp:spPr>
+        <a:xfrm rot="5400000">
+          <a:off x="972847" y="1194733"/>
+          <a:ext cx="1668691" cy="1451761"/>
+        </a:xfrm>
+        <a:prstGeom prst="hexagon">
+          <a:avLst>
+            <a:gd name="adj" fmla="val 25000"/>
+            <a:gd name="vf" fmla="val 115470"/>
+          </a:avLst>
+        </a:prstGeom>
+        <a:gradFill rotWithShape="0">
+          <a:gsLst>
+            <a:gs pos="0">
+              <a:schemeClr val="accent2">
+                <a:hueOff val="0"/>
+                <a:satOff val="0"/>
+                <a:lumOff val="0"/>
+                <a:alphaOff val="0"/>
+                <a:tint val="98000"/>
+                <a:satMod val="110000"/>
+                <a:lumMod val="104000"/>
+              </a:schemeClr>
+            </a:gs>
+            <a:gs pos="69000">
+              <a:schemeClr val="accent2">
+                <a:hueOff val="0"/>
+                <a:satOff val="0"/>
+                <a:lumOff val="0"/>
+                <a:alphaOff val="0"/>
+                <a:shade val="84000"/>
+                <a:satMod val="130000"/>
+                <a:lumMod val="92000"/>
+              </a:schemeClr>
+            </a:gs>
+            <a:gs pos="100000">
+              <a:schemeClr val="accent2">
+                <a:hueOff val="0"/>
+                <a:satOff val="0"/>
+                <a:lumOff val="0"/>
+                <a:alphaOff val="0"/>
+                <a:shade val="76000"/>
+                <a:satMod val="130000"/>
+                <a:lumMod val="88000"/>
+              </a:schemeClr>
+            </a:gs>
+          </a:gsLst>
+          <a:lin ang="5400000" scaled="0"/>
+        </a:gradFill>
+        <a:ln>
+          <a:noFill/>
+        </a:ln>
+        <a:effectLst>
+          <a:outerShdw blurRad="38100" dist="25400" dir="5400000" rotWithShape="0">
+            <a:srgbClr val="000000">
+              <a:alpha val="75000"/>
+            </a:srgbClr>
+          </a:outerShdw>
+        </a:effectLst>
+        <a:scene3d>
+          <a:camera prst="orthographicFront">
+            <a:rot lat="0" lon="0" rev="0"/>
+          </a:camera>
+          <a:lightRig rig="threePt" dir="tl"/>
+        </a:scene3d>
+        <a:sp3d>
+          <a:bevelT w="0" h="0"/>
+        </a:sp3d>
+      </dsp:spPr>
+      <dsp:style>
+        <a:lnRef idx="0">
+          <a:scrgbClr r="0" g="0" b="0"/>
+        </a:lnRef>
+        <a:fillRef idx="3">
+          <a:scrgbClr r="0" g="0" b="0"/>
+        </a:fillRef>
+        <a:effectRef idx="3">
+          <a:scrgbClr r="0" g="0" b="0"/>
+        </a:effectRef>
+        <a:fontRef idx="minor">
+          <a:schemeClr val="lt1"/>
+        </a:fontRef>
+      </dsp:style>
+      <dsp:txBody>
+        <a:bodyPr spcFirstLastPara="0" vert="horz" wrap="square" lIns="0" tIns="0" rIns="0" bIns="0" numCol="1" spcCol="1270" anchor="ctr" anchorCtr="0">
+          <a:noAutofit/>
+        </a:bodyPr>
+        <a:lstStyle/>
+        <a:p>
+          <a:pPr marL="0" lvl="0" indent="0" algn="ctr" defTabSz="1600200">
+            <a:lnSpc>
+              <a:spcPct val="90000"/>
+            </a:lnSpc>
+            <a:spcBef>
+              <a:spcPct val="0"/>
+            </a:spcBef>
+            <a:spcAft>
+              <a:spcPct val="35000"/>
+            </a:spcAft>
+            <a:buNone/>
+          </a:pPr>
+          <a:endParaRPr lang="en-US" sz="3600" kern="1200"/>
+        </a:p>
+      </dsp:txBody>
+      <dsp:txXfrm rot="-5400000">
+        <a:off x="1307545" y="1346306"/>
+        <a:ext cx="999295" cy="1148615"/>
+      </dsp:txXfrm>
+    </dsp:sp>
+    <dsp:sp modelId="{98A4013C-DC2D-4E3D-8CE3-7A8764280403}">
+      <dsp:nvSpPr>
+        <dsp:cNvPr id="0" name=""/>
+        <dsp:cNvSpPr/>
+      </dsp:nvSpPr>
+      <dsp:spPr>
+        <a:xfrm rot="5400000">
+          <a:off x="1753794" y="2611118"/>
+          <a:ext cx="1668691" cy="1451761"/>
+        </a:xfrm>
+        <a:prstGeom prst="hexagon">
+          <a:avLst>
+            <a:gd name="adj" fmla="val 25000"/>
+            <a:gd name="vf" fmla="val 115470"/>
+          </a:avLst>
+        </a:prstGeom>
+        <a:gradFill rotWithShape="0">
+          <a:gsLst>
+            <a:gs pos="0">
+              <a:schemeClr val="accent2">
+                <a:hueOff val="0"/>
+                <a:satOff val="0"/>
+                <a:lumOff val="0"/>
+                <a:alphaOff val="0"/>
+                <a:tint val="98000"/>
+                <a:satMod val="110000"/>
+                <a:lumMod val="104000"/>
+              </a:schemeClr>
+            </a:gs>
+            <a:gs pos="69000">
+              <a:schemeClr val="accent2">
+                <a:hueOff val="0"/>
+                <a:satOff val="0"/>
+                <a:lumOff val="0"/>
+                <a:alphaOff val="0"/>
+                <a:shade val="84000"/>
+                <a:satMod val="130000"/>
+                <a:lumMod val="92000"/>
+              </a:schemeClr>
+            </a:gs>
+            <a:gs pos="100000">
+              <a:schemeClr val="accent2">
+                <a:hueOff val="0"/>
+                <a:satOff val="0"/>
+                <a:lumOff val="0"/>
+                <a:alphaOff val="0"/>
+                <a:shade val="76000"/>
+                <a:satMod val="130000"/>
+                <a:lumMod val="88000"/>
+              </a:schemeClr>
+            </a:gs>
+          </a:gsLst>
+          <a:lin ang="5400000" scaled="0"/>
+        </a:gradFill>
+        <a:ln>
+          <a:noFill/>
+        </a:ln>
+        <a:effectLst>
+          <a:outerShdw blurRad="38100" dist="25400" dir="5400000" rotWithShape="0">
+            <a:srgbClr val="000000">
+              <a:alpha val="75000"/>
+            </a:srgbClr>
+          </a:outerShdw>
+        </a:effectLst>
+        <a:scene3d>
+          <a:camera prst="orthographicFront">
+            <a:rot lat="0" lon="0" rev="0"/>
+          </a:camera>
+          <a:lightRig rig="threePt" dir="tl"/>
+        </a:scene3d>
+        <a:sp3d>
+          <a:bevelT w="0" h="0"/>
+        </a:sp3d>
+      </dsp:spPr>
+      <dsp:style>
+        <a:lnRef idx="0">
+          <a:scrgbClr r="0" g="0" b="0"/>
+        </a:lnRef>
+        <a:fillRef idx="3">
+          <a:scrgbClr r="0" g="0" b="0"/>
+        </a:fillRef>
+        <a:effectRef idx="3">
+          <a:scrgbClr r="0" g="0" b="0"/>
+        </a:effectRef>
+        <a:fontRef idx="minor">
+          <a:schemeClr val="lt1"/>
+        </a:fontRef>
+      </dsp:style>
+      <dsp:txBody>
+        <a:bodyPr spcFirstLastPara="0" vert="horz" wrap="square" lIns="64770" tIns="64770" rIns="64770" bIns="64770" numCol="1" spcCol="1270" anchor="ctr" anchorCtr="0">
+          <a:noAutofit/>
+        </a:bodyPr>
+        <a:lstStyle/>
+        <a:p>
+          <a:pPr marL="0" lvl="0" indent="0" algn="ctr" defTabSz="755650">
+            <a:lnSpc>
+              <a:spcPct val="90000"/>
+            </a:lnSpc>
+            <a:spcBef>
+              <a:spcPct val="0"/>
+            </a:spcBef>
+            <a:spcAft>
+              <a:spcPct val="35000"/>
+            </a:spcAft>
+            <a:buNone/>
+          </a:pPr>
+          <a:r>
+            <a:rPr lang="en-US" sz="1700" kern="1200"/>
+            <a:t>Manage Subjects</a:t>
+          </a:r>
+        </a:p>
+      </dsp:txBody>
+      <dsp:txXfrm rot="-5400000">
+        <a:off x="2088492" y="2762691"/>
+        <a:ext cx="999295" cy="1148615"/>
+      </dsp:txXfrm>
+    </dsp:sp>
+    <dsp:sp modelId="{72C312A5-A58A-4FF5-8665-DED3D20CC01E}">
+      <dsp:nvSpPr>
+        <dsp:cNvPr id="0" name=""/>
+        <dsp:cNvSpPr/>
+      </dsp:nvSpPr>
+      <dsp:spPr>
+        <a:xfrm>
+          <a:off x="0" y="2836392"/>
+          <a:ext cx="1802187" cy="1001215"/>
+        </a:xfrm>
+        <a:prstGeom prst="rect">
+          <a:avLst/>
+        </a:prstGeom>
+        <a:noFill/>
+        <a:ln>
+          <a:noFill/>
+        </a:ln>
+        <a:effectLst/>
+      </dsp:spPr>
+      <dsp:style>
+        <a:lnRef idx="0">
+          <a:scrgbClr r="0" g="0" b="0"/>
+        </a:lnRef>
+        <a:fillRef idx="0">
+          <a:scrgbClr r="0" g="0" b="0"/>
+        </a:fillRef>
+        <a:effectRef idx="0">
+          <a:scrgbClr r="0" g="0" b="0"/>
+        </a:effectRef>
+        <a:fontRef idx="minor"/>
+      </dsp:style>
+    </dsp:sp>
+    <dsp:sp modelId="{1B27412B-9161-48E4-BA0B-F2F79A6442F1}">
+      <dsp:nvSpPr>
+        <dsp:cNvPr id="0" name=""/>
+        <dsp:cNvSpPr/>
+      </dsp:nvSpPr>
+      <dsp:spPr>
+        <a:xfrm rot="5400000">
+          <a:off x="3321697" y="2611118"/>
+          <a:ext cx="1668691" cy="1451761"/>
+        </a:xfrm>
+        <a:prstGeom prst="hexagon">
+          <a:avLst>
+            <a:gd name="adj" fmla="val 25000"/>
+            <a:gd name="vf" fmla="val 115470"/>
+          </a:avLst>
+        </a:prstGeom>
+        <a:gradFill rotWithShape="0">
+          <a:gsLst>
+            <a:gs pos="0">
+              <a:schemeClr val="accent2">
+                <a:hueOff val="0"/>
+                <a:satOff val="0"/>
+                <a:lumOff val="0"/>
+                <a:alphaOff val="0"/>
+                <a:tint val="98000"/>
+                <a:satMod val="110000"/>
+                <a:lumMod val="104000"/>
+              </a:schemeClr>
+            </a:gs>
+            <a:gs pos="69000">
+              <a:schemeClr val="accent2">
+                <a:hueOff val="0"/>
+                <a:satOff val="0"/>
+                <a:lumOff val="0"/>
+                <a:alphaOff val="0"/>
+                <a:shade val="84000"/>
+                <a:satMod val="130000"/>
+                <a:lumMod val="92000"/>
+              </a:schemeClr>
+            </a:gs>
+            <a:gs pos="100000">
+              <a:schemeClr val="accent2">
+                <a:hueOff val="0"/>
+                <a:satOff val="0"/>
+                <a:lumOff val="0"/>
+                <a:alphaOff val="0"/>
+                <a:shade val="76000"/>
+                <a:satMod val="130000"/>
+                <a:lumMod val="88000"/>
+              </a:schemeClr>
+            </a:gs>
+          </a:gsLst>
+          <a:lin ang="5400000" scaled="0"/>
+        </a:gradFill>
+        <a:ln>
+          <a:noFill/>
+        </a:ln>
+        <a:effectLst>
+          <a:outerShdw blurRad="38100" dist="25400" dir="5400000" rotWithShape="0">
+            <a:srgbClr val="000000">
+              <a:alpha val="75000"/>
+            </a:srgbClr>
+          </a:outerShdw>
+        </a:effectLst>
+        <a:scene3d>
+          <a:camera prst="orthographicFront">
+            <a:rot lat="0" lon="0" rev="0"/>
+          </a:camera>
+          <a:lightRig rig="threePt" dir="tl"/>
+        </a:scene3d>
+        <a:sp3d>
+          <a:bevelT w="0" h="0"/>
+        </a:sp3d>
+      </dsp:spPr>
+      <dsp:style>
+        <a:lnRef idx="0">
+          <a:scrgbClr r="0" g="0" b="0"/>
+        </a:lnRef>
+        <a:fillRef idx="3">
+          <a:scrgbClr r="0" g="0" b="0"/>
+        </a:fillRef>
+        <a:effectRef idx="3">
+          <a:scrgbClr r="0" g="0" b="0"/>
+        </a:effectRef>
+        <a:fontRef idx="minor">
+          <a:schemeClr val="lt1"/>
+        </a:fontRef>
+      </dsp:style>
+      <dsp:txBody>
+        <a:bodyPr spcFirstLastPara="0" vert="horz" wrap="square" lIns="0" tIns="0" rIns="0" bIns="0" numCol="1" spcCol="1270" anchor="ctr" anchorCtr="0">
+          <a:noAutofit/>
+        </a:bodyPr>
+        <a:lstStyle/>
+        <a:p>
+          <a:pPr marL="0" lvl="0" indent="0" algn="ctr" defTabSz="1600200">
+            <a:lnSpc>
+              <a:spcPct val="90000"/>
+            </a:lnSpc>
+            <a:spcBef>
+              <a:spcPct val="0"/>
+            </a:spcBef>
+            <a:spcAft>
+              <a:spcPct val="35000"/>
+            </a:spcAft>
+            <a:buNone/>
+          </a:pPr>
+          <a:endParaRPr lang="en-US" sz="3600" kern="1200"/>
+        </a:p>
+      </dsp:txBody>
+      <dsp:txXfrm rot="-5400000">
+        <a:off x="3656395" y="2762691"/>
+        <a:ext cx="999295" cy="1148615"/>
       </dsp:txXfrm>
     </dsp:sp>
   </dsp:spTree>
@@ -4389,6 +5879,361 @@
 </dgm:layoutDef>
 </file>
 
+<file path=ppt/diagrams/layout3.xml><?xml version="1.0" encoding="utf-8"?>
+<dgm:layoutDef xmlns:dgm="http://schemas.openxmlformats.org/drawingml/2006/diagram" xmlns:a="http://schemas.openxmlformats.org/drawingml/2006/main" uniqueId="urn:microsoft.com/office/officeart/2008/layout/AlternatingHexagons">
+  <dgm:title val=""/>
+  <dgm:desc val=""/>
+  <dgm:catLst>
+    <dgm:cat type="list" pri="1500"/>
+  </dgm:catLst>
+  <dgm:sampData>
+    <dgm:dataModel>
+      <dgm:ptLst>
+        <dgm:pt modelId="0" type="doc"/>
+        <dgm:pt modelId="10">
+          <dgm:prSet phldr="1"/>
+        </dgm:pt>
+        <dgm:pt modelId="11">
+          <dgm:prSet phldr="1"/>
+        </dgm:pt>
+        <dgm:pt modelId="20">
+          <dgm:prSet phldr="1"/>
+        </dgm:pt>
+        <dgm:pt modelId="21">
+          <dgm:prSet phldr="1"/>
+        </dgm:pt>
+        <dgm:pt modelId="30">
+          <dgm:prSet phldr="1"/>
+        </dgm:pt>
+        <dgm:pt modelId="31">
+          <dgm:prSet phldr="1"/>
+        </dgm:pt>
+      </dgm:ptLst>
+      <dgm:cxnLst>
+        <dgm:cxn modelId="40" srcId="0" destId="10" srcOrd="0" destOrd="0"/>
+        <dgm:cxn modelId="12" srcId="10" destId="11" srcOrd="0" destOrd="0"/>
+        <dgm:cxn modelId="50" srcId="0" destId="20" srcOrd="1" destOrd="0"/>
+        <dgm:cxn modelId="22" srcId="20" destId="21" srcOrd="0" destOrd="0"/>
+        <dgm:cxn modelId="60" srcId="0" destId="30" srcOrd="1" destOrd="0"/>
+        <dgm:cxn modelId="32" srcId="30" destId="31" srcOrd="0" destOrd="0"/>
+      </dgm:cxnLst>
+      <dgm:bg/>
+      <dgm:whole/>
+    </dgm:dataModel>
+  </dgm:sampData>
+  <dgm:styleData>
+    <dgm:dataModel>
+      <dgm:ptLst>
+        <dgm:pt modelId="0" type="doc"/>
+        <dgm:pt modelId="10">
+          <dgm:prSet phldr="1"/>
+        </dgm:pt>
+        <dgm:pt modelId="20">
+          <dgm:prSet phldr="1"/>
+        </dgm:pt>
+      </dgm:ptLst>
+      <dgm:cxnLst>
+        <dgm:cxn modelId="60" srcId="0" destId="10" srcOrd="0" destOrd="0"/>
+        <dgm:cxn modelId="70" srcId="0" destId="20" srcOrd="1" destOrd="0"/>
+      </dgm:cxnLst>
+      <dgm:bg/>
+      <dgm:whole/>
+    </dgm:dataModel>
+  </dgm:styleData>
+  <dgm:clrData>
+    <dgm:dataModel>
+      <dgm:ptLst>
+        <dgm:pt modelId="0" type="doc"/>
+        <dgm:pt modelId="10">
+          <dgm:prSet phldr="1"/>
+        </dgm:pt>
+        <dgm:pt modelId="20">
+          <dgm:prSet phldr="1"/>
+        </dgm:pt>
+        <dgm:pt modelId="30">
+          <dgm:prSet phldr="1"/>
+        </dgm:pt>
+        <dgm:pt modelId="40">
+          <dgm:prSet phldr="1"/>
+        </dgm:pt>
+      </dgm:ptLst>
+      <dgm:cxnLst>
+        <dgm:cxn modelId="60" srcId="0" destId="10" srcOrd="0" destOrd="0"/>
+        <dgm:cxn modelId="70" srcId="0" destId="20" srcOrd="1" destOrd="0"/>
+        <dgm:cxn modelId="80" srcId="0" destId="30" srcOrd="2" destOrd="0"/>
+        <dgm:cxn modelId="90" srcId="0" destId="40" srcOrd="3" destOrd="0"/>
+      </dgm:cxnLst>
+      <dgm:bg/>
+      <dgm:whole/>
+    </dgm:dataModel>
+  </dgm:clrData>
+  <dgm:layoutNode name="Name0">
+    <dgm:varLst>
+      <dgm:chMax/>
+      <dgm:chPref/>
+      <dgm:dir/>
+      <dgm:animLvl val="lvl"/>
+    </dgm:varLst>
+    <dgm:alg type="lin">
+      <dgm:param type="linDir" val="fromT"/>
+    </dgm:alg>
+    <dgm:shape xmlns:r="http://schemas.openxmlformats.org/officeDocument/2006/relationships" r:blip="">
+      <dgm:adjLst/>
+    </dgm:shape>
+    <dgm:constrLst>
+      <dgm:constr type="primFontSz" for="des" forName="Parent1" val="65"/>
+      <dgm:constr type="primFontSz" for="des" forName="Childtext1" refType="primFontSz" refFor="des" refForName="Parent1" op="lte"/>
+      <dgm:constr type="w" for="ch" forName="composite" refType="w"/>
+      <dgm:constr type="h" for="ch" forName="composite" refType="h"/>
+      <dgm:constr type="h" for="ch" forName="spaceBetweenRectangles" refType="w" refFor="ch" refForName="composite" fact="-0.042"/>
+      <dgm:constr type="sp" refType="h" refFor="ch" refForName="composite" op="equ" fact="0.1"/>
+    </dgm:constrLst>
+    <dgm:forEach name="nodesForEach" axis="ch" ptType="node">
+      <dgm:layoutNode name="composite">
+        <dgm:alg type="composite">
+          <dgm:param type="ar" val="3.6"/>
+        </dgm:alg>
+        <dgm:shape xmlns:r="http://schemas.openxmlformats.org/officeDocument/2006/relationships" r:blip="">
+          <dgm:adjLst/>
+        </dgm:shape>
+        <dgm:choose name="Name1">
+          <dgm:if name="Name2" func="var" arg="dir" op="equ" val="norm">
+            <dgm:choose name="Name3">
+              <dgm:if name="Name4" axis="self" ptType="node" func="posOdd" op="equ" val="1">
+                <dgm:constrLst>
+                  <dgm:constr type="l" for="ch" forName="Accent1" refType="w" fact="0.18"/>
+                  <dgm:constr type="t" for="ch" forName="Accent1" refType="h" fact="0"/>
+                  <dgm:constr type="h" for="ch" forName="Accent1" refType="h"/>
+                  <dgm:constr type="w" for="ch" forName="Accent1" refType="h" fact="0.87"/>
+                  <dgm:constr type="l" for="ch" forName="Accent1Text" refType="w" fact="0.18"/>
+                  <dgm:constr type="t" for="ch" forName="Accent1Text" refType="h" fact="0"/>
+                  <dgm:constr type="h" for="ch" forName="Accent1Text" refType="h"/>
+                  <dgm:constr type="w" for="ch" forName="Accent1Text" refType="h" fact="0.87"/>
+                  <dgm:constr type="l" for="ch" forName="Parent1" refType="w" fact="0.441"/>
+                  <dgm:constr type="t" for="ch" forName="Parent1" refType="h" fact="0"/>
+                  <dgm:constr type="h" for="ch" forName="Parent1" refType="h"/>
+                  <dgm:constr type="w" for="ch" forName="Parent1" refType="h" fact="0.87"/>
+                  <dgm:constr type="l" for="ch" forName="Childtext1" refType="w" fact="0.69"/>
+                  <dgm:constr type="t" for="ch" forName="Childtext1" refType="h" fact="0.2"/>
+                  <dgm:constr type="w" for="ch" forName="Childtext1" refType="w" fact="0.31"/>
+                  <dgm:constr type="h" for="ch" forName="Childtext1" refType="h" fact="0.6"/>
+                  <dgm:constr type="l" for="ch" forName="BalanceSpacing" refType="w" fact="0"/>
+                  <dgm:constr type="t" for="ch" forName="BalanceSpacing" refType="h" fact="0"/>
+                  <dgm:constr type="w" for="ch" forName="BalanceSpacing" refType="w"/>
+                  <dgm:constr type="h" for="ch" forName="BalanceSpacing" refType="h" fact="0.1"/>
+                  <dgm:constr type="l" for="ch" forName="BalanceSpacing1" refType="w" fact="0.69"/>
+                  <dgm:constr type="t" for="ch" forName="BalanceSpacing1" refType="h" fact="0.2"/>
+                  <dgm:constr type="w" for="ch" forName="BalanceSpacing1" refType="w" fact="0.31"/>
+                  <dgm:constr type="h" for="ch" forName="BalanceSpacing1" refType="h" fact="0.6"/>
+                </dgm:constrLst>
+              </dgm:if>
+              <dgm:else name="Name5">
+                <dgm:constrLst>
+                  <dgm:constr type="l" for="ch" forName="Accent1" refType="w" fact="0.571"/>
+                  <dgm:constr type="t" for="ch" forName="Accent1" refType="h" fact="0"/>
+                  <dgm:constr type="h" for="ch" forName="Accent1" refType="h"/>
+                  <dgm:constr type="w" for="ch" forName="Accent1" refType="h" fact="0.87"/>
+                  <dgm:constr type="l" for="ch" forName="Accent1Text" refType="w" fact="0.571"/>
+                  <dgm:constr type="t" for="ch" forName="Accent1Text" refType="h" fact="0"/>
+                  <dgm:constr type="h" for="ch" forName="Accent1Text" refType="h"/>
+                  <dgm:constr type="w" for="ch" forName="Accent1Text" refType="h" fact="0.87"/>
+                  <dgm:constr type="l" for="ch" forName="Parent1" refType="w" fact="0.31"/>
+                  <dgm:constr type="t" for="ch" forName="Parent1" refType="h" fact="0"/>
+                  <dgm:constr type="h" for="ch" forName="Parent1" refType="h"/>
+                  <dgm:constr type="w" for="ch" forName="Parent1" refType="h" fact="0.87"/>
+                  <dgm:constr type="l" for="ch" forName="Childtext1" refType="w" fact="0"/>
+                  <dgm:constr type="t" for="ch" forName="Childtext1" refType="h" fact="0.2"/>
+                  <dgm:constr type="w" for="ch" forName="Childtext1" refType="w" fact="0.3"/>
+                  <dgm:constr type="h" for="ch" forName="Childtext1" refType="h" fact="0.6"/>
+                  <dgm:constr type="l" for="ch" forName="BalanceSpacing" refType="w" fact="0.82"/>
+                  <dgm:constr type="t" for="ch" forName="BalanceSpacing" refType="h" fact="0"/>
+                  <dgm:constr type="w" for="ch" forName="BalanceSpacing" refType="w" fact="0.18"/>
+                  <dgm:constr type="h" for="ch" forName="BalanceSpacing" refType="h"/>
+                  <dgm:constr type="l" for="ch" forName="BalanceSpacing1" refType="w" fact="0"/>
+                  <dgm:constr type="t" for="ch" forName="BalanceSpacing1" refType="h" fact="0.2"/>
+                  <dgm:constr type="w" for="ch" forName="BalanceSpacing1" refType="w" fact="0.3"/>
+                  <dgm:constr type="h" for="ch" forName="BalanceSpacing1" refType="h" fact="0.6"/>
+                </dgm:constrLst>
+              </dgm:else>
+            </dgm:choose>
+          </dgm:if>
+          <dgm:else name="Name6">
+            <dgm:choose name="Name7">
+              <dgm:if name="Name8" axis="self" ptType="node" func="posOdd" op="equ" val="1">
+                <dgm:constrLst>
+                  <dgm:constr type="l" for="ch" forName="Accent1" refType="w" fact="0.571"/>
+                  <dgm:constr type="t" for="ch" forName="Accent1" refType="h" fact="0"/>
+                  <dgm:constr type="h" for="ch" forName="Accent1" refType="h"/>
+                  <dgm:constr type="w" for="ch" forName="Accent1" refType="h" fact="0.87"/>
+                  <dgm:constr type="l" for="ch" forName="Accent1Text" refType="w" fact="0.571"/>
+                  <dgm:constr type="t" for="ch" forName="Accent1Text" refType="h" fact="0"/>
+                  <dgm:constr type="h" for="ch" forName="Accent1Text" refType="h"/>
+                  <dgm:constr type="w" for="ch" forName="Accent1Text" refType="h" fact="0.87"/>
+                  <dgm:constr type="l" for="ch" forName="Parent1" refType="w" fact="0.31"/>
+                  <dgm:constr type="t" for="ch" forName="Parent1" refType="h" fact="0"/>
+                  <dgm:constr type="h" for="ch" forName="Parent1" refType="h"/>
+                  <dgm:constr type="w" for="ch" forName="Parent1" refType="h" fact="0.87"/>
+                  <dgm:constr type="l" for="ch" forName="Childtext1" refType="w" fact="0"/>
+                  <dgm:constr type="t" for="ch" forName="Childtext1" refType="h" fact="0.2"/>
+                  <dgm:constr type="w" for="ch" forName="Childtext1" refType="w" fact="0.3"/>
+                  <dgm:constr type="h" for="ch" forName="Childtext1" refType="h" fact="0.6"/>
+                  <dgm:constr type="l" for="ch" forName="BalanceSpacing" refType="w" fact="0.82"/>
+                  <dgm:constr type="t" for="ch" forName="BalanceSpacing" refType="h" fact="0"/>
+                  <dgm:constr type="w" for="ch" forName="BalanceSpacing" refType="w" fact="0.18"/>
+                  <dgm:constr type="h" for="ch" forName="BalanceSpacing" refType="h"/>
+                </dgm:constrLst>
+              </dgm:if>
+              <dgm:else name="Name9">
+                <dgm:constrLst>
+                  <dgm:constr type="l" for="ch" forName="Accent1" refType="w" fact="0.18"/>
+                  <dgm:constr type="t" for="ch" forName="Accent1" refType="h" fact="0"/>
+                  <dgm:constr type="h" for="ch" forName="Accent1" refType="h"/>
+                  <dgm:constr type="w" for="ch" forName="Accent1" refType="h" fact="0.87"/>
+                  <dgm:constr type="l" for="ch" forName="Accent1Text" refType="w" fact="0.18"/>
+                  <dgm:constr type="t" for="ch" forName="Accent1Text" refType="h" fact="0"/>
+                  <dgm:constr type="h" for="ch" forName="Accent1Text" refType="h"/>
+                  <dgm:constr type="w" for="ch" forName="Accent1Text" refType="h" fact="0.87"/>
+                  <dgm:constr type="l" for="ch" forName="Parent1" refType="w" fact="0.441"/>
+                  <dgm:constr type="t" for="ch" forName="Parent1" refType="h" fact="0"/>
+                  <dgm:constr type="h" for="ch" forName="Parent1" refType="h"/>
+                  <dgm:constr type="w" for="ch" forName="Parent1" refType="h" fact="0.87"/>
+                  <dgm:constr type="l" for="ch" forName="Childtext1" refType="w" fact="0.69"/>
+                  <dgm:constr type="t" for="ch" forName="Childtext1" refType="h" fact="0.2"/>
+                  <dgm:constr type="w" for="ch" forName="Childtext1" refType="w" fact="0.31"/>
+                  <dgm:constr type="h" for="ch" forName="Childtext1" refType="h" fact="0.6"/>
+                  <dgm:constr type="l" for="ch" forName="BalanceSpacing" refType="w" fact="0"/>
+                  <dgm:constr type="t" for="ch" forName="BalanceSpacing" refType="h" fact="0"/>
+                  <dgm:constr type="w" for="ch" forName="BalanceSpacing" refType="w" fact="0.18"/>
+                  <dgm:constr type="h" for="ch" forName="BalanceSpacing" refType="h"/>
+                </dgm:constrLst>
+              </dgm:else>
+            </dgm:choose>
+          </dgm:else>
+        </dgm:choose>
+        <dgm:layoutNode name="Parent1" styleLbl="node1">
+          <dgm:varLst>
+            <dgm:chMax val="1"/>
+            <dgm:chPref val="1"/>
+            <dgm:bulletEnabled val="1"/>
+          </dgm:varLst>
+          <dgm:alg type="tx"/>
+          <dgm:shape xmlns:r="http://schemas.openxmlformats.org/officeDocument/2006/relationships" rot="90" type="hexagon" r:blip="">
+            <dgm:adjLst>
+              <dgm:adj idx="1" val="0.25"/>
+              <dgm:adj idx="2" val="1.1547"/>
+            </dgm:adjLst>
+          </dgm:shape>
+          <dgm:presOf axis="self" ptType="node"/>
+          <dgm:constrLst>
+            <dgm:constr type="lMarg" refType="primFontSz" fact="0.3"/>
+            <dgm:constr type="rMarg" refType="primFontSz" fact="0.3"/>
+            <dgm:constr type="tMarg" refType="primFontSz" fact="0.3"/>
+            <dgm:constr type="bMarg" refType="primFontSz" fact="0.3"/>
+          </dgm:constrLst>
+          <dgm:ruleLst>
+            <dgm:rule type="primFontSz" val="5" fact="NaN" max="NaN"/>
+          </dgm:ruleLst>
+        </dgm:layoutNode>
+        <dgm:layoutNode name="Childtext1" styleLbl="revTx">
+          <dgm:varLst>
+            <dgm:chMax val="0"/>
+            <dgm:chPref val="0"/>
+            <dgm:bulletEnabled val="1"/>
+          </dgm:varLst>
+          <dgm:choose name="Name10">
+            <dgm:if name="Name11" func="var" arg="dir" op="equ" val="norm">
+              <dgm:choose name="Name12">
+                <dgm:if name="Name13" axis="self" ptType="node" func="posOdd" op="equ" val="1">
+                  <dgm:alg type="tx">
+                    <dgm:param type="parTxLTRAlign" val="l"/>
+                  </dgm:alg>
+                </dgm:if>
+                <dgm:else name="Name14">
+                  <dgm:alg type="tx">
+                    <dgm:param type="parTxLTRAlign" val="r"/>
+                  </dgm:alg>
+                </dgm:else>
+              </dgm:choose>
+            </dgm:if>
+            <dgm:else name="Name15">
+              <dgm:choose name="Name16">
+                <dgm:if name="Name17" axis="self" ptType="node" func="posOdd" op="equ" val="1">
+                  <dgm:alg type="tx">
+                    <dgm:param type="parTxLTRAlign" val="r"/>
+                  </dgm:alg>
+                </dgm:if>
+                <dgm:else name="Name18">
+                  <dgm:alg type="tx">
+                    <dgm:param type="parTxLTRAlign" val="l"/>
+                  </dgm:alg>
+                </dgm:else>
+              </dgm:choose>
+            </dgm:else>
+          </dgm:choose>
+          <dgm:shape xmlns:r="http://schemas.openxmlformats.org/officeDocument/2006/relationships" type="rect" r:blip="">
+            <dgm:adjLst/>
+          </dgm:shape>
+          <dgm:presOf axis="des" ptType="node"/>
+          <dgm:constrLst>
+            <dgm:constr type="lMarg" refType="primFontSz" fact="0.3"/>
+            <dgm:constr type="rMarg" refType="primFontSz" fact="0.3"/>
+            <dgm:constr type="tMarg" refType="primFontSz" fact="0.3"/>
+            <dgm:constr type="bMarg" refType="primFontSz" fact="0.3"/>
+          </dgm:constrLst>
+          <dgm:ruleLst>
+            <dgm:rule type="primFontSz" val="5" fact="NaN" max="NaN"/>
+          </dgm:ruleLst>
+        </dgm:layoutNode>
+        <dgm:layoutNode name="BalanceSpacing">
+          <dgm:alg type="sp"/>
+          <dgm:shape xmlns:r="http://schemas.openxmlformats.org/officeDocument/2006/relationships" r:blip="">
+            <dgm:adjLst/>
+          </dgm:shape>
+        </dgm:layoutNode>
+        <dgm:layoutNode name="BalanceSpacing1">
+          <dgm:alg type="sp"/>
+          <dgm:shape xmlns:r="http://schemas.openxmlformats.org/officeDocument/2006/relationships" r:blip="">
+            <dgm:adjLst/>
+          </dgm:shape>
+        </dgm:layoutNode>
+        <dgm:forEach name="Name19" axis="followSib" ptType="sibTrans" hideLastTrans="0" cnt="1">
+          <dgm:layoutNode name="Accent1Text" styleLbl="node1">
+            <dgm:alg type="tx"/>
+            <dgm:shape xmlns:r="http://schemas.openxmlformats.org/officeDocument/2006/relationships" rot="90" type="hexagon" r:blip="">
+              <dgm:adjLst>
+                <dgm:adj idx="1" val="0.25"/>
+                <dgm:adj idx="2" val="1.1547"/>
+              </dgm:adjLst>
+            </dgm:shape>
+            <dgm:presOf axis="self" ptType="sibTrans"/>
+            <dgm:constrLst>
+              <dgm:constr type="lMarg"/>
+              <dgm:constr type="rMarg"/>
+              <dgm:constr type="tMarg"/>
+              <dgm:constr type="bMarg"/>
+            </dgm:constrLst>
+            <dgm:ruleLst>
+              <dgm:rule type="primFontSz" val="5" fact="NaN" max="NaN"/>
+            </dgm:ruleLst>
+          </dgm:layoutNode>
+        </dgm:forEach>
+      </dgm:layoutNode>
+      <dgm:forEach name="Name20" axis="followSib" ptType="sibTrans" cnt="1">
+        <dgm:layoutNode name="spaceBetweenRectangles">
+          <dgm:alg type="sp"/>
+          <dgm:shape xmlns:r="http://schemas.openxmlformats.org/officeDocument/2006/relationships" r:blip="">
+            <dgm:adjLst/>
+          </dgm:shape>
+          <dgm:presOf/>
+          <dgm:constrLst/>
+          <dgm:ruleLst/>
+        </dgm:layoutNode>
+      </dgm:forEach>
+    </dgm:forEach>
+  </dgm:layoutNode>
+</dgm:layoutDef>
+</file>
+
 <file path=ppt/diagrams/quickStyle1.xml><?xml version="1.0" encoding="utf-8"?>
 <dgm:styleDef xmlns:dgm="http://schemas.openxmlformats.org/drawingml/2006/diagram" xmlns:a="http://schemas.openxmlformats.org/drawingml/2006/main" uniqueId="urn:microsoft.com/office/officeart/2005/8/quickstyle/simple1">
   <dgm:title val=""/>
@@ -6429,6 +8274,1040 @@
         <a:scrgbClr r="0" g="0" b="0"/>
       </a:fillRef>
       <a:effectRef idx="0">
+        <a:scrgbClr r="0" g="0" b="0"/>
+      </a:effectRef>
+      <a:fontRef idx="minor"/>
+    </dgm:style>
+  </dgm:styleLbl>
+  <dgm:styleLbl name="revTx">
+    <dgm:scene3d>
+      <a:camera prst="orthographicFront"/>
+      <a:lightRig rig="threePt" dir="t"/>
+    </dgm:scene3d>
+    <dgm:sp3d/>
+    <dgm:txPr/>
+    <dgm:style>
+      <a:lnRef idx="0">
+        <a:scrgbClr r="0" g="0" b="0"/>
+      </a:lnRef>
+      <a:fillRef idx="0">
+        <a:scrgbClr r="0" g="0" b="0"/>
+      </a:fillRef>
+      <a:effectRef idx="0">
+        <a:scrgbClr r="0" g="0" b="0"/>
+      </a:effectRef>
+      <a:fontRef idx="minor"/>
+    </dgm:style>
+  </dgm:styleLbl>
+</dgm:styleDef>
+</file>
+
+<file path=ppt/diagrams/quickStyle3.xml><?xml version="1.0" encoding="utf-8"?>
+<dgm:styleDef xmlns:dgm="http://schemas.openxmlformats.org/drawingml/2006/diagram" xmlns:a="http://schemas.openxmlformats.org/drawingml/2006/main" uniqueId="urn:microsoft.com/office/officeart/2005/8/quickstyle/simple5">
+  <dgm:title val=""/>
+  <dgm:desc val=""/>
+  <dgm:catLst>
+    <dgm:cat type="simple" pri="10500"/>
+  </dgm:catLst>
+  <dgm:scene3d>
+    <a:camera prst="orthographicFront"/>
+    <a:lightRig rig="threePt" dir="t"/>
+  </dgm:scene3d>
+  <dgm:styleLbl name="node0">
+    <dgm:scene3d>
+      <a:camera prst="orthographicFront"/>
+      <a:lightRig rig="threePt" dir="t"/>
+    </dgm:scene3d>
+    <dgm:sp3d/>
+    <dgm:txPr/>
+    <dgm:style>
+      <a:lnRef idx="0">
+        <a:scrgbClr r="0" g="0" b="0"/>
+      </a:lnRef>
+      <a:fillRef idx="3">
+        <a:scrgbClr r="0" g="0" b="0"/>
+      </a:fillRef>
+      <a:effectRef idx="3">
+        <a:scrgbClr r="0" g="0" b="0"/>
+      </a:effectRef>
+      <a:fontRef idx="minor">
+        <a:schemeClr val="lt1"/>
+      </a:fontRef>
+    </dgm:style>
+  </dgm:styleLbl>
+  <dgm:styleLbl name="lnNode1">
+    <dgm:scene3d>
+      <a:camera prst="orthographicFront"/>
+      <a:lightRig rig="threePt" dir="t"/>
+    </dgm:scene3d>
+    <dgm:sp3d/>
+    <dgm:txPr/>
+    <dgm:style>
+      <a:lnRef idx="0">
+        <a:scrgbClr r="0" g="0" b="0"/>
+      </a:lnRef>
+      <a:fillRef idx="3">
+        <a:scrgbClr r="0" g="0" b="0"/>
+      </a:fillRef>
+      <a:effectRef idx="3">
+        <a:scrgbClr r="0" g="0" b="0"/>
+      </a:effectRef>
+      <a:fontRef idx="minor">
+        <a:schemeClr val="lt1"/>
+      </a:fontRef>
+    </dgm:style>
+  </dgm:styleLbl>
+  <dgm:styleLbl name="vennNode1">
+    <dgm:scene3d>
+      <a:camera prst="orthographicFront"/>
+      <a:lightRig rig="threePt" dir="t"/>
+    </dgm:scene3d>
+    <dgm:sp3d/>
+    <dgm:txPr/>
+    <dgm:style>
+      <a:lnRef idx="0">
+        <a:scrgbClr r="0" g="0" b="0"/>
+      </a:lnRef>
+      <a:fillRef idx="3">
+        <a:scrgbClr r="0" g="0" b="0"/>
+      </a:fillRef>
+      <a:effectRef idx="3">
+        <a:scrgbClr r="0" g="0" b="0"/>
+      </a:effectRef>
+      <a:fontRef idx="minor">
+        <a:schemeClr val="tx1"/>
+      </a:fontRef>
+    </dgm:style>
+  </dgm:styleLbl>
+  <dgm:styleLbl name="alignNode1">
+    <dgm:scene3d>
+      <a:camera prst="orthographicFront"/>
+      <a:lightRig rig="threePt" dir="t"/>
+    </dgm:scene3d>
+    <dgm:sp3d/>
+    <dgm:txPr/>
+    <dgm:style>
+      <a:lnRef idx="1">
+        <a:scrgbClr r="0" g="0" b="0"/>
+      </a:lnRef>
+      <a:fillRef idx="3">
+        <a:scrgbClr r="0" g="0" b="0"/>
+      </a:fillRef>
+      <a:effectRef idx="3">
+        <a:scrgbClr r="0" g="0" b="0"/>
+      </a:effectRef>
+      <a:fontRef idx="minor">
+        <a:schemeClr val="lt1"/>
+      </a:fontRef>
+    </dgm:style>
+  </dgm:styleLbl>
+  <dgm:styleLbl name="node1">
+    <dgm:scene3d>
+      <a:camera prst="orthographicFront"/>
+      <a:lightRig rig="threePt" dir="t"/>
+    </dgm:scene3d>
+    <dgm:sp3d/>
+    <dgm:txPr/>
+    <dgm:style>
+      <a:lnRef idx="0">
+        <a:scrgbClr r="0" g="0" b="0"/>
+      </a:lnRef>
+      <a:fillRef idx="3">
+        <a:scrgbClr r="0" g="0" b="0"/>
+      </a:fillRef>
+      <a:effectRef idx="3">
+        <a:scrgbClr r="0" g="0" b="0"/>
+      </a:effectRef>
+      <a:fontRef idx="minor">
+        <a:schemeClr val="lt1"/>
+      </a:fontRef>
+    </dgm:style>
+  </dgm:styleLbl>
+  <dgm:styleLbl name="node2">
+    <dgm:scene3d>
+      <a:camera prst="orthographicFront"/>
+      <a:lightRig rig="threePt" dir="t"/>
+    </dgm:scene3d>
+    <dgm:sp3d/>
+    <dgm:txPr/>
+    <dgm:style>
+      <a:lnRef idx="0">
+        <a:scrgbClr r="0" g="0" b="0"/>
+      </a:lnRef>
+      <a:fillRef idx="3">
+        <a:scrgbClr r="0" g="0" b="0"/>
+      </a:fillRef>
+      <a:effectRef idx="3">
+        <a:scrgbClr r="0" g="0" b="0"/>
+      </a:effectRef>
+      <a:fontRef idx="minor">
+        <a:schemeClr val="lt1"/>
+      </a:fontRef>
+    </dgm:style>
+  </dgm:styleLbl>
+  <dgm:styleLbl name="node3">
+    <dgm:scene3d>
+      <a:camera prst="orthographicFront"/>
+      <a:lightRig rig="threePt" dir="t"/>
+    </dgm:scene3d>
+    <dgm:sp3d/>
+    <dgm:txPr/>
+    <dgm:style>
+      <a:lnRef idx="0">
+        <a:scrgbClr r="0" g="0" b="0"/>
+      </a:lnRef>
+      <a:fillRef idx="3">
+        <a:scrgbClr r="0" g="0" b="0"/>
+      </a:fillRef>
+      <a:effectRef idx="3">
+        <a:scrgbClr r="0" g="0" b="0"/>
+      </a:effectRef>
+      <a:fontRef idx="minor">
+        <a:schemeClr val="lt1"/>
+      </a:fontRef>
+    </dgm:style>
+  </dgm:styleLbl>
+  <dgm:styleLbl name="node4">
+    <dgm:scene3d>
+      <a:camera prst="orthographicFront"/>
+      <a:lightRig rig="threePt" dir="t"/>
+    </dgm:scene3d>
+    <dgm:sp3d/>
+    <dgm:txPr/>
+    <dgm:style>
+      <a:lnRef idx="0">
+        <a:scrgbClr r="0" g="0" b="0"/>
+      </a:lnRef>
+      <a:fillRef idx="3">
+        <a:scrgbClr r="0" g="0" b="0"/>
+      </a:fillRef>
+      <a:effectRef idx="3">
+        <a:scrgbClr r="0" g="0" b="0"/>
+      </a:effectRef>
+      <a:fontRef idx="minor">
+        <a:schemeClr val="lt1"/>
+      </a:fontRef>
+    </dgm:style>
+  </dgm:styleLbl>
+  <dgm:styleLbl name="fgImgPlace1">
+    <dgm:scene3d>
+      <a:camera prst="orthographicFront"/>
+      <a:lightRig rig="threePt" dir="t"/>
+    </dgm:scene3d>
+    <dgm:sp3d/>
+    <dgm:txPr/>
+    <dgm:style>
+      <a:lnRef idx="0">
+        <a:scrgbClr r="0" g="0" b="0"/>
+      </a:lnRef>
+      <a:fillRef idx="1">
+        <a:scrgbClr r="0" g="0" b="0"/>
+      </a:fillRef>
+      <a:effectRef idx="3">
+        <a:scrgbClr r="0" g="0" b="0"/>
+      </a:effectRef>
+      <a:fontRef idx="minor"/>
+    </dgm:style>
+  </dgm:styleLbl>
+  <dgm:styleLbl name="alignImgPlace1">
+    <dgm:scene3d>
+      <a:camera prst="orthographicFront"/>
+      <a:lightRig rig="threePt" dir="t"/>
+    </dgm:scene3d>
+    <dgm:sp3d/>
+    <dgm:txPr/>
+    <dgm:style>
+      <a:lnRef idx="0">
+        <a:scrgbClr r="0" g="0" b="0"/>
+      </a:lnRef>
+      <a:fillRef idx="1">
+        <a:scrgbClr r="0" g="0" b="0"/>
+      </a:fillRef>
+      <a:effectRef idx="3">
+        <a:scrgbClr r="0" g="0" b="0"/>
+      </a:effectRef>
+      <a:fontRef idx="minor"/>
+    </dgm:style>
+  </dgm:styleLbl>
+  <dgm:styleLbl name="bgImgPlace1">
+    <dgm:scene3d>
+      <a:camera prst="orthographicFront"/>
+      <a:lightRig rig="threePt" dir="t"/>
+    </dgm:scene3d>
+    <dgm:sp3d/>
+    <dgm:txPr/>
+    <dgm:style>
+      <a:lnRef idx="0">
+        <a:scrgbClr r="0" g="0" b="0"/>
+      </a:lnRef>
+      <a:fillRef idx="1">
+        <a:scrgbClr r="0" g="0" b="0"/>
+      </a:fillRef>
+      <a:effectRef idx="3">
+        <a:scrgbClr r="0" g="0" b="0"/>
+      </a:effectRef>
+      <a:fontRef idx="minor"/>
+    </dgm:style>
+  </dgm:styleLbl>
+  <dgm:styleLbl name="sibTrans2D1">
+    <dgm:scene3d>
+      <a:camera prst="orthographicFront"/>
+      <a:lightRig rig="threePt" dir="t"/>
+    </dgm:scene3d>
+    <dgm:sp3d/>
+    <dgm:txPr/>
+    <dgm:style>
+      <a:lnRef idx="0">
+        <a:scrgbClr r="0" g="0" b="0"/>
+      </a:lnRef>
+      <a:fillRef idx="3">
+        <a:scrgbClr r="0" g="0" b="0"/>
+      </a:fillRef>
+      <a:effectRef idx="3">
+        <a:scrgbClr r="0" g="0" b="0"/>
+      </a:effectRef>
+      <a:fontRef idx="minor">
+        <a:schemeClr val="lt1"/>
+      </a:fontRef>
+    </dgm:style>
+  </dgm:styleLbl>
+  <dgm:styleLbl name="fgSibTrans2D1">
+    <dgm:scene3d>
+      <a:camera prst="orthographicFront"/>
+      <a:lightRig rig="threePt" dir="t"/>
+    </dgm:scene3d>
+    <dgm:sp3d/>
+    <dgm:txPr/>
+    <dgm:style>
+      <a:lnRef idx="0">
+        <a:scrgbClr r="0" g="0" b="0"/>
+      </a:lnRef>
+      <a:fillRef idx="3">
+        <a:scrgbClr r="0" g="0" b="0"/>
+      </a:fillRef>
+      <a:effectRef idx="3">
+        <a:scrgbClr r="0" g="0" b="0"/>
+      </a:effectRef>
+      <a:fontRef idx="minor">
+        <a:schemeClr val="lt1"/>
+      </a:fontRef>
+    </dgm:style>
+  </dgm:styleLbl>
+  <dgm:styleLbl name="bgSibTrans2D1">
+    <dgm:scene3d>
+      <a:camera prst="orthographicFront"/>
+      <a:lightRig rig="threePt" dir="t"/>
+    </dgm:scene3d>
+    <dgm:sp3d/>
+    <dgm:txPr/>
+    <dgm:style>
+      <a:lnRef idx="0">
+        <a:scrgbClr r="0" g="0" b="0"/>
+      </a:lnRef>
+      <a:fillRef idx="3">
+        <a:scrgbClr r="0" g="0" b="0"/>
+      </a:fillRef>
+      <a:effectRef idx="3">
+        <a:scrgbClr r="0" g="0" b="0"/>
+      </a:effectRef>
+      <a:fontRef idx="minor">
+        <a:schemeClr val="lt1"/>
+      </a:fontRef>
+    </dgm:style>
+  </dgm:styleLbl>
+  <dgm:styleLbl name="sibTrans1D1">
+    <dgm:scene3d>
+      <a:camera prst="orthographicFront"/>
+      <a:lightRig rig="threePt" dir="t"/>
+    </dgm:scene3d>
+    <dgm:sp3d/>
+    <dgm:txPr/>
+    <dgm:style>
+      <a:lnRef idx="1">
+        <a:scrgbClr r="0" g="0" b="0"/>
+      </a:lnRef>
+      <a:fillRef idx="0">
+        <a:scrgbClr r="0" g="0" b="0"/>
+      </a:fillRef>
+      <a:effectRef idx="0">
+        <a:scrgbClr r="0" g="0" b="0"/>
+      </a:effectRef>
+      <a:fontRef idx="minor"/>
+    </dgm:style>
+  </dgm:styleLbl>
+  <dgm:styleLbl name="callout">
+    <dgm:scene3d>
+      <a:camera prst="orthographicFront"/>
+      <a:lightRig rig="threePt" dir="t"/>
+    </dgm:scene3d>
+    <dgm:sp3d/>
+    <dgm:txPr/>
+    <dgm:style>
+      <a:lnRef idx="1">
+        <a:scrgbClr r="0" g="0" b="0"/>
+      </a:lnRef>
+      <a:fillRef idx="0">
+        <a:scrgbClr r="0" g="0" b="0"/>
+      </a:fillRef>
+      <a:effectRef idx="1">
+        <a:scrgbClr r="0" g="0" b="0"/>
+      </a:effectRef>
+      <a:fontRef idx="minor"/>
+    </dgm:style>
+  </dgm:styleLbl>
+  <dgm:styleLbl name="asst0">
+    <dgm:scene3d>
+      <a:camera prst="orthographicFront"/>
+      <a:lightRig rig="threePt" dir="t"/>
+    </dgm:scene3d>
+    <dgm:sp3d/>
+    <dgm:txPr/>
+    <dgm:style>
+      <a:lnRef idx="0">
+        <a:scrgbClr r="0" g="0" b="0"/>
+      </a:lnRef>
+      <a:fillRef idx="3">
+        <a:scrgbClr r="0" g="0" b="0"/>
+      </a:fillRef>
+      <a:effectRef idx="3">
+        <a:scrgbClr r="0" g="0" b="0"/>
+      </a:effectRef>
+      <a:fontRef idx="minor">
+        <a:schemeClr val="lt1"/>
+      </a:fontRef>
+    </dgm:style>
+  </dgm:styleLbl>
+  <dgm:styleLbl name="asst1">
+    <dgm:scene3d>
+      <a:camera prst="orthographicFront"/>
+      <a:lightRig rig="threePt" dir="t"/>
+    </dgm:scene3d>
+    <dgm:sp3d/>
+    <dgm:txPr/>
+    <dgm:style>
+      <a:lnRef idx="0">
+        <a:scrgbClr r="0" g="0" b="0"/>
+      </a:lnRef>
+      <a:fillRef idx="3">
+        <a:scrgbClr r="0" g="0" b="0"/>
+      </a:fillRef>
+      <a:effectRef idx="3">
+        <a:scrgbClr r="0" g="0" b="0"/>
+      </a:effectRef>
+      <a:fontRef idx="minor">
+        <a:schemeClr val="lt1"/>
+      </a:fontRef>
+    </dgm:style>
+  </dgm:styleLbl>
+  <dgm:styleLbl name="asst2">
+    <dgm:scene3d>
+      <a:camera prst="orthographicFront"/>
+      <a:lightRig rig="threePt" dir="t"/>
+    </dgm:scene3d>
+    <dgm:sp3d/>
+    <dgm:txPr/>
+    <dgm:style>
+      <a:lnRef idx="0">
+        <a:scrgbClr r="0" g="0" b="0"/>
+      </a:lnRef>
+      <a:fillRef idx="3">
+        <a:scrgbClr r="0" g="0" b="0"/>
+      </a:fillRef>
+      <a:effectRef idx="3">
+        <a:scrgbClr r="0" g="0" b="0"/>
+      </a:effectRef>
+      <a:fontRef idx="minor">
+        <a:schemeClr val="lt1"/>
+      </a:fontRef>
+    </dgm:style>
+  </dgm:styleLbl>
+  <dgm:styleLbl name="asst3">
+    <dgm:scene3d>
+      <a:camera prst="orthographicFront"/>
+      <a:lightRig rig="threePt" dir="t"/>
+    </dgm:scene3d>
+    <dgm:sp3d/>
+    <dgm:txPr/>
+    <dgm:style>
+      <a:lnRef idx="0">
+        <a:scrgbClr r="0" g="0" b="0"/>
+      </a:lnRef>
+      <a:fillRef idx="3">
+        <a:scrgbClr r="0" g="0" b="0"/>
+      </a:fillRef>
+      <a:effectRef idx="3">
+        <a:scrgbClr r="0" g="0" b="0"/>
+      </a:effectRef>
+      <a:fontRef idx="minor">
+        <a:schemeClr val="lt1"/>
+      </a:fontRef>
+    </dgm:style>
+  </dgm:styleLbl>
+  <dgm:styleLbl name="asst4">
+    <dgm:scene3d>
+      <a:camera prst="orthographicFront"/>
+      <a:lightRig rig="threePt" dir="t"/>
+    </dgm:scene3d>
+    <dgm:sp3d/>
+    <dgm:txPr/>
+    <dgm:style>
+      <a:lnRef idx="0">
+        <a:scrgbClr r="0" g="0" b="0"/>
+      </a:lnRef>
+      <a:fillRef idx="3">
+        <a:scrgbClr r="0" g="0" b="0"/>
+      </a:fillRef>
+      <a:effectRef idx="3">
+        <a:scrgbClr r="0" g="0" b="0"/>
+      </a:effectRef>
+      <a:fontRef idx="minor">
+        <a:schemeClr val="lt1"/>
+      </a:fontRef>
+    </dgm:style>
+  </dgm:styleLbl>
+  <dgm:styleLbl name="parChTrans2D1">
+    <dgm:scene3d>
+      <a:camera prst="orthographicFront"/>
+      <a:lightRig rig="threePt" dir="t"/>
+    </dgm:scene3d>
+    <dgm:sp3d/>
+    <dgm:txPr/>
+    <dgm:style>
+      <a:lnRef idx="0">
+        <a:scrgbClr r="0" g="0" b="0"/>
+      </a:lnRef>
+      <a:fillRef idx="3">
+        <a:scrgbClr r="0" g="0" b="0"/>
+      </a:fillRef>
+      <a:effectRef idx="3">
+        <a:scrgbClr r="0" g="0" b="0"/>
+      </a:effectRef>
+      <a:fontRef idx="minor">
+        <a:schemeClr val="lt1"/>
+      </a:fontRef>
+    </dgm:style>
+  </dgm:styleLbl>
+  <dgm:styleLbl name="parChTrans2D2">
+    <dgm:scene3d>
+      <a:camera prst="orthographicFront"/>
+      <a:lightRig rig="threePt" dir="t"/>
+    </dgm:scene3d>
+    <dgm:sp3d/>
+    <dgm:txPr/>
+    <dgm:style>
+      <a:lnRef idx="0">
+        <a:scrgbClr r="0" g="0" b="0"/>
+      </a:lnRef>
+      <a:fillRef idx="3">
+        <a:scrgbClr r="0" g="0" b="0"/>
+      </a:fillRef>
+      <a:effectRef idx="3">
+        <a:scrgbClr r="0" g="0" b="0"/>
+      </a:effectRef>
+      <a:fontRef idx="minor">
+        <a:schemeClr val="lt1"/>
+      </a:fontRef>
+    </dgm:style>
+  </dgm:styleLbl>
+  <dgm:styleLbl name="parChTrans2D3">
+    <dgm:scene3d>
+      <a:camera prst="orthographicFront"/>
+      <a:lightRig rig="threePt" dir="t"/>
+    </dgm:scene3d>
+    <dgm:sp3d/>
+    <dgm:txPr/>
+    <dgm:style>
+      <a:lnRef idx="0">
+        <a:scrgbClr r="0" g="0" b="0"/>
+      </a:lnRef>
+      <a:fillRef idx="3">
+        <a:scrgbClr r="0" g="0" b="0"/>
+      </a:fillRef>
+      <a:effectRef idx="3">
+        <a:scrgbClr r="0" g="0" b="0"/>
+      </a:effectRef>
+      <a:fontRef idx="minor">
+        <a:schemeClr val="lt1"/>
+      </a:fontRef>
+    </dgm:style>
+  </dgm:styleLbl>
+  <dgm:styleLbl name="parChTrans2D4">
+    <dgm:scene3d>
+      <a:camera prst="orthographicFront"/>
+      <a:lightRig rig="threePt" dir="t"/>
+    </dgm:scene3d>
+    <dgm:sp3d/>
+    <dgm:txPr/>
+    <dgm:style>
+      <a:lnRef idx="0">
+        <a:scrgbClr r="0" g="0" b="0"/>
+      </a:lnRef>
+      <a:fillRef idx="3">
+        <a:scrgbClr r="0" g="0" b="0"/>
+      </a:fillRef>
+      <a:effectRef idx="3">
+        <a:scrgbClr r="0" g="0" b="0"/>
+      </a:effectRef>
+      <a:fontRef idx="minor">
+        <a:schemeClr val="lt1"/>
+      </a:fontRef>
+    </dgm:style>
+  </dgm:styleLbl>
+  <dgm:styleLbl name="parChTrans1D1">
+    <dgm:scene3d>
+      <a:camera prst="orthographicFront"/>
+      <a:lightRig rig="threePt" dir="t"/>
+    </dgm:scene3d>
+    <dgm:sp3d/>
+    <dgm:txPr/>
+    <dgm:style>
+      <a:lnRef idx="2">
+        <a:scrgbClr r="0" g="0" b="0"/>
+      </a:lnRef>
+      <a:fillRef idx="0">
+        <a:scrgbClr r="0" g="0" b="0"/>
+      </a:fillRef>
+      <a:effectRef idx="0">
+        <a:scrgbClr r="0" g="0" b="0"/>
+      </a:effectRef>
+      <a:fontRef idx="minor"/>
+    </dgm:style>
+  </dgm:styleLbl>
+  <dgm:styleLbl name="parChTrans1D2">
+    <dgm:scene3d>
+      <a:camera prst="orthographicFront"/>
+      <a:lightRig rig="threePt" dir="t"/>
+    </dgm:scene3d>
+    <dgm:sp3d/>
+    <dgm:txPr/>
+    <dgm:style>
+      <a:lnRef idx="2">
+        <a:scrgbClr r="0" g="0" b="0"/>
+      </a:lnRef>
+      <a:fillRef idx="0">
+        <a:scrgbClr r="0" g="0" b="0"/>
+      </a:fillRef>
+      <a:effectRef idx="0">
+        <a:scrgbClr r="0" g="0" b="0"/>
+      </a:effectRef>
+      <a:fontRef idx="minor"/>
+    </dgm:style>
+  </dgm:styleLbl>
+  <dgm:styleLbl name="parChTrans1D3">
+    <dgm:scene3d>
+      <a:camera prst="orthographicFront"/>
+      <a:lightRig rig="threePt" dir="t"/>
+    </dgm:scene3d>
+    <dgm:sp3d/>
+    <dgm:txPr/>
+    <dgm:style>
+      <a:lnRef idx="2">
+        <a:scrgbClr r="0" g="0" b="0"/>
+      </a:lnRef>
+      <a:fillRef idx="0">
+        <a:scrgbClr r="0" g="0" b="0"/>
+      </a:fillRef>
+      <a:effectRef idx="0">
+        <a:scrgbClr r="0" g="0" b="0"/>
+      </a:effectRef>
+      <a:fontRef idx="minor"/>
+    </dgm:style>
+  </dgm:styleLbl>
+  <dgm:styleLbl name="parChTrans1D4">
+    <dgm:scene3d>
+      <a:camera prst="orthographicFront"/>
+      <a:lightRig rig="threePt" dir="t"/>
+    </dgm:scene3d>
+    <dgm:sp3d/>
+    <dgm:txPr/>
+    <dgm:style>
+      <a:lnRef idx="2">
+        <a:scrgbClr r="0" g="0" b="0"/>
+      </a:lnRef>
+      <a:fillRef idx="0">
+        <a:scrgbClr r="0" g="0" b="0"/>
+      </a:fillRef>
+      <a:effectRef idx="0">
+        <a:scrgbClr r="0" g="0" b="0"/>
+      </a:effectRef>
+      <a:fontRef idx="minor"/>
+    </dgm:style>
+  </dgm:styleLbl>
+  <dgm:styleLbl name="fgAcc1">
+    <dgm:scene3d>
+      <a:camera prst="orthographicFront"/>
+      <a:lightRig rig="threePt" dir="t"/>
+    </dgm:scene3d>
+    <dgm:sp3d/>
+    <dgm:txPr/>
+    <dgm:style>
+      <a:lnRef idx="1">
+        <a:scrgbClr r="0" g="0" b="0"/>
+      </a:lnRef>
+      <a:fillRef idx="1">
+        <a:scrgbClr r="0" g="0" b="0"/>
+      </a:fillRef>
+      <a:effectRef idx="2">
+        <a:scrgbClr r="0" g="0" b="0"/>
+      </a:effectRef>
+      <a:fontRef idx="minor"/>
+    </dgm:style>
+  </dgm:styleLbl>
+  <dgm:styleLbl name="conFgAcc1">
+    <dgm:scene3d>
+      <a:camera prst="orthographicFront"/>
+      <a:lightRig rig="threePt" dir="t"/>
+    </dgm:scene3d>
+    <dgm:sp3d/>
+    <dgm:txPr/>
+    <dgm:style>
+      <a:lnRef idx="1">
+        <a:scrgbClr r="0" g="0" b="0"/>
+      </a:lnRef>
+      <a:fillRef idx="1">
+        <a:scrgbClr r="0" g="0" b="0"/>
+      </a:fillRef>
+      <a:effectRef idx="2">
+        <a:scrgbClr r="0" g="0" b="0"/>
+      </a:effectRef>
+      <a:fontRef idx="minor"/>
+    </dgm:style>
+  </dgm:styleLbl>
+  <dgm:styleLbl name="alignAcc1">
+    <dgm:scene3d>
+      <a:camera prst="orthographicFront"/>
+      <a:lightRig rig="threePt" dir="t"/>
+    </dgm:scene3d>
+    <dgm:sp3d/>
+    <dgm:txPr/>
+    <dgm:style>
+      <a:lnRef idx="1">
+        <a:scrgbClr r="0" g="0" b="0"/>
+      </a:lnRef>
+      <a:fillRef idx="1">
+        <a:scrgbClr r="0" g="0" b="0"/>
+      </a:fillRef>
+      <a:effectRef idx="2">
+        <a:scrgbClr r="0" g="0" b="0"/>
+      </a:effectRef>
+      <a:fontRef idx="minor"/>
+    </dgm:style>
+  </dgm:styleLbl>
+  <dgm:styleLbl name="trAlignAcc1">
+    <dgm:scene3d>
+      <a:camera prst="orthographicFront"/>
+      <a:lightRig rig="threePt" dir="t"/>
+    </dgm:scene3d>
+    <dgm:sp3d/>
+    <dgm:txPr/>
+    <dgm:style>
+      <a:lnRef idx="1">
+        <a:scrgbClr r="0" g="0" b="0"/>
+      </a:lnRef>
+      <a:fillRef idx="1">
+        <a:scrgbClr r="0" g="0" b="0"/>
+      </a:fillRef>
+      <a:effectRef idx="0">
+        <a:scrgbClr r="0" g="0" b="0"/>
+      </a:effectRef>
+      <a:fontRef idx="minor"/>
+    </dgm:style>
+  </dgm:styleLbl>
+  <dgm:styleLbl name="bgAcc1">
+    <dgm:scene3d>
+      <a:camera prst="orthographicFront"/>
+      <a:lightRig rig="threePt" dir="t"/>
+    </dgm:scene3d>
+    <dgm:sp3d/>
+    <dgm:txPr/>
+    <dgm:style>
+      <a:lnRef idx="1">
+        <a:scrgbClr r="0" g="0" b="0"/>
+      </a:lnRef>
+      <a:fillRef idx="1">
+        <a:scrgbClr r="0" g="0" b="0"/>
+      </a:fillRef>
+      <a:effectRef idx="2">
+        <a:scrgbClr r="0" g="0" b="0"/>
+      </a:effectRef>
+      <a:fontRef idx="minor"/>
+    </dgm:style>
+  </dgm:styleLbl>
+  <dgm:styleLbl name="solidFgAcc1">
+    <dgm:scene3d>
+      <a:camera prst="orthographicFront"/>
+      <a:lightRig rig="threePt" dir="t"/>
+    </dgm:scene3d>
+    <dgm:sp3d/>
+    <dgm:txPr/>
+    <dgm:style>
+      <a:lnRef idx="1">
+        <a:scrgbClr r="0" g="0" b="0"/>
+      </a:lnRef>
+      <a:fillRef idx="1">
+        <a:scrgbClr r="0" g="0" b="0"/>
+      </a:fillRef>
+      <a:effectRef idx="2">
+        <a:scrgbClr r="0" g="0" b="0"/>
+      </a:effectRef>
+      <a:fontRef idx="minor"/>
+    </dgm:style>
+  </dgm:styleLbl>
+  <dgm:styleLbl name="solidAlignAcc1">
+    <dgm:scene3d>
+      <a:camera prst="orthographicFront"/>
+      <a:lightRig rig="threePt" dir="t"/>
+    </dgm:scene3d>
+    <dgm:sp3d/>
+    <dgm:txPr/>
+    <dgm:style>
+      <a:lnRef idx="1">
+        <a:scrgbClr r="0" g="0" b="0"/>
+      </a:lnRef>
+      <a:fillRef idx="1">
+        <a:scrgbClr r="0" g="0" b="0"/>
+      </a:fillRef>
+      <a:effectRef idx="3">
+        <a:scrgbClr r="0" g="0" b="0"/>
+      </a:effectRef>
+      <a:fontRef idx="minor"/>
+    </dgm:style>
+  </dgm:styleLbl>
+  <dgm:styleLbl name="solidBgAcc1">
+    <dgm:scene3d>
+      <a:camera prst="orthographicFront"/>
+      <a:lightRig rig="threePt" dir="t"/>
+    </dgm:scene3d>
+    <dgm:sp3d/>
+    <dgm:txPr/>
+    <dgm:style>
+      <a:lnRef idx="1">
+        <a:scrgbClr r="0" g="0" b="0"/>
+      </a:lnRef>
+      <a:fillRef idx="1">
+        <a:scrgbClr r="0" g="0" b="0"/>
+      </a:fillRef>
+      <a:effectRef idx="3">
+        <a:scrgbClr r="0" g="0" b="0"/>
+      </a:effectRef>
+      <a:fontRef idx="minor"/>
+    </dgm:style>
+  </dgm:styleLbl>
+  <dgm:styleLbl name="fgAccFollowNode1">
+    <dgm:scene3d>
+      <a:camera prst="orthographicFront"/>
+      <a:lightRig rig="threePt" dir="t"/>
+    </dgm:scene3d>
+    <dgm:sp3d/>
+    <dgm:txPr/>
+    <dgm:style>
+      <a:lnRef idx="1">
+        <a:scrgbClr r="0" g="0" b="0"/>
+      </a:lnRef>
+      <a:fillRef idx="1">
+        <a:scrgbClr r="0" g="0" b="0"/>
+      </a:fillRef>
+      <a:effectRef idx="2">
+        <a:scrgbClr r="0" g="0" b="0"/>
+      </a:effectRef>
+      <a:fontRef idx="minor"/>
+    </dgm:style>
+  </dgm:styleLbl>
+  <dgm:styleLbl name="alignAccFollowNode1">
+    <dgm:scene3d>
+      <a:camera prst="orthographicFront"/>
+      <a:lightRig rig="threePt" dir="t"/>
+    </dgm:scene3d>
+    <dgm:sp3d/>
+    <dgm:txPr/>
+    <dgm:style>
+      <a:lnRef idx="1">
+        <a:scrgbClr r="0" g="0" b="0"/>
+      </a:lnRef>
+      <a:fillRef idx="1">
+        <a:scrgbClr r="0" g="0" b="0"/>
+      </a:fillRef>
+      <a:effectRef idx="2">
+        <a:scrgbClr r="0" g="0" b="0"/>
+      </a:effectRef>
+      <a:fontRef idx="minor"/>
+    </dgm:style>
+  </dgm:styleLbl>
+  <dgm:styleLbl name="bgAccFollowNode1">
+    <dgm:scene3d>
+      <a:camera prst="orthographicFront"/>
+      <a:lightRig rig="threePt" dir="t"/>
+    </dgm:scene3d>
+    <dgm:sp3d/>
+    <dgm:txPr/>
+    <dgm:style>
+      <a:lnRef idx="1">
+        <a:scrgbClr r="0" g="0" b="0"/>
+      </a:lnRef>
+      <a:fillRef idx="1">
+        <a:scrgbClr r="0" g="0" b="0"/>
+      </a:fillRef>
+      <a:effectRef idx="2">
+        <a:scrgbClr r="0" g="0" b="0"/>
+      </a:effectRef>
+      <a:fontRef idx="minor"/>
+    </dgm:style>
+  </dgm:styleLbl>
+  <dgm:styleLbl name="fgAcc0">
+    <dgm:scene3d>
+      <a:camera prst="orthographicFront"/>
+      <a:lightRig rig="threePt" dir="t"/>
+    </dgm:scene3d>
+    <dgm:sp3d/>
+    <dgm:txPr/>
+    <dgm:style>
+      <a:lnRef idx="1">
+        <a:scrgbClr r="0" g="0" b="0"/>
+      </a:lnRef>
+      <a:fillRef idx="1">
+        <a:scrgbClr r="0" g="0" b="0"/>
+      </a:fillRef>
+      <a:effectRef idx="2">
+        <a:scrgbClr r="0" g="0" b="0"/>
+      </a:effectRef>
+      <a:fontRef idx="minor"/>
+    </dgm:style>
+  </dgm:styleLbl>
+  <dgm:styleLbl name="fgAcc2">
+    <dgm:scene3d>
+      <a:camera prst="orthographicFront"/>
+      <a:lightRig rig="threePt" dir="t"/>
+    </dgm:scene3d>
+    <dgm:sp3d/>
+    <dgm:txPr/>
+    <dgm:style>
+      <a:lnRef idx="1">
+        <a:scrgbClr r="0" g="0" b="0"/>
+      </a:lnRef>
+      <a:fillRef idx="1">
+        <a:scrgbClr r="0" g="0" b="0"/>
+      </a:fillRef>
+      <a:effectRef idx="2">
+        <a:scrgbClr r="0" g="0" b="0"/>
+      </a:effectRef>
+      <a:fontRef idx="minor"/>
+    </dgm:style>
+  </dgm:styleLbl>
+  <dgm:styleLbl name="fgAcc3">
+    <dgm:scene3d>
+      <a:camera prst="orthographicFront"/>
+      <a:lightRig rig="threePt" dir="t"/>
+    </dgm:scene3d>
+    <dgm:sp3d/>
+    <dgm:txPr/>
+    <dgm:style>
+      <a:lnRef idx="1">
+        <a:scrgbClr r="0" g="0" b="0"/>
+      </a:lnRef>
+      <a:fillRef idx="1">
+        <a:scrgbClr r="0" g="0" b="0"/>
+      </a:fillRef>
+      <a:effectRef idx="2">
+        <a:scrgbClr r="0" g="0" b="0"/>
+      </a:effectRef>
+      <a:fontRef idx="minor"/>
+    </dgm:style>
+  </dgm:styleLbl>
+  <dgm:styleLbl name="fgAcc4">
+    <dgm:scene3d>
+      <a:camera prst="orthographicFront"/>
+      <a:lightRig rig="threePt" dir="t"/>
+    </dgm:scene3d>
+    <dgm:sp3d/>
+    <dgm:txPr/>
+    <dgm:style>
+      <a:lnRef idx="1">
+        <a:scrgbClr r="0" g="0" b="0"/>
+      </a:lnRef>
+      <a:fillRef idx="1">
+        <a:scrgbClr r="0" g="0" b="0"/>
+      </a:fillRef>
+      <a:effectRef idx="2">
+        <a:scrgbClr r="0" g="0" b="0"/>
+      </a:effectRef>
+      <a:fontRef idx="minor"/>
+    </dgm:style>
+  </dgm:styleLbl>
+  <dgm:styleLbl name="bgShp">
+    <dgm:scene3d>
+      <a:camera prst="orthographicFront"/>
+      <a:lightRig rig="threePt" dir="t"/>
+    </dgm:scene3d>
+    <dgm:sp3d/>
+    <dgm:txPr/>
+    <dgm:style>
+      <a:lnRef idx="0">
+        <a:scrgbClr r="0" g="0" b="0"/>
+      </a:lnRef>
+      <a:fillRef idx="1">
+        <a:scrgbClr r="0" g="0" b="0"/>
+      </a:fillRef>
+      <a:effectRef idx="2">
+        <a:scrgbClr r="0" g="0" b="0"/>
+      </a:effectRef>
+      <a:fontRef idx="minor"/>
+    </dgm:style>
+  </dgm:styleLbl>
+  <dgm:styleLbl name="dkBgShp">
+    <dgm:scene3d>
+      <a:camera prst="orthographicFront"/>
+      <a:lightRig rig="threePt" dir="t"/>
+    </dgm:scene3d>
+    <dgm:sp3d/>
+    <dgm:txPr/>
+    <dgm:style>
+      <a:lnRef idx="0">
+        <a:scrgbClr r="0" g="0" b="0"/>
+      </a:lnRef>
+      <a:fillRef idx="1">
+        <a:scrgbClr r="0" g="0" b="0"/>
+      </a:fillRef>
+      <a:effectRef idx="3">
+        <a:scrgbClr r="0" g="0" b="0"/>
+      </a:effectRef>
+      <a:fontRef idx="minor"/>
+    </dgm:style>
+  </dgm:styleLbl>
+  <dgm:styleLbl name="trBgShp">
+    <dgm:scene3d>
+      <a:camera prst="orthographicFront"/>
+      <a:lightRig rig="threePt" dir="t"/>
+    </dgm:scene3d>
+    <dgm:sp3d/>
+    <dgm:txPr/>
+    <dgm:style>
+      <a:lnRef idx="0">
+        <a:scrgbClr r="0" g="0" b="0"/>
+      </a:lnRef>
+      <a:fillRef idx="1">
+        <a:scrgbClr r="0" g="0" b="0"/>
+      </a:fillRef>
+      <a:effectRef idx="0">
+        <a:scrgbClr r="0" g="0" b="0"/>
+      </a:effectRef>
+      <a:fontRef idx="minor"/>
+    </dgm:style>
+  </dgm:styleLbl>
+  <dgm:styleLbl name="fgShp">
+    <dgm:scene3d>
+      <a:camera prst="orthographicFront"/>
+      <a:lightRig rig="threePt" dir="t"/>
+    </dgm:scene3d>
+    <dgm:sp3d/>
+    <dgm:txPr/>
+    <dgm:style>
+      <a:lnRef idx="0">
+        <a:scrgbClr r="0" g="0" b="0"/>
+      </a:lnRef>
+      <a:fillRef idx="3">
+        <a:scrgbClr r="0" g="0" b="0"/>
+      </a:fillRef>
+      <a:effectRef idx="3">
         <a:scrgbClr r="0" g="0" b="0"/>
       </a:effectRef>
       <a:fontRef idx="minor"/>
@@ -6539,7 +9418,7 @@
           <a:p>
             <a:fld id="{0D8968FE-AD3D-444F-B6A8-796D946DC3A6}" type="datetimeFigureOut">
               <a:rPr lang="en-US" smtClean="0"/>
-              <a:t>11/5/2022</a:t>
+              <a:t>12/24/2022</a:t>
             </a:fld>
             <a:endParaRPr lang="en-US" dirty="0"/>
           </a:p>
@@ -8215,7 +11094,7 @@
           <a:p>
             <a:fld id="{198E66DD-51B1-4BF7-9539-DEA51BFAEFD8}" type="datetime1">
               <a:rPr lang="en-US" smtClean="0"/>
-              <a:t>11/5/2022</a:t>
+              <a:t>12/24/2022</a:t>
             </a:fld>
             <a:endParaRPr lang="en-US" dirty="0"/>
           </a:p>
@@ -9674,7 +12553,7 @@
           <a:p>
             <a:fld id="{827A6260-7573-4697-9E59-AA19A1D5C255}" type="datetime1">
               <a:rPr lang="en-US" smtClean="0"/>
-              <a:t>11/5/2022</a:t>
+              <a:t>12/24/2022</a:t>
             </a:fld>
             <a:endParaRPr lang="en-US" dirty="0"/>
           </a:p>
@@ -11127,7 +14006,7 @@
           <a:p>
             <a:fld id="{AB049DE4-AD7B-432F-9E35-775F5F8CC6AD}" type="datetime1">
               <a:rPr lang="en-US" smtClean="0"/>
-              <a:t>11/5/2022</a:t>
+              <a:t>12/24/2022</a:t>
             </a:fld>
             <a:endParaRPr lang="en-US" dirty="0"/>
           </a:p>
@@ -12582,7 +15461,7 @@
           <a:p>
             <a:fld id="{CED204F4-028A-4A36-B306-1FBAFF258B24}" type="datetime1">
               <a:rPr lang="en-US" smtClean="0"/>
-              <a:t>11/5/2022</a:t>
+              <a:t>12/24/2022</a:t>
             </a:fld>
             <a:endParaRPr lang="en-US" dirty="0"/>
           </a:p>
@@ -14090,7 +16969,7 @@
           <a:p>
             <a:fld id="{A7569E6D-812C-4C70-BB51-98F32992DB43}" type="datetime1">
               <a:rPr lang="en-US" smtClean="0"/>
-              <a:t>11/5/2022</a:t>
+              <a:t>12/24/2022</a:t>
             </a:fld>
             <a:endParaRPr lang="en-US" dirty="0"/>
           </a:p>
@@ -15611,7 +18490,7 @@
           <a:p>
             <a:fld id="{F10287DF-640A-4181-8B82-4913718EF244}" type="datetime1">
               <a:rPr lang="en-US" smtClean="0"/>
-              <a:t>11/5/2022</a:t>
+              <a:t>12/24/2022</a:t>
             </a:fld>
             <a:endParaRPr lang="en-US" dirty="0"/>
           </a:p>
@@ -17276,7 +20155,7 @@
           <a:p>
             <a:fld id="{C74BE3E1-3173-4AB6-90EF-CE84B9FBD77E}" type="datetime1">
               <a:rPr lang="en-US" smtClean="0"/>
-              <a:t>11/5/2022</a:t>
+              <a:t>12/24/2022</a:t>
             </a:fld>
             <a:endParaRPr lang="en-US" dirty="0"/>
           </a:p>
@@ -18674,7 +21553,7 @@
           <a:p>
             <a:fld id="{CE46D357-68ED-48AA-AC18-9CC27DEA9490}" type="datetime1">
               <a:rPr lang="en-US" smtClean="0"/>
-              <a:t>11/5/2022</a:t>
+              <a:t>12/24/2022</a:t>
             </a:fld>
             <a:endParaRPr lang="en-US" dirty="0"/>
           </a:p>
@@ -18774,7 +21653,7 @@
           <a:p>
             <a:fld id="{ACC8BAEE-D0AF-4323-A024-1416F995B386}" type="datetime1">
               <a:rPr lang="en-US" smtClean="0"/>
-              <a:t>11/5/2022</a:t>
+              <a:t>12/24/2022</a:t>
             </a:fld>
             <a:endParaRPr lang="en-US" dirty="0"/>
           </a:p>
@@ -20300,7 +23179,7 @@
           <a:p>
             <a:fld id="{CD36E0D4-CA65-4DD1-8546-2CC4E75B8B9D}" type="datetime1">
               <a:rPr lang="en-US" smtClean="0"/>
-              <a:t>11/5/2022</a:t>
+              <a:t>12/24/2022</a:t>
             </a:fld>
             <a:endParaRPr lang="en-US" dirty="0"/>
           </a:p>
@@ -21836,7 +24715,7 @@
           <a:p>
             <a:fld id="{C19DEFE7-E1FA-4CA7-8A5A-F9AB210CE638}" type="datetime1">
               <a:rPr lang="en-US" smtClean="0"/>
-              <a:t>11/5/2022</a:t>
+              <a:t>12/24/2022</a:t>
             </a:fld>
             <a:endParaRPr lang="en-US" dirty="0"/>
           </a:p>
@@ -22059,7 +24938,7 @@
           <a:p>
             <a:fld id="{FD1E3FCC-785C-4EC4-B782-9133218B75DD}" type="datetime1">
               <a:rPr lang="en-US" smtClean="0"/>
-              <a:t>11/5/2022</a:t>
+              <a:t>12/24/2022</a:t>
             </a:fld>
             <a:endParaRPr lang="en-US" dirty="0"/>
           </a:p>
@@ -29239,7 +32118,14 @@
           <a:lstStyle/>
           <a:p>
             <a:r>
-              <a:rPr lang="en-US"/>
+              <a:rPr lang="en-US" dirty="0"/>
+              <a:t>Faculty</a:t>
+            </a:r>
+            <a:br>
+              <a:rPr lang="en-US" dirty="0"/>
+            </a:br>
+            <a:r>
+              <a:rPr lang="en-US" dirty="0"/>
               <a:t>Design</a:t>
             </a:r>
             <a:endParaRPr lang="en-IN" dirty="0"/>
@@ -29315,1627 +32201,12 @@
           <a:chExt cx="0" cy="0"/>
         </a:xfrm>
       </p:grpSpPr>
-      <p:grpSp>
-        <p:nvGrpSpPr>
-          <p:cNvPr id="238" name="Group 237">
+      <p:sp useBgFill="1">
+        <p:nvSpPr>
+          <p:cNvPr id="10" name="Rectangle 9">
             <a:extLst>
               <a:ext uri="{FF2B5EF4-FFF2-40B4-BE49-F238E27FC236}">
-                <a16:creationId xmlns:a16="http://schemas.microsoft.com/office/drawing/2014/main" id="{EFAF5D36-7988-4310-8B2D-E5F09D9BED5B}"/>
-              </a:ext>
-              <a:ext uri="{C183D7F6-B498-43B3-948B-1728B52AA6E4}">
-                <adec:decorative xmlns:adec="http://schemas.microsoft.com/office/drawing/2017/decorative" val="1"/>
-              </a:ext>
-            </a:extLst>
-          </p:cNvPr>
-          <p:cNvGrpSpPr>
-            <a:grpSpLocks noGrp="1" noUngrp="1" noRot="1" noChangeAspect="1" noMove="1" noResize="1"/>
-          </p:cNvGrpSpPr>
-          <p:nvPr>
-            <p:extLst>
-              <p:ext uri="{386F3935-93C4-4BCD-93E2-E3B085C9AB24}">
-                <p16:designElem xmlns:p16="http://schemas.microsoft.com/office/powerpoint/2015/main" val="1"/>
-              </p:ext>
-            </p:extLst>
-          </p:nvPr>
-        </p:nvGrpSpPr>
-        <p:grpSpPr>
-          <a:xfrm>
-            <a:off x="-329674" y="-59376"/>
-            <a:ext cx="12515851" cy="6923798"/>
-            <a:chOff x="-329674" y="-51881"/>
-            <a:chExt cx="12515851" cy="6923798"/>
-          </a:xfrm>
-        </p:grpSpPr>
-        <p:sp>
-          <p:nvSpPr>
-            <p:cNvPr id="239" name="Freeform 5">
-              <a:extLst>
-                <a:ext uri="{FF2B5EF4-FFF2-40B4-BE49-F238E27FC236}">
-                  <a16:creationId xmlns:a16="http://schemas.microsoft.com/office/drawing/2014/main" id="{F953B1DA-E7D8-48BB-8D67-425C7F7E06D9}"/>
-                </a:ext>
-                <a:ext uri="{C183D7F6-B498-43B3-948B-1728B52AA6E4}">
-                  <adec:decorative xmlns:adec="http://schemas.microsoft.com/office/drawing/2017/decorative" val="1"/>
-                </a:ext>
-              </a:extLst>
-            </p:cNvPr>
-            <p:cNvSpPr/>
-            <p:nvPr>
-              <p:extLst>
-                <p:ext uri="{386F3935-93C4-4BCD-93E2-E3B085C9AB24}">
-                  <p16:designElem xmlns:p16="http://schemas.microsoft.com/office/powerpoint/2015/main" val="1"/>
-                </p:ext>
-              </p:extLst>
-            </p:nvPr>
-          </p:nvSpPr>
-          <p:spPr bwMode="auto">
-            <a:xfrm>
-              <a:off x="-329674" y="1298404"/>
-              <a:ext cx="9702800" cy="5573512"/>
-            </a:xfrm>
-            <a:custGeom>
-              <a:avLst/>
-              <a:gdLst/>
-              <a:ahLst/>
-              <a:cxnLst/>
-              <a:rect l="0" t="0" r="r" b="b"/>
-              <a:pathLst>
-                <a:path w="2038" h="1169">
-                  <a:moveTo>
-                    <a:pt x="1752" y="1169"/>
-                  </a:moveTo>
-                  <a:cubicBezTo>
-                    <a:pt x="2038" y="928"/>
-                    <a:pt x="1673" y="513"/>
-                    <a:pt x="1487" y="334"/>
-                  </a:cubicBezTo>
-                  <a:cubicBezTo>
-                    <a:pt x="1316" y="170"/>
-                    <a:pt x="1099" y="43"/>
-                    <a:pt x="860" y="22"/>
-                  </a:cubicBezTo>
-                  <a:cubicBezTo>
-                    <a:pt x="621" y="0"/>
-                    <a:pt x="341" y="128"/>
-                    <a:pt x="199" y="318"/>
-                  </a:cubicBezTo>
-                  <a:cubicBezTo>
-                    <a:pt x="0" y="586"/>
-                    <a:pt x="184" y="965"/>
-                    <a:pt x="399" y="1165"/>
-                  </a:cubicBezTo>
-                </a:path>
-              </a:pathLst>
-            </a:custGeom>
-            <a:noFill/>
-            <a:ln w="9525" cap="flat">
-              <a:solidFill>
-                <a:schemeClr val="tx1">
-                  <a:alpha val="20000"/>
-                </a:schemeClr>
-              </a:solidFill>
-              <a:prstDash val="solid"/>
-              <a:miter lim="800000"/>
-              <a:headEnd/>
-              <a:tailEnd/>
-            </a:ln>
-            <a:extLst>
-              <a:ext uri="{909E8E84-426E-40DD-AFC4-6F175D3DCCD1}">
-                <a14:hiddenFill xmlns:a14="http://schemas.microsoft.com/office/drawing/2010/main">
-                  <a:solidFill>
-                    <a:srgbClr val="FFFFFF"/>
-                  </a:solidFill>
-                </a14:hiddenFill>
-              </a:ext>
-            </a:extLst>
-          </p:spPr>
-        </p:sp>
-        <p:sp>
-          <p:nvSpPr>
-            <p:cNvPr id="240" name="Freeform 6">
-              <a:extLst>
-                <a:ext uri="{FF2B5EF4-FFF2-40B4-BE49-F238E27FC236}">
-                  <a16:creationId xmlns:a16="http://schemas.microsoft.com/office/drawing/2014/main" id="{319C148B-5C23-49B7-A373-AC1B7510B3F9}"/>
-                </a:ext>
-                <a:ext uri="{C183D7F6-B498-43B3-948B-1728B52AA6E4}">
-                  <adec:decorative xmlns:adec="http://schemas.microsoft.com/office/drawing/2017/decorative" val="1"/>
-                </a:ext>
-              </a:extLst>
-            </p:cNvPr>
-            <p:cNvSpPr/>
-            <p:nvPr>
-              <p:extLst>
-                <p:ext uri="{386F3935-93C4-4BCD-93E2-E3B085C9AB24}">
-                  <p16:designElem xmlns:p16="http://schemas.microsoft.com/office/powerpoint/2015/main" val="1"/>
-                </p:ext>
-              </p:extLst>
-            </p:nvPr>
-          </p:nvSpPr>
-          <p:spPr bwMode="auto">
-            <a:xfrm>
-              <a:off x="670451" y="2018236"/>
-              <a:ext cx="7373938" cy="4848892"/>
-            </a:xfrm>
-            <a:custGeom>
-              <a:avLst/>
-              <a:gdLst/>
-              <a:ahLst/>
-              <a:cxnLst/>
-              <a:rect l="0" t="0" r="r" b="b"/>
-              <a:pathLst>
-                <a:path w="1549" h="1017">
-                  <a:moveTo>
-                    <a:pt x="1025" y="1016"/>
-                  </a:moveTo>
-                  <a:cubicBezTo>
-                    <a:pt x="1223" y="971"/>
-                    <a:pt x="1549" y="857"/>
-                    <a:pt x="1443" y="592"/>
-                  </a:cubicBezTo>
-                  <a:cubicBezTo>
-                    <a:pt x="1344" y="344"/>
-                    <a:pt x="1041" y="111"/>
-                    <a:pt x="782" y="53"/>
-                  </a:cubicBezTo>
-                  <a:cubicBezTo>
-                    <a:pt x="545" y="0"/>
-                    <a:pt x="275" y="117"/>
-                    <a:pt x="150" y="329"/>
-                  </a:cubicBezTo>
-                  <a:cubicBezTo>
-                    <a:pt x="0" y="584"/>
-                    <a:pt x="243" y="911"/>
-                    <a:pt x="477" y="1017"/>
-                  </a:cubicBezTo>
-                </a:path>
-              </a:pathLst>
-            </a:custGeom>
-            <a:noFill/>
-            <a:ln w="9525" cap="flat">
-              <a:solidFill>
-                <a:schemeClr val="tx1">
-                  <a:alpha val="20000"/>
-                </a:schemeClr>
-              </a:solidFill>
-              <a:prstDash val="solid"/>
-              <a:miter lim="800000"/>
-              <a:headEnd/>
-              <a:tailEnd/>
-            </a:ln>
-            <a:extLst>
-              <a:ext uri="{909E8E84-426E-40DD-AFC4-6F175D3DCCD1}">
-                <a14:hiddenFill xmlns:a14="http://schemas.microsoft.com/office/drawing/2010/main">
-                  <a:solidFill>
-                    <a:srgbClr val="FFFFFF"/>
-                  </a:solidFill>
-                </a14:hiddenFill>
-              </a:ext>
-            </a:extLst>
-          </p:spPr>
-        </p:sp>
-        <p:sp>
-          <p:nvSpPr>
-            <p:cNvPr id="241" name="Freeform 7">
-              <a:extLst>
-                <a:ext uri="{FF2B5EF4-FFF2-40B4-BE49-F238E27FC236}">
-                  <a16:creationId xmlns:a16="http://schemas.microsoft.com/office/drawing/2014/main" id="{10B3CBEC-E6ED-4132-A94F-47AB0B93A67D}"/>
-                </a:ext>
-                <a:ext uri="{C183D7F6-B498-43B3-948B-1728B52AA6E4}">
-                  <adec:decorative xmlns:adec="http://schemas.microsoft.com/office/drawing/2017/decorative" val="1"/>
-                </a:ext>
-              </a:extLst>
-            </p:cNvPr>
-            <p:cNvSpPr/>
-            <p:nvPr>
-              <p:extLst>
-                <p:ext uri="{386F3935-93C4-4BCD-93E2-E3B085C9AB24}">
-                  <p16:designElem xmlns:p16="http://schemas.microsoft.com/office/powerpoint/2015/main" val="1"/>
-                </p:ext>
-              </p:extLst>
-            </p:nvPr>
-          </p:nvSpPr>
-          <p:spPr bwMode="auto">
-            <a:xfrm>
-              <a:off x="251351" y="1788400"/>
-              <a:ext cx="8035925" cy="5083516"/>
-            </a:xfrm>
-            <a:custGeom>
-              <a:avLst/>
-              <a:gdLst/>
-              <a:ahLst/>
-              <a:cxnLst/>
-              <a:rect l="0" t="0" r="r" b="b"/>
-              <a:pathLst>
-                <a:path w="1688" h="1066">
-                  <a:moveTo>
-                    <a:pt x="1302" y="1066"/>
-                  </a:moveTo>
-                  <a:cubicBezTo>
-                    <a:pt x="1416" y="1024"/>
-                    <a:pt x="1551" y="962"/>
-                    <a:pt x="1613" y="850"/>
-                  </a:cubicBezTo>
-                  <a:cubicBezTo>
-                    <a:pt x="1688" y="715"/>
-                    <a:pt x="1606" y="575"/>
-                    <a:pt x="1517" y="471"/>
-                  </a:cubicBezTo>
-                  <a:cubicBezTo>
-                    <a:pt x="1336" y="258"/>
-                    <a:pt x="1084" y="62"/>
-                    <a:pt x="798" y="28"/>
-                  </a:cubicBezTo>
-                  <a:cubicBezTo>
-                    <a:pt x="559" y="0"/>
-                    <a:pt x="317" y="138"/>
-                    <a:pt x="181" y="333"/>
-                  </a:cubicBezTo>
-                  <a:cubicBezTo>
-                    <a:pt x="0" y="592"/>
-                    <a:pt x="191" y="907"/>
-                    <a:pt x="420" y="1066"/>
-                  </a:cubicBezTo>
-                </a:path>
-              </a:pathLst>
-            </a:custGeom>
-            <a:noFill/>
-            <a:ln w="9525" cap="flat">
-              <a:solidFill>
-                <a:schemeClr val="tx1">
-                  <a:alpha val="20000"/>
-                </a:schemeClr>
-              </a:solidFill>
-              <a:prstDash val="dash"/>
-              <a:miter lim="800000"/>
-              <a:headEnd/>
-              <a:tailEnd/>
-            </a:ln>
-            <a:extLst>
-              <a:ext uri="{909E8E84-426E-40DD-AFC4-6F175D3DCCD1}">
-                <a14:hiddenFill xmlns:a14="http://schemas.microsoft.com/office/drawing/2010/main">
-                  <a:solidFill>
-                    <a:srgbClr val="FFFFFF"/>
-                  </a:solidFill>
-                </a14:hiddenFill>
-              </a:ext>
-            </a:extLst>
-          </p:spPr>
-        </p:sp>
-        <p:sp>
-          <p:nvSpPr>
-            <p:cNvPr id="242" name="Freeform 8">
-              <a:extLst>
-                <a:ext uri="{FF2B5EF4-FFF2-40B4-BE49-F238E27FC236}">
-                  <a16:creationId xmlns:a16="http://schemas.microsoft.com/office/drawing/2014/main" id="{6607A26B-7FD4-4FE9-BCFA-2D1303693CB2}"/>
-                </a:ext>
-                <a:ext uri="{C183D7F6-B498-43B3-948B-1728B52AA6E4}">
-                  <adec:decorative xmlns:adec="http://schemas.microsoft.com/office/drawing/2017/decorative" val="1"/>
-                </a:ext>
-              </a:extLst>
-            </p:cNvPr>
-            <p:cNvSpPr/>
-            <p:nvPr>
-              <p:extLst>
-                <p:ext uri="{386F3935-93C4-4BCD-93E2-E3B085C9AB24}">
-                  <p16:designElem xmlns:p16="http://schemas.microsoft.com/office/powerpoint/2015/main" val="1"/>
-                </p:ext>
-              </p:extLst>
-            </p:nvPr>
-          </p:nvSpPr>
-          <p:spPr bwMode="auto">
-            <a:xfrm>
-              <a:off x="-1061" y="549842"/>
-              <a:ext cx="10334625" cy="6322075"/>
-            </a:xfrm>
-            <a:custGeom>
-              <a:avLst/>
-              <a:gdLst/>
-              <a:ahLst/>
-              <a:cxnLst/>
-              <a:rect l="0" t="0" r="r" b="b"/>
-              <a:pathLst>
-                <a:path w="2171" h="1326">
-                  <a:moveTo>
-                    <a:pt x="1873" y="1326"/>
-                  </a:moveTo>
-                  <a:cubicBezTo>
-                    <a:pt x="2171" y="1045"/>
-                    <a:pt x="1825" y="678"/>
-                    <a:pt x="1609" y="473"/>
-                  </a:cubicBezTo>
-                  <a:cubicBezTo>
-                    <a:pt x="1406" y="281"/>
-                    <a:pt x="1159" y="116"/>
-                    <a:pt x="880" y="63"/>
-                  </a:cubicBezTo>
-                  <a:cubicBezTo>
-                    <a:pt x="545" y="0"/>
-                    <a:pt x="214" y="161"/>
-                    <a:pt x="0" y="423"/>
-                  </a:cubicBezTo>
-                </a:path>
-              </a:pathLst>
-            </a:custGeom>
-            <a:noFill/>
-            <a:ln w="9525" cap="flat">
-              <a:solidFill>
-                <a:schemeClr val="tx1">
-                  <a:alpha val="20000"/>
-                </a:schemeClr>
-              </a:solidFill>
-              <a:prstDash val="solid"/>
-              <a:miter lim="800000"/>
-              <a:headEnd/>
-              <a:tailEnd/>
-            </a:ln>
-            <a:extLst>
-              <a:ext uri="{909E8E84-426E-40DD-AFC4-6F175D3DCCD1}">
-                <a14:hiddenFill xmlns:a14="http://schemas.microsoft.com/office/drawing/2010/main">
-                  <a:solidFill>
-                    <a:srgbClr val="FFFFFF"/>
-                  </a:solidFill>
-                </a14:hiddenFill>
-              </a:ext>
-            </a:extLst>
-          </p:spPr>
-        </p:sp>
-        <p:sp>
-          <p:nvSpPr>
-            <p:cNvPr id="243" name="Freeform 9">
-              <a:extLst>
-                <a:ext uri="{FF2B5EF4-FFF2-40B4-BE49-F238E27FC236}">
-                  <a16:creationId xmlns:a16="http://schemas.microsoft.com/office/drawing/2014/main" id="{C00169AA-D2E0-467C-9CAE-BBF421EA30F1}"/>
-                </a:ext>
-                <a:ext uri="{C183D7F6-B498-43B3-948B-1728B52AA6E4}">
-                  <adec:decorative xmlns:adec="http://schemas.microsoft.com/office/drawing/2017/decorative" val="1"/>
-                </a:ext>
-              </a:extLst>
-            </p:cNvPr>
-            <p:cNvSpPr/>
-            <p:nvPr>
-              <p:extLst>
-                <p:ext uri="{386F3935-93C4-4BCD-93E2-E3B085C9AB24}">
-                  <p16:designElem xmlns:p16="http://schemas.microsoft.com/office/powerpoint/2015/main" val="1"/>
-                </p:ext>
-              </p:extLst>
-            </p:nvPr>
-          </p:nvSpPr>
-          <p:spPr bwMode="auto">
-            <a:xfrm>
-              <a:off x="3701" y="6186246"/>
-              <a:ext cx="504825" cy="681527"/>
-            </a:xfrm>
-            <a:custGeom>
-              <a:avLst/>
-              <a:gdLst/>
-              <a:ahLst/>
-              <a:cxnLst/>
-              <a:rect l="0" t="0" r="r" b="b"/>
-              <a:pathLst>
-                <a:path w="106" h="143">
-                  <a:moveTo>
-                    <a:pt x="0" y="0"/>
-                  </a:moveTo>
-                  <a:cubicBezTo>
-                    <a:pt x="35" y="54"/>
-                    <a:pt x="70" y="101"/>
-                    <a:pt x="106" y="143"/>
-                  </a:cubicBezTo>
-                </a:path>
-              </a:pathLst>
-            </a:custGeom>
-            <a:noFill/>
-            <a:ln w="4763" cap="flat">
-              <a:solidFill>
-                <a:schemeClr val="tx1">
-                  <a:alpha val="20000"/>
-                </a:schemeClr>
-              </a:solidFill>
-              <a:prstDash val="solid"/>
-              <a:miter lim="800000"/>
-              <a:headEnd/>
-              <a:tailEnd/>
-            </a:ln>
-            <a:extLst>
-              <a:ext uri="{909E8E84-426E-40DD-AFC4-6F175D3DCCD1}">
-                <a14:hiddenFill xmlns:a14="http://schemas.microsoft.com/office/drawing/2010/main">
-                  <a:solidFill>
-                    <a:srgbClr val="FFFFFF"/>
-                  </a:solidFill>
-                </a14:hiddenFill>
-              </a:ext>
-            </a:extLst>
-          </p:spPr>
-        </p:sp>
-        <p:sp>
-          <p:nvSpPr>
-            <p:cNvPr id="244" name="Freeform 10">
-              <a:extLst>
-                <a:ext uri="{FF2B5EF4-FFF2-40B4-BE49-F238E27FC236}">
-                  <a16:creationId xmlns:a16="http://schemas.microsoft.com/office/drawing/2014/main" id="{24C43ADE-E7DB-48BC-B5F6-0C48D7AE41E1}"/>
-                </a:ext>
-                <a:ext uri="{C183D7F6-B498-43B3-948B-1728B52AA6E4}">
-                  <adec:decorative xmlns:adec="http://schemas.microsoft.com/office/drawing/2017/decorative" val="1"/>
-                </a:ext>
-              </a:extLst>
-            </p:cNvPr>
-            <p:cNvSpPr/>
-            <p:nvPr>
-              <p:extLst>
-                <p:ext uri="{386F3935-93C4-4BCD-93E2-E3B085C9AB24}">
-                  <p16:designElem xmlns:p16="http://schemas.microsoft.com/office/powerpoint/2015/main" val="1"/>
-                </p:ext>
-              </p:extLst>
-            </p:nvPr>
-          </p:nvSpPr>
-          <p:spPr bwMode="auto">
-            <a:xfrm>
-              <a:off x="-1061" y="-51881"/>
-              <a:ext cx="11091863" cy="6923796"/>
-            </a:xfrm>
-            <a:custGeom>
-              <a:avLst/>
-              <a:gdLst/>
-              <a:ahLst/>
-              <a:cxnLst/>
-              <a:rect l="0" t="0" r="r" b="b"/>
-              <a:pathLst>
-                <a:path w="2330" h="1452">
-                  <a:moveTo>
-                    <a:pt x="2046" y="1452"/>
-                  </a:moveTo>
-                  <a:cubicBezTo>
-                    <a:pt x="2330" y="1153"/>
-                    <a:pt x="2049" y="821"/>
-                    <a:pt x="1813" y="601"/>
-                  </a:cubicBezTo>
-                  <a:cubicBezTo>
-                    <a:pt x="1569" y="375"/>
-                    <a:pt x="1282" y="179"/>
-                    <a:pt x="956" y="97"/>
-                  </a:cubicBezTo>
-                  <a:cubicBezTo>
-                    <a:pt x="572" y="0"/>
-                    <a:pt x="292" y="101"/>
-                    <a:pt x="0" y="366"/>
-                  </a:cubicBezTo>
-                </a:path>
-              </a:pathLst>
-            </a:custGeom>
-            <a:noFill/>
-            <a:ln w="9525" cap="flat">
-              <a:solidFill>
-                <a:schemeClr val="tx1">
-                  <a:alpha val="20000"/>
-                </a:schemeClr>
-              </a:solidFill>
-              <a:prstDash val="solid"/>
-              <a:miter lim="800000"/>
-              <a:headEnd/>
-              <a:tailEnd/>
-            </a:ln>
-            <a:extLst>
-              <a:ext uri="{909E8E84-426E-40DD-AFC4-6F175D3DCCD1}">
-                <a14:hiddenFill xmlns:a14="http://schemas.microsoft.com/office/drawing/2010/main">
-                  <a:solidFill>
-                    <a:srgbClr val="FFFFFF"/>
-                  </a:solidFill>
-                </a14:hiddenFill>
-              </a:ext>
-            </a:extLst>
-          </p:spPr>
-        </p:sp>
-        <p:sp>
-          <p:nvSpPr>
-            <p:cNvPr id="245" name="Freeform 11">
-              <a:extLst>
-                <a:ext uri="{FF2B5EF4-FFF2-40B4-BE49-F238E27FC236}">
-                  <a16:creationId xmlns:a16="http://schemas.microsoft.com/office/drawing/2014/main" id="{F9B6CF03-8C6F-4A69-B803-56DF556167A7}"/>
-                </a:ext>
-                <a:ext uri="{C183D7F6-B498-43B3-948B-1728B52AA6E4}">
-                  <adec:decorative xmlns:adec="http://schemas.microsoft.com/office/drawing/2017/decorative" val="1"/>
-                </a:ext>
-              </a:extLst>
-            </p:cNvPr>
-            <p:cNvSpPr/>
-            <p:nvPr>
-              <p:extLst>
-                <p:ext uri="{386F3935-93C4-4BCD-93E2-E3B085C9AB24}">
-                  <p16:designElem xmlns:p16="http://schemas.microsoft.com/office/powerpoint/2015/main" val="1"/>
-                </p:ext>
-              </p:extLst>
-            </p:nvPr>
-          </p:nvSpPr>
-          <p:spPr bwMode="auto">
-            <a:xfrm>
-              <a:off x="5426601" y="5579"/>
-              <a:ext cx="5788025" cy="6847184"/>
-            </a:xfrm>
-            <a:custGeom>
-              <a:avLst/>
-              <a:gdLst/>
-              <a:ahLst/>
-              <a:cxnLst/>
-              <a:rect l="0" t="0" r="r" b="b"/>
-              <a:pathLst>
-                <a:path w="1216" h="1436">
-                  <a:moveTo>
-                    <a:pt x="1094" y="1436"/>
-                  </a:moveTo>
-                  <a:cubicBezTo>
-                    <a:pt x="1216" y="1114"/>
-                    <a:pt x="904" y="770"/>
-                    <a:pt x="709" y="551"/>
-                  </a:cubicBezTo>
-                  <a:cubicBezTo>
-                    <a:pt x="509" y="327"/>
-                    <a:pt x="274" y="127"/>
-                    <a:pt x="0" y="0"/>
-                  </a:cubicBezTo>
-                </a:path>
-              </a:pathLst>
-            </a:custGeom>
-            <a:noFill/>
-            <a:ln w="9525" cap="flat">
-              <a:solidFill>
-                <a:schemeClr val="tx1">
-                  <a:alpha val="20000"/>
-                </a:schemeClr>
-              </a:solidFill>
-              <a:prstDash val="solid"/>
-              <a:miter lim="800000"/>
-              <a:headEnd/>
-              <a:tailEnd/>
-            </a:ln>
-            <a:extLst>
-              <a:ext uri="{909E8E84-426E-40DD-AFC4-6F175D3DCCD1}">
-                <a14:hiddenFill xmlns:a14="http://schemas.microsoft.com/office/drawing/2010/main">
-                  <a:solidFill>
-                    <a:srgbClr val="FFFFFF"/>
-                  </a:solidFill>
-                </a14:hiddenFill>
-              </a:ext>
-            </a:extLst>
-          </p:spPr>
-        </p:sp>
-        <p:sp>
-          <p:nvSpPr>
-            <p:cNvPr id="246" name="Freeform 12">
-              <a:extLst>
-                <a:ext uri="{FF2B5EF4-FFF2-40B4-BE49-F238E27FC236}">
-                  <a16:creationId xmlns:a16="http://schemas.microsoft.com/office/drawing/2014/main" id="{0A6864AE-A239-4CD6-9D34-6CF7188F1B2D}"/>
-                </a:ext>
-                <a:ext uri="{C183D7F6-B498-43B3-948B-1728B52AA6E4}">
-                  <adec:decorative xmlns:adec="http://schemas.microsoft.com/office/drawing/2017/decorative" val="1"/>
-                </a:ext>
-              </a:extLst>
-            </p:cNvPr>
-            <p:cNvSpPr/>
-            <p:nvPr>
-              <p:extLst>
-                <p:ext uri="{386F3935-93C4-4BCD-93E2-E3B085C9AB24}">
-                  <p16:designElem xmlns:p16="http://schemas.microsoft.com/office/powerpoint/2015/main" val="1"/>
-                </p:ext>
-              </p:extLst>
-            </p:nvPr>
-          </p:nvSpPr>
-          <p:spPr bwMode="auto">
-            <a:xfrm>
-              <a:off x="-1061" y="5579"/>
-              <a:ext cx="1057275" cy="614491"/>
-            </a:xfrm>
-            <a:custGeom>
-              <a:avLst/>
-              <a:gdLst/>
-              <a:ahLst/>
-              <a:cxnLst/>
-              <a:rect l="0" t="0" r="r" b="b"/>
-              <a:pathLst>
-                <a:path w="222" h="129">
-                  <a:moveTo>
-                    <a:pt x="222" y="0"/>
-                  </a:moveTo>
-                  <a:cubicBezTo>
-                    <a:pt x="152" y="35"/>
-                    <a:pt x="76" y="78"/>
-                    <a:pt x="0" y="129"/>
-                  </a:cubicBezTo>
-                </a:path>
-              </a:pathLst>
-            </a:custGeom>
-            <a:noFill/>
-            <a:ln w="9525" cap="flat">
-              <a:solidFill>
-                <a:schemeClr val="tx1">
-                  <a:alpha val="20000"/>
-                </a:schemeClr>
-              </a:solidFill>
-              <a:prstDash val="solid"/>
-              <a:miter lim="800000"/>
-              <a:headEnd/>
-              <a:tailEnd/>
-            </a:ln>
-            <a:extLst>
-              <a:ext uri="{909E8E84-426E-40DD-AFC4-6F175D3DCCD1}">
-                <a14:hiddenFill xmlns:a14="http://schemas.microsoft.com/office/drawing/2010/main">
-                  <a:solidFill>
-                    <a:srgbClr val="FFFFFF"/>
-                  </a:solidFill>
-                </a14:hiddenFill>
-              </a:ext>
-            </a:extLst>
-          </p:spPr>
-        </p:sp>
-        <p:sp>
-          <p:nvSpPr>
-            <p:cNvPr id="247" name="Freeform 13">
-              <a:extLst>
-                <a:ext uri="{FF2B5EF4-FFF2-40B4-BE49-F238E27FC236}">
-                  <a16:creationId xmlns:a16="http://schemas.microsoft.com/office/drawing/2014/main" id="{B71C308D-6936-4397-A8AF-6D19C6EC0742}"/>
-                </a:ext>
-                <a:ext uri="{C183D7F6-B498-43B3-948B-1728B52AA6E4}">
-                  <adec:decorative xmlns:adec="http://schemas.microsoft.com/office/drawing/2017/decorative" val="1"/>
-                </a:ext>
-              </a:extLst>
-            </p:cNvPr>
-            <p:cNvSpPr/>
-            <p:nvPr>
-              <p:extLst>
-                <p:ext uri="{386F3935-93C4-4BCD-93E2-E3B085C9AB24}">
-                  <p16:designElem xmlns:p16="http://schemas.microsoft.com/office/powerpoint/2015/main" val="1"/>
-                </p:ext>
-              </p:extLst>
-            </p:nvPr>
-          </p:nvSpPr>
-          <p:spPr bwMode="auto">
-            <a:xfrm>
-              <a:off x="5821889" y="5579"/>
-              <a:ext cx="5588000" cy="6866337"/>
-            </a:xfrm>
-            <a:custGeom>
-              <a:avLst/>
-              <a:gdLst/>
-              <a:ahLst/>
-              <a:cxnLst/>
-              <a:rect l="0" t="0" r="r" b="b"/>
-              <a:pathLst>
-                <a:path w="1174" h="1440">
-                  <a:moveTo>
-                    <a:pt x="1067" y="1440"/>
-                  </a:moveTo>
-                  <a:cubicBezTo>
-                    <a:pt x="1174" y="1124"/>
-                    <a:pt x="887" y="797"/>
-                    <a:pt x="698" y="577"/>
-                  </a:cubicBezTo>
-                  <a:cubicBezTo>
-                    <a:pt x="500" y="348"/>
-                    <a:pt x="270" y="141"/>
-                    <a:pt x="0" y="0"/>
-                  </a:cubicBezTo>
-                </a:path>
-              </a:pathLst>
-            </a:custGeom>
-            <a:noFill/>
-            <a:ln w="9525" cap="flat">
-              <a:solidFill>
-                <a:schemeClr val="tx1">
-                  <a:alpha val="20000"/>
-                </a:schemeClr>
-              </a:solidFill>
-              <a:prstDash val="dash"/>
-              <a:miter lim="800000"/>
-              <a:headEnd/>
-              <a:tailEnd/>
-            </a:ln>
-            <a:extLst>
-              <a:ext uri="{909E8E84-426E-40DD-AFC4-6F175D3DCCD1}">
-                <a14:hiddenFill xmlns:a14="http://schemas.microsoft.com/office/drawing/2010/main">
-                  <a:solidFill>
-                    <a:srgbClr val="FFFFFF"/>
-                  </a:solidFill>
-                </a14:hiddenFill>
-              </a:ext>
-            </a:extLst>
-          </p:spPr>
-        </p:sp>
-        <p:sp>
-          <p:nvSpPr>
-            <p:cNvPr id="248" name="Freeform 14">
-              <a:extLst>
-                <a:ext uri="{FF2B5EF4-FFF2-40B4-BE49-F238E27FC236}">
-                  <a16:creationId xmlns:a16="http://schemas.microsoft.com/office/drawing/2014/main" id="{FBD50843-2012-4AE6-91C9-537612E73884}"/>
-                </a:ext>
-                <a:ext uri="{C183D7F6-B498-43B3-948B-1728B52AA6E4}">
-                  <adec:decorative xmlns:adec="http://schemas.microsoft.com/office/drawing/2017/decorative" val="1"/>
-                </a:ext>
-              </a:extLst>
-            </p:cNvPr>
-            <p:cNvSpPr/>
-            <p:nvPr>
-              <p:extLst>
-                <p:ext uri="{386F3935-93C4-4BCD-93E2-E3B085C9AB24}">
-                  <p16:designElem xmlns:p16="http://schemas.microsoft.com/office/powerpoint/2015/main" val="1"/>
-                </p:ext>
-              </p:extLst>
-            </p:nvPr>
-          </p:nvSpPr>
-          <p:spPr bwMode="auto">
-            <a:xfrm>
-              <a:off x="3701" y="790"/>
-              <a:ext cx="595313" cy="352734"/>
-            </a:xfrm>
-            <a:custGeom>
-              <a:avLst/>
-              <a:gdLst/>
-              <a:ahLst/>
-              <a:cxnLst/>
-              <a:rect l="0" t="0" r="r" b="b"/>
-              <a:pathLst>
-                <a:path w="125" h="74">
-                  <a:moveTo>
-                    <a:pt x="125" y="0"/>
-                  </a:moveTo>
-                  <a:cubicBezTo>
-                    <a:pt x="85" y="22"/>
-                    <a:pt x="43" y="47"/>
-                    <a:pt x="0" y="74"/>
-                  </a:cubicBezTo>
-                </a:path>
-              </a:pathLst>
-            </a:custGeom>
-            <a:noFill/>
-            <a:ln w="9525" cap="flat">
-              <a:solidFill>
-                <a:schemeClr val="tx1">
-                  <a:alpha val="20000"/>
-                </a:schemeClr>
-              </a:solidFill>
-              <a:prstDash val="dash"/>
-              <a:miter lim="800000"/>
-              <a:headEnd/>
-              <a:tailEnd/>
-            </a:ln>
-            <a:extLst>
-              <a:ext uri="{909E8E84-426E-40DD-AFC4-6F175D3DCCD1}">
-                <a14:hiddenFill xmlns:a14="http://schemas.microsoft.com/office/drawing/2010/main">
-                  <a:solidFill>
-                    <a:srgbClr val="FFFFFF"/>
-                  </a:solidFill>
-                </a14:hiddenFill>
-              </a:ext>
-            </a:extLst>
-          </p:spPr>
-        </p:sp>
-        <p:sp>
-          <p:nvSpPr>
-            <p:cNvPr id="249" name="Freeform 15">
-              <a:extLst>
-                <a:ext uri="{FF2B5EF4-FFF2-40B4-BE49-F238E27FC236}">
-                  <a16:creationId xmlns:a16="http://schemas.microsoft.com/office/drawing/2014/main" id="{A676FD4C-815C-452E-8046-28FEA738242C}"/>
-                </a:ext>
-                <a:ext uri="{C183D7F6-B498-43B3-948B-1728B52AA6E4}">
-                  <adec:decorative xmlns:adec="http://schemas.microsoft.com/office/drawing/2017/decorative" val="1"/>
-                </a:ext>
-              </a:extLst>
-            </p:cNvPr>
-            <p:cNvSpPr/>
-            <p:nvPr>
-              <p:extLst>
-                <p:ext uri="{386F3935-93C4-4BCD-93E2-E3B085C9AB24}">
-                  <p16:designElem xmlns:p16="http://schemas.microsoft.com/office/powerpoint/2015/main" val="1"/>
-                </p:ext>
-              </p:extLst>
-            </p:nvPr>
-          </p:nvSpPr>
-          <p:spPr bwMode="auto">
-            <a:xfrm>
-              <a:off x="6012389" y="5579"/>
-              <a:ext cx="5497513" cy="6866337"/>
-            </a:xfrm>
-            <a:custGeom>
-              <a:avLst/>
-              <a:gdLst/>
-              <a:ahLst/>
-              <a:cxnLst/>
-              <a:rect l="0" t="0" r="r" b="b"/>
-              <a:pathLst>
-                <a:path w="1155" h="1440">
-                  <a:moveTo>
-                    <a:pt x="1056" y="1440"/>
-                  </a:moveTo>
-                  <a:cubicBezTo>
-                    <a:pt x="1155" y="1123"/>
-                    <a:pt x="875" y="801"/>
-                    <a:pt x="686" y="580"/>
-                  </a:cubicBezTo>
-                  <a:cubicBezTo>
-                    <a:pt x="491" y="352"/>
-                    <a:pt x="264" y="145"/>
-                    <a:pt x="0" y="0"/>
-                  </a:cubicBezTo>
-                </a:path>
-              </a:pathLst>
-            </a:custGeom>
-            <a:noFill/>
-            <a:ln w="12700" cap="flat">
-              <a:solidFill>
-                <a:schemeClr val="tx1">
-                  <a:alpha val="20000"/>
-                </a:schemeClr>
-              </a:solidFill>
-              <a:prstDash val="dashDot"/>
-              <a:miter lim="800000"/>
-              <a:headEnd/>
-              <a:tailEnd/>
-            </a:ln>
-            <a:extLst>
-              <a:ext uri="{909E8E84-426E-40DD-AFC4-6F175D3DCCD1}">
-                <a14:hiddenFill xmlns:a14="http://schemas.microsoft.com/office/drawing/2010/main">
-                  <a:solidFill>
-                    <a:srgbClr val="FFFFFF"/>
-                  </a:solidFill>
-                </a14:hiddenFill>
-              </a:ext>
-            </a:extLst>
-          </p:spPr>
-        </p:sp>
-        <p:sp>
-          <p:nvSpPr>
-            <p:cNvPr id="250" name="Freeform 16">
-              <a:extLst>
-                <a:ext uri="{FF2B5EF4-FFF2-40B4-BE49-F238E27FC236}">
-                  <a16:creationId xmlns:a16="http://schemas.microsoft.com/office/drawing/2014/main" id="{66D402BD-5FE7-427A-8AE9-02D604B4C28E}"/>
-                </a:ext>
-                <a:ext uri="{C183D7F6-B498-43B3-948B-1728B52AA6E4}">
-                  <adec:decorative xmlns:adec="http://schemas.microsoft.com/office/drawing/2017/decorative" val="1"/>
-                </a:ext>
-              </a:extLst>
-            </p:cNvPr>
-            <p:cNvSpPr/>
-            <p:nvPr>
-              <p:extLst>
-                <p:ext uri="{386F3935-93C4-4BCD-93E2-E3B085C9AB24}">
-                  <p16:designElem xmlns:p16="http://schemas.microsoft.com/office/powerpoint/2015/main" val="1"/>
-                </p:ext>
-              </p:extLst>
-            </p:nvPr>
-          </p:nvSpPr>
-          <p:spPr bwMode="auto">
-            <a:xfrm>
-              <a:off x="-1061" y="5579"/>
-              <a:ext cx="357188" cy="213875"/>
-            </a:xfrm>
-            <a:custGeom>
-              <a:avLst/>
-              <a:gdLst/>
-              <a:ahLst/>
-              <a:cxnLst/>
-              <a:rect l="0" t="0" r="r" b="b"/>
-              <a:pathLst>
-                <a:path w="75" h="45">
-                  <a:moveTo>
-                    <a:pt x="75" y="0"/>
-                  </a:moveTo>
-                  <a:cubicBezTo>
-                    <a:pt x="50" y="14"/>
-                    <a:pt x="25" y="29"/>
-                    <a:pt x="0" y="45"/>
-                  </a:cubicBezTo>
-                </a:path>
-              </a:pathLst>
-            </a:custGeom>
-            <a:noFill/>
-            <a:ln w="12700" cap="flat">
-              <a:solidFill>
-                <a:schemeClr val="tx1">
-                  <a:alpha val="20000"/>
-                </a:schemeClr>
-              </a:solidFill>
-              <a:prstDash val="dashDot"/>
-              <a:miter lim="800000"/>
-              <a:headEnd/>
-              <a:tailEnd/>
-            </a:ln>
-            <a:extLst>
-              <a:ext uri="{909E8E84-426E-40DD-AFC4-6F175D3DCCD1}">
-                <a14:hiddenFill xmlns:a14="http://schemas.microsoft.com/office/drawing/2010/main">
-                  <a:solidFill>
-                    <a:srgbClr val="FFFFFF"/>
-                  </a:solidFill>
-                </a14:hiddenFill>
-              </a:ext>
-            </a:extLst>
-          </p:spPr>
-        </p:sp>
-        <p:sp>
-          <p:nvSpPr>
-            <p:cNvPr id="251" name="Freeform 17">
-              <a:extLst>
-                <a:ext uri="{FF2B5EF4-FFF2-40B4-BE49-F238E27FC236}">
-                  <a16:creationId xmlns:a16="http://schemas.microsoft.com/office/drawing/2014/main" id="{AA120BAC-3891-4E44-8E77-F37600AC72D8}"/>
-                </a:ext>
-                <a:ext uri="{C183D7F6-B498-43B3-948B-1728B52AA6E4}">
-                  <adec:decorative xmlns:adec="http://schemas.microsoft.com/office/drawing/2017/decorative" val="1"/>
-                </a:ext>
-              </a:extLst>
-            </p:cNvPr>
-            <p:cNvSpPr/>
-            <p:nvPr>
-              <p:extLst>
-                <p:ext uri="{386F3935-93C4-4BCD-93E2-E3B085C9AB24}">
-                  <p16:designElem xmlns:p16="http://schemas.microsoft.com/office/powerpoint/2015/main" val="1"/>
-                </p:ext>
-              </p:extLst>
-            </p:nvPr>
-          </p:nvSpPr>
-          <p:spPr bwMode="auto">
-            <a:xfrm>
-              <a:off x="6210826" y="790"/>
-              <a:ext cx="5522913" cy="6871126"/>
-            </a:xfrm>
-            <a:custGeom>
-              <a:avLst/>
-              <a:gdLst/>
-              <a:ahLst/>
-              <a:cxnLst/>
-              <a:rect l="0" t="0" r="r" b="b"/>
-              <a:pathLst>
-                <a:path w="1160" h="1441">
-                  <a:moveTo>
-                    <a:pt x="1053" y="1441"/>
-                  </a:moveTo>
-                  <a:cubicBezTo>
-                    <a:pt x="1160" y="1129"/>
-                    <a:pt x="892" y="817"/>
-                    <a:pt x="705" y="599"/>
-                  </a:cubicBezTo>
-                  <a:cubicBezTo>
-                    <a:pt x="503" y="365"/>
-                    <a:pt x="270" y="152"/>
-                    <a:pt x="0" y="0"/>
-                  </a:cubicBezTo>
-                </a:path>
-              </a:pathLst>
-            </a:custGeom>
-            <a:noFill/>
-            <a:ln w="9525" cap="flat">
-              <a:solidFill>
-                <a:schemeClr val="tx1">
-                  <a:alpha val="20000"/>
-                </a:schemeClr>
-              </a:solidFill>
-              <a:prstDash val="solid"/>
-              <a:miter lim="800000"/>
-              <a:headEnd/>
-              <a:tailEnd/>
-            </a:ln>
-            <a:extLst>
-              <a:ext uri="{909E8E84-426E-40DD-AFC4-6F175D3DCCD1}">
-                <a14:hiddenFill xmlns:a14="http://schemas.microsoft.com/office/drawing/2010/main">
-                  <a:solidFill>
-                    <a:srgbClr val="FFFFFF"/>
-                  </a:solidFill>
-                </a14:hiddenFill>
-              </a:ext>
-            </a:extLst>
-          </p:spPr>
-        </p:sp>
-        <p:sp>
-          <p:nvSpPr>
-            <p:cNvPr id="252" name="Freeform 18">
-              <a:extLst>
-                <a:ext uri="{FF2B5EF4-FFF2-40B4-BE49-F238E27FC236}">
-                  <a16:creationId xmlns:a16="http://schemas.microsoft.com/office/drawing/2014/main" id="{DCD27D48-C30F-4CF5-8C39-64561E5AC81B}"/>
-                </a:ext>
-                <a:ext uri="{C183D7F6-B498-43B3-948B-1728B52AA6E4}">
-                  <adec:decorative xmlns:adec="http://schemas.microsoft.com/office/drawing/2017/decorative" val="1"/>
-                </a:ext>
-              </a:extLst>
-            </p:cNvPr>
-            <p:cNvSpPr/>
-            <p:nvPr>
-              <p:extLst>
-                <p:ext uri="{386F3935-93C4-4BCD-93E2-E3B085C9AB24}">
-                  <p16:designElem xmlns:p16="http://schemas.microsoft.com/office/powerpoint/2015/main" val="1"/>
-                </p:ext>
-              </p:extLst>
-            </p:nvPr>
-          </p:nvSpPr>
-          <p:spPr bwMode="auto">
-            <a:xfrm>
-              <a:off x="6463239" y="5579"/>
-              <a:ext cx="5413375" cy="6866337"/>
-            </a:xfrm>
-            <a:custGeom>
-              <a:avLst/>
-              <a:gdLst/>
-              <a:ahLst/>
-              <a:cxnLst/>
-              <a:rect l="0" t="0" r="r" b="b"/>
-              <a:pathLst>
-                <a:path w="1137" h="1440">
-                  <a:moveTo>
-                    <a:pt x="1040" y="1440"/>
-                  </a:moveTo>
-                  <a:cubicBezTo>
-                    <a:pt x="1137" y="1131"/>
-                    <a:pt x="883" y="828"/>
-                    <a:pt x="698" y="611"/>
-                  </a:cubicBezTo>
-                  <a:cubicBezTo>
-                    <a:pt x="498" y="375"/>
-                    <a:pt x="268" y="159"/>
-                    <a:pt x="0" y="0"/>
-                  </a:cubicBezTo>
-                </a:path>
-              </a:pathLst>
-            </a:custGeom>
-            <a:noFill/>
-            <a:ln w="9525" cap="flat">
-              <a:solidFill>
-                <a:schemeClr val="tx1">
-                  <a:alpha val="20000"/>
-                </a:schemeClr>
-              </a:solidFill>
-              <a:prstDash val="solid"/>
-              <a:miter lim="800000"/>
-              <a:headEnd/>
-              <a:tailEnd/>
-            </a:ln>
-            <a:extLst>
-              <a:ext uri="{909E8E84-426E-40DD-AFC4-6F175D3DCCD1}">
-                <a14:hiddenFill xmlns:a14="http://schemas.microsoft.com/office/drawing/2010/main">
-                  <a:solidFill>
-                    <a:srgbClr val="FFFFFF"/>
-                  </a:solidFill>
-                </a14:hiddenFill>
-              </a:ext>
-            </a:extLst>
-          </p:spPr>
-        </p:sp>
-        <p:sp>
-          <p:nvSpPr>
-            <p:cNvPr id="253" name="Freeform 19">
-              <a:extLst>
-                <a:ext uri="{FF2B5EF4-FFF2-40B4-BE49-F238E27FC236}">
-                  <a16:creationId xmlns:a16="http://schemas.microsoft.com/office/drawing/2014/main" id="{BFB24C59-0439-4A08-B2D7-11CBD9E230B0}"/>
-                </a:ext>
-                <a:ext uri="{C183D7F6-B498-43B3-948B-1728B52AA6E4}">
-                  <adec:decorative xmlns:adec="http://schemas.microsoft.com/office/drawing/2017/decorative" val="1"/>
-                </a:ext>
-              </a:extLst>
-            </p:cNvPr>
-            <p:cNvSpPr/>
-            <p:nvPr>
-              <p:extLst>
-                <p:ext uri="{386F3935-93C4-4BCD-93E2-E3B085C9AB24}">
-                  <p16:designElem xmlns:p16="http://schemas.microsoft.com/office/powerpoint/2015/main" val="1"/>
-                </p:ext>
-              </p:extLst>
-            </p:nvPr>
-          </p:nvSpPr>
-          <p:spPr bwMode="auto">
-            <a:xfrm>
-              <a:off x="6877576" y="5579"/>
-              <a:ext cx="5037138" cy="6861550"/>
-            </a:xfrm>
-            <a:custGeom>
-              <a:avLst/>
-              <a:gdLst/>
-              <a:ahLst/>
-              <a:cxnLst/>
-              <a:rect l="0" t="0" r="r" b="b"/>
-              <a:pathLst>
-                <a:path w="1058" h="1439">
-                  <a:moveTo>
-                    <a:pt x="1011" y="1439"/>
-                  </a:moveTo>
-                  <a:cubicBezTo>
-                    <a:pt x="1058" y="1131"/>
-                    <a:pt x="825" y="841"/>
-                    <a:pt x="648" y="617"/>
-                  </a:cubicBezTo>
-                  <a:cubicBezTo>
-                    <a:pt x="462" y="383"/>
-                    <a:pt x="248" y="168"/>
-                    <a:pt x="0" y="0"/>
-                  </a:cubicBezTo>
-                </a:path>
-              </a:pathLst>
-            </a:custGeom>
-            <a:noFill/>
-            <a:ln w="9525" cap="flat">
-              <a:solidFill>
-                <a:schemeClr val="tx1">
-                  <a:alpha val="20000"/>
-                </a:schemeClr>
-              </a:solidFill>
-              <a:prstDash val="solid"/>
-              <a:miter lim="800000"/>
-              <a:headEnd/>
-              <a:tailEnd/>
-            </a:ln>
-            <a:extLst>
-              <a:ext uri="{909E8E84-426E-40DD-AFC4-6F175D3DCCD1}">
-                <a14:hiddenFill xmlns:a14="http://schemas.microsoft.com/office/drawing/2010/main">
-                  <a:solidFill>
-                    <a:srgbClr val="FFFFFF"/>
-                  </a:solidFill>
-                </a14:hiddenFill>
-              </a:ext>
-            </a:extLst>
-          </p:spPr>
-        </p:sp>
-        <p:sp>
-          <p:nvSpPr>
-            <p:cNvPr id="254" name="Freeform 20">
-              <a:extLst>
-                <a:ext uri="{FF2B5EF4-FFF2-40B4-BE49-F238E27FC236}">
-                  <a16:creationId xmlns:a16="http://schemas.microsoft.com/office/drawing/2014/main" id="{55E56104-C1D3-474D-8F49-E66410000393}"/>
-                </a:ext>
-                <a:ext uri="{C183D7F6-B498-43B3-948B-1728B52AA6E4}">
-                  <adec:decorative xmlns:adec="http://schemas.microsoft.com/office/drawing/2017/decorative" val="1"/>
-                </a:ext>
-              </a:extLst>
-            </p:cNvPr>
-            <p:cNvSpPr/>
-            <p:nvPr>
-              <p:extLst>
-                <p:ext uri="{386F3935-93C4-4BCD-93E2-E3B085C9AB24}">
-                  <p16:designElem xmlns:p16="http://schemas.microsoft.com/office/powerpoint/2015/main" val="1"/>
-                </p:ext>
-              </p:extLst>
-            </p:nvPr>
-          </p:nvSpPr>
-          <p:spPr bwMode="auto">
-            <a:xfrm>
-              <a:off x="8768289" y="5579"/>
-              <a:ext cx="3417888" cy="2742066"/>
-            </a:xfrm>
-            <a:custGeom>
-              <a:avLst/>
-              <a:gdLst/>
-              <a:ahLst/>
-              <a:cxnLst/>
-              <a:rect l="0" t="0" r="r" b="b"/>
-              <a:pathLst>
-                <a:path w="718" h="575">
-                  <a:moveTo>
-                    <a:pt x="718" y="575"/>
-                  </a:moveTo>
-                  <a:cubicBezTo>
-                    <a:pt x="500" y="360"/>
-                    <a:pt x="260" y="163"/>
-                    <a:pt x="0" y="0"/>
-                  </a:cubicBezTo>
-                </a:path>
-              </a:pathLst>
-            </a:custGeom>
-            <a:noFill/>
-            <a:ln w="9525" cap="flat">
-              <a:solidFill>
-                <a:schemeClr val="tx1">
-                  <a:alpha val="20000"/>
-                </a:schemeClr>
-              </a:solidFill>
-              <a:prstDash val="solid"/>
-              <a:miter lim="800000"/>
-              <a:headEnd/>
-              <a:tailEnd/>
-            </a:ln>
-            <a:extLst>
-              <a:ext uri="{909E8E84-426E-40DD-AFC4-6F175D3DCCD1}">
-                <a14:hiddenFill xmlns:a14="http://schemas.microsoft.com/office/drawing/2010/main">
-                  <a:solidFill>
-                    <a:srgbClr val="FFFFFF"/>
-                  </a:solidFill>
-                </a14:hiddenFill>
-              </a:ext>
-            </a:extLst>
-          </p:spPr>
-        </p:sp>
-        <p:sp>
-          <p:nvSpPr>
-            <p:cNvPr id="255" name="Freeform 21">
-              <a:extLst>
-                <a:ext uri="{FF2B5EF4-FFF2-40B4-BE49-F238E27FC236}">
-                  <a16:creationId xmlns:a16="http://schemas.microsoft.com/office/drawing/2014/main" id="{17D49068-5D60-449A-95AE-939E83EB9679}"/>
-                </a:ext>
-                <a:ext uri="{C183D7F6-B498-43B3-948B-1728B52AA6E4}">
-                  <adec:decorative xmlns:adec="http://schemas.microsoft.com/office/drawing/2017/decorative" val="1"/>
-                </a:ext>
-              </a:extLst>
-            </p:cNvPr>
-            <p:cNvSpPr/>
-            <p:nvPr>
-              <p:extLst>
-                <p:ext uri="{386F3935-93C4-4BCD-93E2-E3B085C9AB24}">
-                  <p16:designElem xmlns:p16="http://schemas.microsoft.com/office/powerpoint/2015/main" val="1"/>
-                </p:ext>
-              </p:extLst>
-            </p:nvPr>
-          </p:nvSpPr>
-          <p:spPr bwMode="auto">
-            <a:xfrm>
-              <a:off x="9235014" y="10367"/>
-              <a:ext cx="2951163" cy="2555325"/>
-            </a:xfrm>
-            <a:custGeom>
-              <a:avLst/>
-              <a:gdLst/>
-              <a:ahLst/>
-              <a:cxnLst/>
-              <a:rect l="0" t="0" r="r" b="b"/>
-              <a:pathLst>
-                <a:path w="620" h="536">
-                  <a:moveTo>
-                    <a:pt x="620" y="536"/>
-                  </a:moveTo>
-                  <a:cubicBezTo>
-                    <a:pt x="404" y="314"/>
-                    <a:pt x="196" y="138"/>
-                    <a:pt x="0" y="0"/>
-                  </a:cubicBezTo>
-                </a:path>
-              </a:pathLst>
-            </a:custGeom>
-            <a:noFill/>
-            <a:ln w="9525" cap="flat">
-              <a:solidFill>
-                <a:schemeClr val="tx1">
-                  <a:alpha val="20000"/>
-                </a:schemeClr>
-              </a:solidFill>
-              <a:prstDash val="solid"/>
-              <a:miter lim="800000"/>
-              <a:headEnd/>
-              <a:tailEnd/>
-            </a:ln>
-            <a:extLst>
-              <a:ext uri="{909E8E84-426E-40DD-AFC4-6F175D3DCCD1}">
-                <a14:hiddenFill xmlns:a14="http://schemas.microsoft.com/office/drawing/2010/main">
-                  <a:solidFill>
-                    <a:srgbClr val="FFFFFF"/>
-                  </a:solidFill>
-                </a14:hiddenFill>
-              </a:ext>
-            </a:extLst>
-          </p:spPr>
-        </p:sp>
-        <p:sp>
-          <p:nvSpPr>
-            <p:cNvPr id="256" name="Freeform 22">
-              <a:extLst>
-                <a:ext uri="{FF2B5EF4-FFF2-40B4-BE49-F238E27FC236}">
-                  <a16:creationId xmlns:a16="http://schemas.microsoft.com/office/drawing/2014/main" id="{4D4CF5CD-E36E-43E6-8712-A4880FFEA1B4}"/>
-                </a:ext>
-                <a:ext uri="{C183D7F6-B498-43B3-948B-1728B52AA6E4}">
-                  <adec:decorative xmlns:adec="http://schemas.microsoft.com/office/drawing/2017/decorative" val="1"/>
-                </a:ext>
-              </a:extLst>
-            </p:cNvPr>
-            <p:cNvSpPr/>
-            <p:nvPr>
-              <p:extLst>
-                <p:ext uri="{386F3935-93C4-4BCD-93E2-E3B085C9AB24}">
-                  <p16:designElem xmlns:p16="http://schemas.microsoft.com/office/powerpoint/2015/main" val="1"/>
-                </p:ext>
-              </p:extLst>
-            </p:nvPr>
-          </p:nvSpPr>
-          <p:spPr bwMode="auto">
-            <a:xfrm>
-              <a:off x="10020826" y="5579"/>
-              <a:ext cx="2165350" cy="1358265"/>
-            </a:xfrm>
-            <a:custGeom>
-              <a:avLst/>
-              <a:gdLst/>
-              <a:ahLst/>
-              <a:cxnLst/>
-              <a:rect l="0" t="0" r="r" b="b"/>
-              <a:pathLst>
-                <a:path w="455" h="285">
-                  <a:moveTo>
-                    <a:pt x="0" y="0"/>
-                  </a:moveTo>
-                  <a:cubicBezTo>
-                    <a:pt x="153" y="85"/>
-                    <a:pt x="308" y="180"/>
-                    <a:pt x="455" y="285"/>
-                  </a:cubicBezTo>
-                </a:path>
-              </a:pathLst>
-            </a:custGeom>
-            <a:noFill/>
-            <a:ln w="9525" cap="flat">
-              <a:solidFill>
-                <a:schemeClr val="tx1">
-                  <a:alpha val="20000"/>
-                </a:schemeClr>
-              </a:solidFill>
-              <a:prstDash val="dash"/>
-              <a:miter lim="800000"/>
-              <a:headEnd/>
-              <a:tailEnd/>
-            </a:ln>
-            <a:extLst>
-              <a:ext uri="{909E8E84-426E-40DD-AFC4-6F175D3DCCD1}">
-                <a14:hiddenFill xmlns:a14="http://schemas.microsoft.com/office/drawing/2010/main">
-                  <a:solidFill>
-                    <a:srgbClr val="FFFFFF"/>
-                  </a:solidFill>
-                </a14:hiddenFill>
-              </a:ext>
-            </a:extLst>
-          </p:spPr>
-        </p:sp>
-        <p:sp>
-          <p:nvSpPr>
-            <p:cNvPr id="257" name="Freeform 23">
-              <a:extLst>
-                <a:ext uri="{FF2B5EF4-FFF2-40B4-BE49-F238E27FC236}">
-                  <a16:creationId xmlns:a16="http://schemas.microsoft.com/office/drawing/2014/main" id="{56A4EB06-C425-440E-BFF0-2D0E82E70DE3}"/>
-                </a:ext>
-                <a:ext uri="{C183D7F6-B498-43B3-948B-1728B52AA6E4}">
-                  <adec:decorative xmlns:adec="http://schemas.microsoft.com/office/drawing/2017/decorative" val="1"/>
-                </a:ext>
-              </a:extLst>
-            </p:cNvPr>
-            <p:cNvSpPr/>
-            <p:nvPr>
-              <p:extLst>
-                <p:ext uri="{386F3935-93C4-4BCD-93E2-E3B085C9AB24}">
-                  <p16:designElem xmlns:p16="http://schemas.microsoft.com/office/powerpoint/2015/main" val="1"/>
-                </p:ext>
-              </p:extLst>
-            </p:nvPr>
-          </p:nvSpPr>
-          <p:spPr bwMode="auto">
-            <a:xfrm>
-              <a:off x="11290826" y="5579"/>
-              <a:ext cx="895350" cy="534687"/>
-            </a:xfrm>
-            <a:custGeom>
-              <a:avLst/>
-              <a:gdLst/>
-              <a:ahLst/>
-              <a:cxnLst/>
-              <a:rect l="0" t="0" r="r" b="b"/>
-              <a:pathLst>
-                <a:path w="188" h="112">
-                  <a:moveTo>
-                    <a:pt x="0" y="0"/>
-                  </a:moveTo>
-                  <a:cubicBezTo>
-                    <a:pt x="63" y="36"/>
-                    <a:pt x="126" y="73"/>
-                    <a:pt x="188" y="112"/>
-                  </a:cubicBezTo>
-                </a:path>
-              </a:pathLst>
-            </a:custGeom>
-            <a:noFill/>
-            <a:ln w="9525" cap="flat">
-              <a:solidFill>
-                <a:schemeClr val="tx1">
-                  <a:alpha val="20000"/>
-                </a:schemeClr>
-              </a:solidFill>
-              <a:prstDash val="solid"/>
-              <a:miter lim="800000"/>
-              <a:headEnd/>
-              <a:tailEnd/>
-            </a:ln>
-            <a:extLst>
-              <a:ext uri="{909E8E84-426E-40DD-AFC4-6F175D3DCCD1}">
-                <a14:hiddenFill xmlns:a14="http://schemas.microsoft.com/office/drawing/2010/main">
-                  <a:solidFill>
-                    <a:srgbClr val="FFFFFF"/>
-                  </a:solidFill>
-                </a14:hiddenFill>
-              </a:ext>
-            </a:extLst>
-          </p:spPr>
-        </p:sp>
-      </p:grpSp>
-      <p:grpSp>
-        <p:nvGrpSpPr>
-          <p:cNvPr id="259" name="Group 258">
-            <a:extLst>
-              <a:ext uri="{FF2B5EF4-FFF2-40B4-BE49-F238E27FC236}">
-                <a16:creationId xmlns:a16="http://schemas.microsoft.com/office/drawing/2014/main" id="{AF2E2BED-E728-4BDF-A0D9-965E2E6CE3CA}"/>
-              </a:ext>
-              <a:ext uri="{C183D7F6-B498-43B3-948B-1728B52AA6E4}">
-                <adec:decorative xmlns:adec="http://schemas.microsoft.com/office/drawing/2017/decorative" val="1"/>
-              </a:ext>
-            </a:extLst>
-          </p:cNvPr>
-          <p:cNvGrpSpPr>
-            <a:grpSpLocks noGrp="1" noUngrp="1" noRot="1" noChangeAspect="1" noMove="1" noResize="1"/>
-          </p:cNvGrpSpPr>
-          <p:nvPr>
-            <p:extLst>
-              <p:ext uri="{386F3935-93C4-4BCD-93E2-E3B085C9AB24}">
-                <p16:designElem xmlns:p16="http://schemas.microsoft.com/office/powerpoint/2015/main" val="1"/>
-              </p:ext>
-            </p:extLst>
-          </p:nvPr>
-        </p:nvGrpSpPr>
-        <p:grpSpPr>
-          <a:xfrm>
-            <a:off x="1669293" y="1186483"/>
-            <a:ext cx="8848345" cy="4477933"/>
-            <a:chOff x="1669293" y="1186483"/>
-            <a:chExt cx="8848345" cy="4477933"/>
-          </a:xfrm>
-        </p:grpSpPr>
-        <p:sp>
-          <p:nvSpPr>
-            <p:cNvPr id="260" name="Rectangle 259">
-              <a:extLst>
-                <a:ext uri="{FF2B5EF4-FFF2-40B4-BE49-F238E27FC236}">
-                  <a16:creationId xmlns:a16="http://schemas.microsoft.com/office/drawing/2014/main" id="{4D555CD5-B818-433B-91B0-050C20215ED0}"/>
-                </a:ext>
-                <a:ext uri="{C183D7F6-B498-43B3-948B-1728B52AA6E4}">
-                  <adec:decorative xmlns:adec="http://schemas.microsoft.com/office/drawing/2017/decorative" val="1"/>
-                </a:ext>
-              </a:extLst>
-            </p:cNvPr>
-            <p:cNvSpPr/>
-            <p:nvPr>
-              <p:extLst>
-                <p:ext uri="{386F3935-93C4-4BCD-93E2-E3B085C9AB24}">
-                  <p16:designElem xmlns:p16="http://schemas.microsoft.com/office/powerpoint/2015/main" val="1"/>
-                </p:ext>
-              </p:extLst>
-            </p:nvPr>
-          </p:nvSpPr>
-          <p:spPr>
-            <a:xfrm>
-              <a:off x="1674042" y="1186483"/>
-              <a:ext cx="8843596" cy="716184"/>
-            </a:xfrm>
-            <a:prstGeom prst="rect">
-              <a:avLst/>
-            </a:prstGeom>
-            <a:solidFill>
-              <a:schemeClr val="accent1"/>
-            </a:solidFill>
-            <a:ln>
-              <a:noFill/>
-            </a:ln>
-          </p:spPr>
-          <p:style>
-            <a:lnRef idx="2">
-              <a:schemeClr val="accent1">
-                <a:shade val="50000"/>
-              </a:schemeClr>
-            </a:lnRef>
-            <a:fillRef idx="1">
-              <a:schemeClr val="accent1"/>
-            </a:fillRef>
-            <a:effectRef idx="0">
-              <a:schemeClr val="accent1"/>
-            </a:effectRef>
-            <a:fontRef idx="minor">
-              <a:schemeClr val="lt1"/>
-            </a:fontRef>
-          </p:style>
-        </p:sp>
-        <p:sp>
-          <p:nvSpPr>
-            <p:cNvPr id="261" name="Isosceles Triangle 260">
-              <a:extLst>
-                <a:ext uri="{FF2B5EF4-FFF2-40B4-BE49-F238E27FC236}">
-                  <a16:creationId xmlns:a16="http://schemas.microsoft.com/office/drawing/2014/main" id="{942D9584-E3E3-42F2-A08D-053C795536F7}"/>
-                </a:ext>
-                <a:ext uri="{C183D7F6-B498-43B3-948B-1728B52AA6E4}">
-                  <adec:decorative xmlns:adec="http://schemas.microsoft.com/office/drawing/2017/decorative" val="1"/>
-                </a:ext>
-              </a:extLst>
-            </p:cNvPr>
-            <p:cNvSpPr/>
-            <p:nvPr>
-              <p:extLst>
-                <p:ext uri="{386F3935-93C4-4BCD-93E2-E3B085C9AB24}">
-                  <p16:designElem xmlns:p16="http://schemas.microsoft.com/office/powerpoint/2015/main" val="1"/>
-                </p:ext>
-              </p:extLst>
-            </p:nvPr>
-          </p:nvSpPr>
-          <p:spPr>
-            <a:xfrm rot="10800000">
-              <a:off x="5892384" y="5313353"/>
-              <a:ext cx="407233" cy="351063"/>
-            </a:xfrm>
-            <a:prstGeom prst="triangle">
-              <a:avLst/>
-            </a:prstGeom>
-            <a:solidFill>
-              <a:schemeClr val="accent1"/>
-            </a:solidFill>
-            <a:ln>
-              <a:noFill/>
-            </a:ln>
-          </p:spPr>
-          <p:style>
-            <a:lnRef idx="2">
-              <a:schemeClr val="accent1">
-                <a:shade val="50000"/>
-              </a:schemeClr>
-            </a:lnRef>
-            <a:fillRef idx="1">
-              <a:schemeClr val="accent1"/>
-            </a:fillRef>
-            <a:effectRef idx="0">
-              <a:schemeClr val="accent1"/>
-            </a:effectRef>
-            <a:fontRef idx="minor">
-              <a:schemeClr val="lt1"/>
-            </a:fontRef>
-          </p:style>
-        </p:sp>
-        <p:sp>
-          <p:nvSpPr>
-            <p:cNvPr id="262" name="Rectangle 261">
-              <a:extLst>
-                <a:ext uri="{FF2B5EF4-FFF2-40B4-BE49-F238E27FC236}">
-                  <a16:creationId xmlns:a16="http://schemas.microsoft.com/office/drawing/2014/main" id="{82A66E12-53B9-47C5-AA58-6A50081950D0}"/>
-                </a:ext>
-                <a:ext uri="{C183D7F6-B498-43B3-948B-1728B52AA6E4}">
-                  <adec:decorative xmlns:adec="http://schemas.microsoft.com/office/drawing/2017/decorative" val="1"/>
-                </a:ext>
-              </a:extLst>
-            </p:cNvPr>
-            <p:cNvSpPr/>
-            <p:nvPr>
-              <p:extLst>
-                <p:ext uri="{386F3935-93C4-4BCD-93E2-E3B085C9AB24}">
-                  <p16:designElem xmlns:p16="http://schemas.microsoft.com/office/powerpoint/2015/main" val="1"/>
-                </p:ext>
-              </p:extLst>
-            </p:nvPr>
-          </p:nvSpPr>
-          <p:spPr>
-            <a:xfrm>
-              <a:off x="1669293" y="1991156"/>
-              <a:ext cx="8845667" cy="3322196"/>
-            </a:xfrm>
-            <a:prstGeom prst="rect">
-              <a:avLst/>
-            </a:prstGeom>
-            <a:solidFill>
-              <a:schemeClr val="accent1"/>
-            </a:solidFill>
-            <a:ln>
-              <a:noFill/>
-            </a:ln>
-          </p:spPr>
-          <p:style>
-            <a:lnRef idx="2">
-              <a:schemeClr val="accent1">
-                <a:shade val="50000"/>
-              </a:schemeClr>
-            </a:lnRef>
-            <a:fillRef idx="1">
-              <a:schemeClr val="accent1"/>
-            </a:fillRef>
-            <a:effectRef idx="0">
-              <a:schemeClr val="accent1"/>
-            </a:effectRef>
-            <a:fontRef idx="minor">
-              <a:schemeClr val="lt1"/>
-            </a:fontRef>
-          </p:style>
-        </p:sp>
-      </p:grpSp>
-      <p:sp useBgFill="1">
-        <p:nvSpPr>
-          <p:cNvPr id="264" name="Rectangle 263">
-            <a:extLst>
-              <a:ext uri="{FF2B5EF4-FFF2-40B4-BE49-F238E27FC236}">
-                <a16:creationId xmlns:a16="http://schemas.microsoft.com/office/drawing/2014/main" id="{5A17D615-1394-4658-9590-9022F62D68B2}"/>
+                <a16:creationId xmlns:a16="http://schemas.microsoft.com/office/drawing/2014/main" id="{FE43D436-9D76-4479-B202-282AA3363E28}"/>
               </a:ext>
               <a:ext uri="{C183D7F6-B498-43B3-948B-1728B52AA6E4}">
                 <adec:decorative xmlns:adec="http://schemas.microsoft.com/office/drawing/2017/decorative" val="1"/>
@@ -30992,10 +32263,10 @@
       </p:sp>
       <p:grpSp>
         <p:nvGrpSpPr>
-          <p:cNvPr id="266" name="Group 265">
+          <p:cNvPr id="12" name="Group 11">
             <a:extLst>
               <a:ext uri="{FF2B5EF4-FFF2-40B4-BE49-F238E27FC236}">
-                <a16:creationId xmlns:a16="http://schemas.microsoft.com/office/drawing/2014/main" id="{7E07FB0A-C89F-4BB9-849D-20E98C22EF1D}"/>
+                <a16:creationId xmlns:a16="http://schemas.microsoft.com/office/drawing/2014/main" id="{5ED5FDDF-28FB-4871-BAF5-BC352B7065AC}"/>
               </a:ext>
               <a:ext uri="{C183D7F6-B498-43B3-948B-1728B52AA6E4}">
                 <adec:decorative xmlns:adec="http://schemas.microsoft.com/office/drawing/2017/decorative" val="1"/>
@@ -31014,19 +32285,19 @@
           </p:nvPr>
         </p:nvGrpSpPr>
         <p:grpSpPr>
-          <a:xfrm>
-            <a:off x="-329674" y="-59376"/>
-            <a:ext cx="12515851" cy="6923798"/>
-            <a:chOff x="-329674" y="-51881"/>
-            <a:chExt cx="12515851" cy="6923798"/>
+          <a:xfrm flipH="1" flipV="1">
+            <a:off x="0" y="0"/>
+            <a:ext cx="12584114" cy="6853238"/>
+            <a:chOff x="-417513" y="0"/>
+            <a:chExt cx="12584114" cy="6853238"/>
           </a:xfrm>
         </p:grpSpPr>
         <p:sp>
           <p:nvSpPr>
-            <p:cNvPr id="267" name="Freeform 5">
+            <p:cNvPr id="13" name="Freeform 5">
               <a:extLst>
                 <a:ext uri="{FF2B5EF4-FFF2-40B4-BE49-F238E27FC236}">
-                  <a16:creationId xmlns:a16="http://schemas.microsoft.com/office/drawing/2014/main" id="{AC964818-8B3D-4D37-A1A9-2543356EF920}"/>
+                  <a16:creationId xmlns:a16="http://schemas.microsoft.com/office/drawing/2014/main" id="{5B7D8589-9CA0-4BA7-B315-7BA600BCB77C}"/>
                 </a:ext>
                 <a:ext uri="{C183D7F6-B498-43B3-948B-1728B52AA6E4}">
                   <adec:decorative xmlns:adec="http://schemas.microsoft.com/office/drawing/2017/decorative" val="1"/>
@@ -31046,22 +32317,16 @@
           </p:nvSpPr>
           <p:spPr bwMode="auto">
             <a:xfrm>
-              <a:off x="-329674" y="1298404"/>
-              <a:ext cx="9702800" cy="5573512"/>
+              <a:off x="1306513" y="0"/>
+              <a:ext cx="3862388" cy="6843713"/>
             </a:xfrm>
             <a:custGeom>
               <a:avLst/>
               <a:gdLst>
-                <a:gd name="T0" fmla="*/ 1752 w 2038"/>
-                <a:gd name="T1" fmla="*/ 1169 h 1169"/>
-                <a:gd name="T2" fmla="*/ 1487 w 2038"/>
-                <a:gd name="T3" fmla="*/ 334 h 1169"/>
-                <a:gd name="T4" fmla="*/ 860 w 2038"/>
-                <a:gd name="T5" fmla="*/ 22 h 1169"/>
-                <a:gd name="T6" fmla="*/ 199 w 2038"/>
-                <a:gd name="T7" fmla="*/ 318 h 1169"/>
-                <a:gd name="T8" fmla="*/ 399 w 2038"/>
-                <a:gd name="T9" fmla="*/ 1165 h 1169"/>
+                <a:gd name="T0" fmla="*/ 813 w 813"/>
+                <a:gd name="T1" fmla="*/ 0 h 1440"/>
+                <a:gd name="T2" fmla="*/ 435 w 813"/>
+                <a:gd name="T3" fmla="*/ 1440 h 1440"/>
               </a:gdLst>
               <a:ahLst/>
               <a:cxnLst>
@@ -31071,41 +32336,17 @@
                 <a:cxn ang="0">
                   <a:pos x="T2" y="T3"/>
                 </a:cxn>
-                <a:cxn ang="0">
-                  <a:pos x="T4" y="T5"/>
-                </a:cxn>
-                <a:cxn ang="0">
-                  <a:pos x="T6" y="T7"/>
-                </a:cxn>
-                <a:cxn ang="0">
-                  <a:pos x="T8" y="T9"/>
-                </a:cxn>
               </a:cxnLst>
               <a:rect l="0" t="0" r="r" b="b"/>
               <a:pathLst>
-                <a:path w="2038" h="1169">
+                <a:path w="813" h="1440">
                   <a:moveTo>
-                    <a:pt x="1752" y="1169"/>
+                    <a:pt x="813" y="0"/>
                   </a:moveTo>
                   <a:cubicBezTo>
-                    <a:pt x="2038" y="928"/>
-                    <a:pt x="1673" y="513"/>
-                    <a:pt x="1487" y="334"/>
-                  </a:cubicBezTo>
-                  <a:cubicBezTo>
-                    <a:pt x="1316" y="170"/>
-                    <a:pt x="1099" y="43"/>
-                    <a:pt x="860" y="22"/>
-                  </a:cubicBezTo>
-                  <a:cubicBezTo>
-                    <a:pt x="621" y="0"/>
-                    <a:pt x="341" y="128"/>
-                    <a:pt x="199" y="318"/>
-                  </a:cubicBezTo>
-                  <a:cubicBezTo>
-                    <a:pt x="0" y="586"/>
-                    <a:pt x="184" y="965"/>
-                    <a:pt x="399" y="1165"/>
+                    <a:pt x="331" y="221"/>
+                    <a:pt x="0" y="1039"/>
+                    <a:pt x="435" y="1440"/>
                   </a:cubicBezTo>
                 </a:path>
               </a:pathLst>
@@ -31114,7 +32355,7 @@
             <a:ln w="9525" cap="flat">
               <a:solidFill>
                 <a:schemeClr val="tx1">
-                  <a:alpha val="20000"/>
+                  <a:alpha val="15000"/>
                 </a:schemeClr>
               </a:solidFill>
               <a:prstDash val="solid"/>
@@ -31146,10 +32387,10 @@
         </p:sp>
         <p:sp>
           <p:nvSpPr>
-            <p:cNvPr id="268" name="Freeform 6">
+            <p:cNvPr id="14" name="Freeform 6">
               <a:extLst>
                 <a:ext uri="{FF2B5EF4-FFF2-40B4-BE49-F238E27FC236}">
-                  <a16:creationId xmlns:a16="http://schemas.microsoft.com/office/drawing/2014/main" id="{6F9D3FEF-024D-4A22-9A50-CE3C657935DF}"/>
+                  <a16:creationId xmlns:a16="http://schemas.microsoft.com/office/drawing/2014/main" id="{D0C97FEA-5238-47DE-9956-42F382C26FF9}"/>
                 </a:ext>
                 <a:ext uri="{C183D7F6-B498-43B3-948B-1728B52AA6E4}">
                   <adec:decorative xmlns:adec="http://schemas.microsoft.com/office/drawing/2017/decorative" val="1"/>
@@ -31169,22 +32410,16 @@
           </p:nvSpPr>
           <p:spPr bwMode="auto">
             <a:xfrm>
-              <a:off x="670451" y="2018236"/>
-              <a:ext cx="7373938" cy="4848892"/>
+              <a:off x="10626725" y="9525"/>
+              <a:ext cx="1539875" cy="555625"/>
             </a:xfrm>
             <a:custGeom>
               <a:avLst/>
               <a:gdLst>
-                <a:gd name="T0" fmla="*/ 1025 w 1549"/>
-                <a:gd name="T1" fmla="*/ 1016 h 1017"/>
-                <a:gd name="T2" fmla="*/ 1443 w 1549"/>
-                <a:gd name="T3" fmla="*/ 592 h 1017"/>
-                <a:gd name="T4" fmla="*/ 782 w 1549"/>
-                <a:gd name="T5" fmla="*/ 53 h 1017"/>
-                <a:gd name="T6" fmla="*/ 150 w 1549"/>
-                <a:gd name="T7" fmla="*/ 329 h 1017"/>
-                <a:gd name="T8" fmla="*/ 477 w 1549"/>
-                <a:gd name="T9" fmla="*/ 1017 h 1017"/>
+                <a:gd name="T0" fmla="*/ 324 w 324"/>
+                <a:gd name="T1" fmla="*/ 117 h 117"/>
+                <a:gd name="T2" fmla="*/ 0 w 324"/>
+                <a:gd name="T3" fmla="*/ 0 h 117"/>
               </a:gdLst>
               <a:ahLst/>
               <a:cxnLst>
@@ -31194,41 +32429,17 @@
                 <a:cxn ang="0">
                   <a:pos x="T2" y="T3"/>
                 </a:cxn>
-                <a:cxn ang="0">
-                  <a:pos x="T4" y="T5"/>
-                </a:cxn>
-                <a:cxn ang="0">
-                  <a:pos x="T6" y="T7"/>
-                </a:cxn>
-                <a:cxn ang="0">
-                  <a:pos x="T8" y="T9"/>
-                </a:cxn>
               </a:cxnLst>
               <a:rect l="0" t="0" r="r" b="b"/>
               <a:pathLst>
-                <a:path w="1549" h="1017">
+                <a:path w="324" h="117">
                   <a:moveTo>
-                    <a:pt x="1025" y="1016"/>
+                    <a:pt x="324" y="117"/>
                   </a:moveTo>
                   <a:cubicBezTo>
-                    <a:pt x="1223" y="971"/>
-                    <a:pt x="1549" y="857"/>
-                    <a:pt x="1443" y="592"/>
-                  </a:cubicBezTo>
-                  <a:cubicBezTo>
-                    <a:pt x="1344" y="344"/>
-                    <a:pt x="1041" y="111"/>
-                    <a:pt x="782" y="53"/>
-                  </a:cubicBezTo>
-                  <a:cubicBezTo>
-                    <a:pt x="545" y="0"/>
-                    <a:pt x="275" y="117"/>
-                    <a:pt x="150" y="329"/>
-                  </a:cubicBezTo>
-                  <a:cubicBezTo>
-                    <a:pt x="0" y="584"/>
-                    <a:pt x="243" y="911"/>
-                    <a:pt x="477" y="1017"/>
+                    <a:pt x="223" y="64"/>
+                    <a:pt x="107" y="28"/>
+                    <a:pt x="0" y="0"/>
                   </a:cubicBezTo>
                 </a:path>
               </a:pathLst>
@@ -31237,7 +32448,7 @@
             <a:ln w="9525" cap="flat">
               <a:solidFill>
                 <a:schemeClr val="tx1">
-                  <a:alpha val="20000"/>
+                  <a:alpha val="15000"/>
                 </a:schemeClr>
               </a:solidFill>
               <a:prstDash val="solid"/>
@@ -31269,10 +32480,10 @@
         </p:sp>
         <p:sp>
           <p:nvSpPr>
-            <p:cNvPr id="269" name="Freeform 7">
+            <p:cNvPr id="15" name="Freeform 7">
               <a:extLst>
                 <a:ext uri="{FF2B5EF4-FFF2-40B4-BE49-F238E27FC236}">
-                  <a16:creationId xmlns:a16="http://schemas.microsoft.com/office/drawing/2014/main" id="{88E0512B-187F-4D7C-8071-E0D2290C568B}"/>
+                  <a16:creationId xmlns:a16="http://schemas.microsoft.com/office/drawing/2014/main" id="{8C4A9B43-E0C5-483B-B15C-4022ECA49CF4}"/>
                 </a:ext>
                 <a:ext uri="{C183D7F6-B498-43B3-948B-1728B52AA6E4}">
                   <adec:decorative xmlns:adec="http://schemas.microsoft.com/office/drawing/2017/decorative" val="1"/>
@@ -31292,24 +32503,16 @@
           </p:nvSpPr>
           <p:spPr bwMode="auto">
             <a:xfrm>
-              <a:off x="251351" y="1788400"/>
-              <a:ext cx="8035925" cy="5083516"/>
+              <a:off x="10247313" y="5013325"/>
+              <a:ext cx="1919288" cy="1830388"/>
             </a:xfrm>
             <a:custGeom>
               <a:avLst/>
               <a:gdLst>
-                <a:gd name="T0" fmla="*/ 1302 w 1688"/>
-                <a:gd name="T1" fmla="*/ 1066 h 1066"/>
-                <a:gd name="T2" fmla="*/ 1613 w 1688"/>
-                <a:gd name="T3" fmla="*/ 850 h 1066"/>
-                <a:gd name="T4" fmla="*/ 1517 w 1688"/>
-                <a:gd name="T5" fmla="*/ 471 h 1066"/>
-                <a:gd name="T6" fmla="*/ 798 w 1688"/>
-                <a:gd name="T7" fmla="*/ 28 h 1066"/>
-                <a:gd name="T8" fmla="*/ 181 w 1688"/>
-                <a:gd name="T9" fmla="*/ 333 h 1066"/>
-                <a:gd name="T10" fmla="*/ 420 w 1688"/>
-                <a:gd name="T11" fmla="*/ 1066 h 1066"/>
+                <a:gd name="T0" fmla="*/ 0 w 404"/>
+                <a:gd name="T1" fmla="*/ 385 h 385"/>
+                <a:gd name="T2" fmla="*/ 404 w 404"/>
+                <a:gd name="T3" fmla="*/ 0 h 385"/>
               </a:gdLst>
               <a:ahLst/>
               <a:cxnLst>
@@ -31319,49 +32522,17 @@
                 <a:cxn ang="0">
                   <a:pos x="T2" y="T3"/>
                 </a:cxn>
-                <a:cxn ang="0">
-                  <a:pos x="T4" y="T5"/>
-                </a:cxn>
-                <a:cxn ang="0">
-                  <a:pos x="T6" y="T7"/>
-                </a:cxn>
-                <a:cxn ang="0">
-                  <a:pos x="T8" y="T9"/>
-                </a:cxn>
-                <a:cxn ang="0">
-                  <a:pos x="T10" y="T11"/>
-                </a:cxn>
               </a:cxnLst>
               <a:rect l="0" t="0" r="r" b="b"/>
               <a:pathLst>
-                <a:path w="1688" h="1066">
+                <a:path w="404" h="385">
                   <a:moveTo>
-                    <a:pt x="1302" y="1066"/>
+                    <a:pt x="0" y="385"/>
                   </a:moveTo>
                   <a:cubicBezTo>
-                    <a:pt x="1416" y="1024"/>
-                    <a:pt x="1551" y="962"/>
-                    <a:pt x="1613" y="850"/>
-                  </a:cubicBezTo>
-                  <a:cubicBezTo>
-                    <a:pt x="1688" y="715"/>
-                    <a:pt x="1606" y="575"/>
-                    <a:pt x="1517" y="471"/>
-                  </a:cubicBezTo>
-                  <a:cubicBezTo>
-                    <a:pt x="1336" y="258"/>
-                    <a:pt x="1084" y="62"/>
-                    <a:pt x="798" y="28"/>
-                  </a:cubicBezTo>
-                  <a:cubicBezTo>
-                    <a:pt x="559" y="0"/>
-                    <a:pt x="317" y="138"/>
-                    <a:pt x="181" y="333"/>
-                  </a:cubicBezTo>
-                  <a:cubicBezTo>
-                    <a:pt x="0" y="592"/>
-                    <a:pt x="191" y="907"/>
-                    <a:pt x="420" y="1066"/>
+                    <a:pt x="146" y="272"/>
+                    <a:pt x="285" y="142"/>
+                    <a:pt x="404" y="0"/>
                   </a:cubicBezTo>
                 </a:path>
               </a:pathLst>
@@ -31370,10 +32541,10 @@
             <a:ln w="9525" cap="flat">
               <a:solidFill>
                 <a:schemeClr val="tx1">
-                  <a:alpha val="20000"/>
+                  <a:alpha val="15000"/>
                 </a:schemeClr>
               </a:solidFill>
-              <a:prstDash val="dash"/>
+              <a:prstDash val="solid"/>
               <a:miter lim="800000"/>
               <a:headEnd/>
               <a:tailEnd/>
@@ -31402,10 +32573,10 @@
         </p:sp>
         <p:sp>
           <p:nvSpPr>
-            <p:cNvPr id="270" name="Freeform 8">
+            <p:cNvPr id="16" name="Freeform 8">
               <a:extLst>
                 <a:ext uri="{FF2B5EF4-FFF2-40B4-BE49-F238E27FC236}">
-                  <a16:creationId xmlns:a16="http://schemas.microsoft.com/office/drawing/2014/main" id="{F0AFB43C-A5DA-419B-8152-263CCCDC5720}"/>
+                  <a16:creationId xmlns:a16="http://schemas.microsoft.com/office/drawing/2014/main" id="{95BF8B62-C636-43AF-894B-0457A9F268A9}"/>
                 </a:ext>
                 <a:ext uri="{C183D7F6-B498-43B3-948B-1728B52AA6E4}">
                   <adec:decorative xmlns:adec="http://schemas.microsoft.com/office/drawing/2017/decorative" val="1"/>
@@ -31425,20 +32596,16 @@
           </p:nvSpPr>
           <p:spPr bwMode="auto">
             <a:xfrm>
-              <a:off x="-1061" y="549842"/>
-              <a:ext cx="10334625" cy="6322075"/>
+              <a:off x="1120775" y="0"/>
+              <a:ext cx="3676650" cy="6843713"/>
             </a:xfrm>
             <a:custGeom>
               <a:avLst/>
               <a:gdLst>
-                <a:gd name="T0" fmla="*/ 1873 w 2171"/>
-                <a:gd name="T1" fmla="*/ 1326 h 1326"/>
-                <a:gd name="T2" fmla="*/ 1609 w 2171"/>
-                <a:gd name="T3" fmla="*/ 473 h 1326"/>
-                <a:gd name="T4" fmla="*/ 880 w 2171"/>
-                <a:gd name="T5" fmla="*/ 63 h 1326"/>
-                <a:gd name="T6" fmla="*/ 0 w 2171"/>
-                <a:gd name="T7" fmla="*/ 423 h 1326"/>
+                <a:gd name="T0" fmla="*/ 774 w 774"/>
+                <a:gd name="T1" fmla="*/ 0 h 1440"/>
+                <a:gd name="T2" fmla="*/ 411 w 774"/>
+                <a:gd name="T3" fmla="*/ 1440 h 1440"/>
               </a:gdLst>
               <a:ahLst/>
               <a:cxnLst>
@@ -31448,33 +32615,17 @@
                 <a:cxn ang="0">
                   <a:pos x="T2" y="T3"/>
                 </a:cxn>
-                <a:cxn ang="0">
-                  <a:pos x="T4" y="T5"/>
-                </a:cxn>
-                <a:cxn ang="0">
-                  <a:pos x="T6" y="T7"/>
-                </a:cxn>
               </a:cxnLst>
               <a:rect l="0" t="0" r="r" b="b"/>
               <a:pathLst>
-                <a:path w="2171" h="1326">
+                <a:path w="774" h="1440">
                   <a:moveTo>
-                    <a:pt x="1873" y="1326"/>
+                    <a:pt x="774" y="0"/>
                   </a:moveTo>
                   <a:cubicBezTo>
-                    <a:pt x="2171" y="1045"/>
-                    <a:pt x="1825" y="678"/>
-                    <a:pt x="1609" y="473"/>
-                  </a:cubicBezTo>
-                  <a:cubicBezTo>
-                    <a:pt x="1406" y="281"/>
-                    <a:pt x="1159" y="116"/>
-                    <a:pt x="880" y="63"/>
-                  </a:cubicBezTo>
-                  <a:cubicBezTo>
-                    <a:pt x="545" y="0"/>
-                    <a:pt x="214" y="161"/>
-                    <a:pt x="0" y="423"/>
+                    <a:pt x="312" y="240"/>
+                    <a:pt x="0" y="1034"/>
+                    <a:pt x="411" y="1440"/>
                   </a:cubicBezTo>
                 </a:path>
               </a:pathLst>
@@ -31483,10 +32634,10 @@
             <a:ln w="9525" cap="flat">
               <a:solidFill>
                 <a:schemeClr val="tx1">
-                  <a:alpha val="20000"/>
+                  <a:alpha val="15000"/>
                 </a:schemeClr>
               </a:solidFill>
-              <a:prstDash val="solid"/>
+              <a:prstDash val="dash"/>
               <a:miter lim="800000"/>
               <a:headEnd/>
               <a:tailEnd/>
@@ -31515,10 +32666,10 @@
         </p:sp>
         <p:sp>
           <p:nvSpPr>
-            <p:cNvPr id="271" name="Freeform 9">
+            <p:cNvPr id="17" name="Freeform 9">
               <a:extLst>
                 <a:ext uri="{FF2B5EF4-FFF2-40B4-BE49-F238E27FC236}">
-                  <a16:creationId xmlns:a16="http://schemas.microsoft.com/office/drawing/2014/main" id="{373752EA-8BC2-437C-AF76-73C86464C77A}"/>
+                  <a16:creationId xmlns:a16="http://schemas.microsoft.com/office/drawing/2014/main" id="{669F993C-7340-4413-87F8-A28166860700}"/>
                 </a:ext>
                 <a:ext uri="{C183D7F6-B498-43B3-948B-1728B52AA6E4}">
                   <adec:decorative xmlns:adec="http://schemas.microsoft.com/office/drawing/2017/decorative" val="1"/>
@@ -31538,16 +32689,16 @@
           </p:nvSpPr>
           <p:spPr bwMode="auto">
             <a:xfrm>
-              <a:off x="3701" y="6186246"/>
-              <a:ext cx="504825" cy="681527"/>
+              <a:off x="11202988" y="9525"/>
+              <a:ext cx="963613" cy="366713"/>
             </a:xfrm>
             <a:custGeom>
               <a:avLst/>
               <a:gdLst>
-                <a:gd name="T0" fmla="*/ 0 w 106"/>
-                <a:gd name="T1" fmla="*/ 0 h 143"/>
-                <a:gd name="T2" fmla="*/ 106 w 106"/>
-                <a:gd name="T3" fmla="*/ 143 h 143"/>
+                <a:gd name="T0" fmla="*/ 203 w 203"/>
+                <a:gd name="T1" fmla="*/ 77 h 77"/>
+                <a:gd name="T2" fmla="*/ 0 w 203"/>
+                <a:gd name="T3" fmla="*/ 0 h 77"/>
               </a:gdLst>
               <a:ahLst/>
               <a:cxnLst>
@@ -31560,26 +32711,26 @@
               </a:cxnLst>
               <a:rect l="0" t="0" r="r" b="b"/>
               <a:pathLst>
-                <a:path w="106" h="143">
+                <a:path w="203" h="77">
                   <a:moveTo>
+                    <a:pt x="203" y="77"/>
+                  </a:moveTo>
+                  <a:cubicBezTo>
+                    <a:pt x="138" y="46"/>
+                    <a:pt x="68" y="21"/>
                     <a:pt x="0" y="0"/>
-                  </a:moveTo>
-                  <a:cubicBezTo>
-                    <a:pt x="35" y="54"/>
-                    <a:pt x="70" y="101"/>
-                    <a:pt x="106" y="143"/>
                   </a:cubicBezTo>
                 </a:path>
               </a:pathLst>
             </a:custGeom>
             <a:noFill/>
-            <a:ln w="4763" cap="flat">
+            <a:ln w="9525" cap="flat">
               <a:solidFill>
                 <a:schemeClr val="tx1">
-                  <a:alpha val="20000"/>
+                  <a:alpha val="15000"/>
                 </a:schemeClr>
               </a:solidFill>
-              <a:prstDash val="solid"/>
+              <a:prstDash val="dash"/>
               <a:miter lim="800000"/>
               <a:headEnd/>
               <a:tailEnd/>
@@ -31608,10 +32759,10 @@
         </p:sp>
         <p:sp>
           <p:nvSpPr>
-            <p:cNvPr id="272" name="Freeform 10">
+            <p:cNvPr id="18" name="Freeform 10">
               <a:extLst>
                 <a:ext uri="{FF2B5EF4-FFF2-40B4-BE49-F238E27FC236}">
-                  <a16:creationId xmlns:a16="http://schemas.microsoft.com/office/drawing/2014/main" id="{801100C7-EE1E-4A5E-BB5E-92649BB4EA60}"/>
+                  <a16:creationId xmlns:a16="http://schemas.microsoft.com/office/drawing/2014/main" id="{6EB881D7-3E2B-4490-BB0A-16E777AD99D0}"/>
                 </a:ext>
                 <a:ext uri="{C183D7F6-B498-43B3-948B-1728B52AA6E4}">
                   <adec:decorative xmlns:adec="http://schemas.microsoft.com/office/drawing/2017/decorative" val="1"/>
@@ -31631,20 +32782,16 @@
           </p:nvSpPr>
           <p:spPr bwMode="auto">
             <a:xfrm>
-              <a:off x="-1061" y="-51881"/>
-              <a:ext cx="11091863" cy="6923796"/>
+              <a:off x="10494963" y="5275263"/>
+              <a:ext cx="1666875" cy="1577975"/>
             </a:xfrm>
             <a:custGeom>
               <a:avLst/>
               <a:gdLst>
-                <a:gd name="T0" fmla="*/ 2046 w 2330"/>
-                <a:gd name="T1" fmla="*/ 1452 h 1452"/>
-                <a:gd name="T2" fmla="*/ 1813 w 2330"/>
-                <a:gd name="T3" fmla="*/ 601 h 1452"/>
-                <a:gd name="T4" fmla="*/ 956 w 2330"/>
-                <a:gd name="T5" fmla="*/ 97 h 1452"/>
-                <a:gd name="T6" fmla="*/ 0 w 2330"/>
-                <a:gd name="T7" fmla="*/ 366 h 1452"/>
+                <a:gd name="T0" fmla="*/ 0 w 351"/>
+                <a:gd name="T1" fmla="*/ 332 h 332"/>
+                <a:gd name="T2" fmla="*/ 351 w 351"/>
+                <a:gd name="T3" fmla="*/ 0 h 332"/>
               </a:gdLst>
               <a:ahLst/>
               <a:cxnLst>
@@ -31654,33 +32801,17 @@
                 <a:cxn ang="0">
                   <a:pos x="T2" y="T3"/>
                 </a:cxn>
-                <a:cxn ang="0">
-                  <a:pos x="T4" y="T5"/>
-                </a:cxn>
-                <a:cxn ang="0">
-                  <a:pos x="T6" y="T7"/>
-                </a:cxn>
               </a:cxnLst>
               <a:rect l="0" t="0" r="r" b="b"/>
               <a:pathLst>
-                <a:path w="2330" h="1452">
+                <a:path w="351" h="332">
                   <a:moveTo>
-                    <a:pt x="2046" y="1452"/>
+                    <a:pt x="0" y="332"/>
                   </a:moveTo>
                   <a:cubicBezTo>
-                    <a:pt x="2330" y="1153"/>
-                    <a:pt x="2049" y="821"/>
-                    <a:pt x="1813" y="601"/>
-                  </a:cubicBezTo>
-                  <a:cubicBezTo>
-                    <a:pt x="1569" y="375"/>
-                    <a:pt x="1282" y="179"/>
-                    <a:pt x="956" y="97"/>
-                  </a:cubicBezTo>
-                  <a:cubicBezTo>
-                    <a:pt x="572" y="0"/>
-                    <a:pt x="292" y="101"/>
-                    <a:pt x="0" y="366"/>
+                    <a:pt x="125" y="232"/>
+                    <a:pt x="245" y="121"/>
+                    <a:pt x="351" y="0"/>
                   </a:cubicBezTo>
                 </a:path>
               </a:pathLst>
@@ -31689,10 +32820,10 @@
             <a:ln w="9525" cap="flat">
               <a:solidFill>
                 <a:schemeClr val="tx1">
-                  <a:alpha val="20000"/>
+                  <a:alpha val="15000"/>
                 </a:schemeClr>
               </a:solidFill>
-              <a:prstDash val="solid"/>
+              <a:prstDash val="dash"/>
               <a:miter lim="800000"/>
               <a:headEnd/>
               <a:tailEnd/>
@@ -31721,10 +32852,10 @@
         </p:sp>
         <p:sp>
           <p:nvSpPr>
-            <p:cNvPr id="273" name="Freeform 11">
+            <p:cNvPr id="19" name="Freeform 11">
               <a:extLst>
                 <a:ext uri="{FF2B5EF4-FFF2-40B4-BE49-F238E27FC236}">
-                  <a16:creationId xmlns:a16="http://schemas.microsoft.com/office/drawing/2014/main" id="{FCEDF26C-D7C3-4D65-9947-BDF154BAB139}"/>
+                  <a16:creationId xmlns:a16="http://schemas.microsoft.com/office/drawing/2014/main" id="{52CE5935-55CA-4EB9-9A3D-100B75145F65}"/>
                 </a:ext>
                 <a:ext uri="{C183D7F6-B498-43B3-948B-1728B52AA6E4}">
                   <adec:decorative xmlns:adec="http://schemas.microsoft.com/office/drawing/2017/decorative" val="1"/>
@@ -31744,18 +32875,16 @@
           </p:nvSpPr>
           <p:spPr bwMode="auto">
             <a:xfrm>
-              <a:off x="5426601" y="5579"/>
-              <a:ext cx="5788025" cy="6847184"/>
+              <a:off x="1001713" y="0"/>
+              <a:ext cx="3621088" cy="6843713"/>
             </a:xfrm>
             <a:custGeom>
               <a:avLst/>
               <a:gdLst>
-                <a:gd name="T0" fmla="*/ 1094 w 1216"/>
-                <a:gd name="T1" fmla="*/ 1436 h 1436"/>
-                <a:gd name="T2" fmla="*/ 709 w 1216"/>
-                <a:gd name="T3" fmla="*/ 551 h 1436"/>
-                <a:gd name="T4" fmla="*/ 0 w 1216"/>
-                <a:gd name="T5" fmla="*/ 0 h 1436"/>
+                <a:gd name="T0" fmla="*/ 762 w 762"/>
+                <a:gd name="T1" fmla="*/ 0 h 1440"/>
+                <a:gd name="T2" fmla="*/ 403 w 762"/>
+                <a:gd name="T3" fmla="*/ 1440 h 1440"/>
               </a:gdLst>
               <a:ahLst/>
               <a:cxnLst>
@@ -31765,25 +32894,17 @@
                 <a:cxn ang="0">
                   <a:pos x="T2" y="T3"/>
                 </a:cxn>
-                <a:cxn ang="0">
-                  <a:pos x="T4" y="T5"/>
-                </a:cxn>
               </a:cxnLst>
               <a:rect l="0" t="0" r="r" b="b"/>
               <a:pathLst>
-                <a:path w="1216" h="1436">
+                <a:path w="762" h="1440">
                   <a:moveTo>
-                    <a:pt x="1094" y="1436"/>
+                    <a:pt x="762" y="0"/>
                   </a:moveTo>
                   <a:cubicBezTo>
-                    <a:pt x="1216" y="1114"/>
-                    <a:pt x="904" y="770"/>
-                    <a:pt x="709" y="551"/>
-                  </a:cubicBezTo>
-                  <a:cubicBezTo>
-                    <a:pt x="509" y="327"/>
-                    <a:pt x="274" y="127"/>
-                    <a:pt x="0" y="0"/>
+                    <a:pt x="308" y="245"/>
+                    <a:pt x="0" y="1033"/>
+                    <a:pt x="403" y="1440"/>
                   </a:cubicBezTo>
                 </a:path>
               </a:pathLst>
@@ -31792,7 +32913,7 @@
             <a:ln w="9525" cap="flat">
               <a:solidFill>
                 <a:schemeClr val="tx1">
-                  <a:alpha val="20000"/>
+                  <a:alpha val="15000"/>
                 </a:schemeClr>
               </a:solidFill>
               <a:prstDash val="solid"/>
@@ -31824,10 +32945,10 @@
         </p:sp>
         <p:sp>
           <p:nvSpPr>
-            <p:cNvPr id="274" name="Freeform 12">
+            <p:cNvPr id="20" name="Freeform 12">
               <a:extLst>
                 <a:ext uri="{FF2B5EF4-FFF2-40B4-BE49-F238E27FC236}">
-                  <a16:creationId xmlns:a16="http://schemas.microsoft.com/office/drawing/2014/main" id="{C35AF583-0EF0-4F98-8538-CE685E0708E2}"/>
+                  <a16:creationId xmlns:a16="http://schemas.microsoft.com/office/drawing/2014/main" id="{CC6D6F8B-79F9-4F06-8A2D-7BABF0529BDC}"/>
                 </a:ext>
                 <a:ext uri="{C183D7F6-B498-43B3-948B-1728B52AA6E4}">
                   <adec:decorative xmlns:adec="http://schemas.microsoft.com/office/drawing/2017/decorative" val="1"/>
@@ -31847,16 +32968,16 @@
           </p:nvSpPr>
           <p:spPr bwMode="auto">
             <a:xfrm>
-              <a:off x="-1061" y="5579"/>
-              <a:ext cx="1057275" cy="614491"/>
+              <a:off x="11501438" y="9525"/>
+              <a:ext cx="665163" cy="257175"/>
             </a:xfrm>
             <a:custGeom>
               <a:avLst/>
               <a:gdLst>
-                <a:gd name="T0" fmla="*/ 222 w 222"/>
-                <a:gd name="T1" fmla="*/ 0 h 129"/>
-                <a:gd name="T2" fmla="*/ 0 w 222"/>
-                <a:gd name="T3" fmla="*/ 129 h 129"/>
+                <a:gd name="T0" fmla="*/ 140 w 140"/>
+                <a:gd name="T1" fmla="*/ 54 h 54"/>
+                <a:gd name="T2" fmla="*/ 0 w 140"/>
+                <a:gd name="T3" fmla="*/ 0 h 54"/>
               </a:gdLst>
               <a:ahLst/>
               <a:cxnLst>
@@ -31869,14 +32990,14 @@
               </a:cxnLst>
               <a:rect l="0" t="0" r="r" b="b"/>
               <a:pathLst>
-                <a:path w="222" h="129">
+                <a:path w="140" h="54">
                   <a:moveTo>
-                    <a:pt x="222" y="0"/>
+                    <a:pt x="140" y="54"/>
                   </a:moveTo>
                   <a:cubicBezTo>
-                    <a:pt x="152" y="35"/>
-                    <a:pt x="76" y="78"/>
-                    <a:pt x="0" y="129"/>
+                    <a:pt x="95" y="34"/>
+                    <a:pt x="48" y="16"/>
+                    <a:pt x="0" y="0"/>
                   </a:cubicBezTo>
                 </a:path>
               </a:pathLst>
@@ -31885,7 +33006,7 @@
             <a:ln w="9525" cap="flat">
               <a:solidFill>
                 <a:schemeClr val="tx1">
-                  <a:alpha val="20000"/>
+                  <a:alpha val="15000"/>
                 </a:schemeClr>
               </a:solidFill>
               <a:prstDash val="solid"/>
@@ -31917,10 +33038,10 @@
         </p:sp>
         <p:sp>
           <p:nvSpPr>
-            <p:cNvPr id="275" name="Freeform 13">
+            <p:cNvPr id="21" name="Freeform 13">
               <a:extLst>
                 <a:ext uri="{FF2B5EF4-FFF2-40B4-BE49-F238E27FC236}">
-                  <a16:creationId xmlns:a16="http://schemas.microsoft.com/office/drawing/2014/main" id="{368AFD0D-45AC-4653-BE29-4F1172E10E55}"/>
+                  <a16:creationId xmlns:a16="http://schemas.microsoft.com/office/drawing/2014/main" id="{DEF715FE-2D51-4CC6-AD82-306DA627C3B1}"/>
                 </a:ext>
                 <a:ext uri="{C183D7F6-B498-43B3-948B-1728B52AA6E4}">
                   <adec:decorative xmlns:adec="http://schemas.microsoft.com/office/drawing/2017/decorative" val="1"/>
@@ -31940,18 +33061,16 @@
           </p:nvSpPr>
           <p:spPr bwMode="auto">
             <a:xfrm>
-              <a:off x="5821889" y="5579"/>
-              <a:ext cx="5588000" cy="6866337"/>
+              <a:off x="10641013" y="5408613"/>
+              <a:ext cx="1525588" cy="1435100"/>
             </a:xfrm>
             <a:custGeom>
               <a:avLst/>
               <a:gdLst>
-                <a:gd name="T0" fmla="*/ 1067 w 1174"/>
-                <a:gd name="T1" fmla="*/ 1440 h 1440"/>
-                <a:gd name="T2" fmla="*/ 698 w 1174"/>
-                <a:gd name="T3" fmla="*/ 577 h 1440"/>
-                <a:gd name="T4" fmla="*/ 0 w 1174"/>
-                <a:gd name="T5" fmla="*/ 0 h 1440"/>
+                <a:gd name="T0" fmla="*/ 0 w 321"/>
+                <a:gd name="T1" fmla="*/ 302 h 302"/>
+                <a:gd name="T2" fmla="*/ 321 w 321"/>
+                <a:gd name="T3" fmla="*/ 0 h 302"/>
               </a:gdLst>
               <a:ahLst/>
               <a:cxnLst>
@@ -31961,25 +33080,17 @@
                 <a:cxn ang="0">
                   <a:pos x="T2" y="T3"/>
                 </a:cxn>
-                <a:cxn ang="0">
-                  <a:pos x="T4" y="T5"/>
-                </a:cxn>
               </a:cxnLst>
               <a:rect l="0" t="0" r="r" b="b"/>
               <a:pathLst>
-                <a:path w="1174" h="1440">
+                <a:path w="321" h="302">
                   <a:moveTo>
-                    <a:pt x="1067" y="1440"/>
+                    <a:pt x="0" y="302"/>
                   </a:moveTo>
                   <a:cubicBezTo>
-                    <a:pt x="1174" y="1124"/>
-                    <a:pt x="887" y="797"/>
-                    <a:pt x="698" y="577"/>
-                  </a:cubicBezTo>
-                  <a:cubicBezTo>
-                    <a:pt x="500" y="348"/>
-                    <a:pt x="270" y="141"/>
-                    <a:pt x="0" y="0"/>
+                    <a:pt x="114" y="210"/>
+                    <a:pt x="223" y="109"/>
+                    <a:pt x="321" y="0"/>
                   </a:cubicBezTo>
                 </a:path>
               </a:pathLst>
@@ -31988,10 +33099,10 @@
             <a:ln w="9525" cap="flat">
               <a:solidFill>
                 <a:schemeClr val="tx1">
-                  <a:alpha val="20000"/>
+                  <a:alpha val="15000"/>
                 </a:schemeClr>
               </a:solidFill>
-              <a:prstDash val="dash"/>
+              <a:prstDash val="solid"/>
               <a:miter lim="800000"/>
               <a:headEnd/>
               <a:tailEnd/>
@@ -32020,10 +33131,10 @@
         </p:sp>
         <p:sp>
           <p:nvSpPr>
-            <p:cNvPr id="276" name="Freeform 14">
+            <p:cNvPr id="22" name="Freeform 14">
               <a:extLst>
                 <a:ext uri="{FF2B5EF4-FFF2-40B4-BE49-F238E27FC236}">
-                  <a16:creationId xmlns:a16="http://schemas.microsoft.com/office/drawing/2014/main" id="{6438CC29-BF55-41CD-AAA8-49D78F3BB29A}"/>
+                  <a16:creationId xmlns:a16="http://schemas.microsoft.com/office/drawing/2014/main" id="{60E354CF-EF82-4609-8F48-2EFB01C27966}"/>
                 </a:ext>
                 <a:ext uri="{C183D7F6-B498-43B3-948B-1728B52AA6E4}">
                   <adec:decorative xmlns:adec="http://schemas.microsoft.com/office/drawing/2017/decorative" val="1"/>
@@ -32043,16 +33154,16 @@
           </p:nvSpPr>
           <p:spPr bwMode="auto">
             <a:xfrm>
-              <a:off x="3701" y="790"/>
-              <a:ext cx="595313" cy="352734"/>
+              <a:off x="1001713" y="0"/>
+              <a:ext cx="3244850" cy="6843713"/>
             </a:xfrm>
             <a:custGeom>
               <a:avLst/>
               <a:gdLst>
-                <a:gd name="T0" fmla="*/ 125 w 125"/>
-                <a:gd name="T1" fmla="*/ 0 h 74"/>
-                <a:gd name="T2" fmla="*/ 0 w 125"/>
-                <a:gd name="T3" fmla="*/ 74 h 74"/>
+                <a:gd name="T0" fmla="*/ 683 w 683"/>
+                <a:gd name="T1" fmla="*/ 0 h 1440"/>
+                <a:gd name="T2" fmla="*/ 355 w 683"/>
+                <a:gd name="T3" fmla="*/ 1440 h 1440"/>
               </a:gdLst>
               <a:ahLst/>
               <a:cxnLst>
@@ -32065,14 +33176,14 @@
               </a:cxnLst>
               <a:rect l="0" t="0" r="r" b="b"/>
               <a:pathLst>
-                <a:path w="125" h="74">
+                <a:path w="683" h="1440">
                   <a:moveTo>
-                    <a:pt x="125" y="0"/>
+                    <a:pt x="683" y="0"/>
                   </a:moveTo>
                   <a:cubicBezTo>
-                    <a:pt x="85" y="22"/>
-                    <a:pt x="43" y="47"/>
-                    <a:pt x="0" y="74"/>
+                    <a:pt x="258" y="256"/>
+                    <a:pt x="0" y="1041"/>
+                    <a:pt x="355" y="1440"/>
                   </a:cubicBezTo>
                 </a:path>
               </a:pathLst>
@@ -32081,10 +33192,10 @@
             <a:ln w="9525" cap="flat">
               <a:solidFill>
                 <a:schemeClr val="tx1">
-                  <a:alpha val="20000"/>
+                  <a:alpha val="15000"/>
                 </a:schemeClr>
               </a:solidFill>
-              <a:prstDash val="dash"/>
+              <a:prstDash val="solid"/>
               <a:miter lim="800000"/>
               <a:headEnd/>
               <a:tailEnd/>
@@ -32113,10 +33224,10 @@
         </p:sp>
         <p:sp>
           <p:nvSpPr>
-            <p:cNvPr id="277" name="Freeform 15">
+            <p:cNvPr id="23" name="Freeform 15">
               <a:extLst>
                 <a:ext uri="{FF2B5EF4-FFF2-40B4-BE49-F238E27FC236}">
-                  <a16:creationId xmlns:a16="http://schemas.microsoft.com/office/drawing/2014/main" id="{6A6E0CE8-49F3-4548-8406-3458F2FFB723}"/>
+                  <a16:creationId xmlns:a16="http://schemas.microsoft.com/office/drawing/2014/main" id="{FB9D2ACB-DE65-4053-BB6A-2DD575E12054}"/>
                 </a:ext>
                 <a:ext uri="{C183D7F6-B498-43B3-948B-1728B52AA6E4}">
                   <adec:decorative xmlns:adec="http://schemas.microsoft.com/office/drawing/2017/decorative" val="1"/>
@@ -32136,18 +33247,16 @@
           </p:nvSpPr>
           <p:spPr bwMode="auto">
             <a:xfrm>
-              <a:off x="6012389" y="5579"/>
-              <a:ext cx="5497513" cy="6866337"/>
+              <a:off x="10802938" y="5518150"/>
+              <a:ext cx="1363663" cy="1325563"/>
             </a:xfrm>
             <a:custGeom>
               <a:avLst/>
               <a:gdLst>
-                <a:gd name="T0" fmla="*/ 1056 w 1155"/>
-                <a:gd name="T1" fmla="*/ 1440 h 1440"/>
-                <a:gd name="T2" fmla="*/ 686 w 1155"/>
-                <a:gd name="T3" fmla="*/ 580 h 1440"/>
-                <a:gd name="T4" fmla="*/ 0 w 1155"/>
-                <a:gd name="T5" fmla="*/ 0 h 1440"/>
+                <a:gd name="T0" fmla="*/ 0 w 287"/>
+                <a:gd name="T1" fmla="*/ 279 h 279"/>
+                <a:gd name="T2" fmla="*/ 287 w 287"/>
+                <a:gd name="T3" fmla="*/ 0 h 279"/>
               </a:gdLst>
               <a:ahLst/>
               <a:cxnLst>
@@ -32157,37 +33266,29 @@
                 <a:cxn ang="0">
                   <a:pos x="T2" y="T3"/>
                 </a:cxn>
-                <a:cxn ang="0">
-                  <a:pos x="T4" y="T5"/>
-                </a:cxn>
               </a:cxnLst>
               <a:rect l="0" t="0" r="r" b="b"/>
               <a:pathLst>
-                <a:path w="1155" h="1440">
+                <a:path w="287" h="279">
                   <a:moveTo>
-                    <a:pt x="1056" y="1440"/>
+                    <a:pt x="0" y="279"/>
                   </a:moveTo>
                   <a:cubicBezTo>
-                    <a:pt x="1155" y="1123"/>
-                    <a:pt x="875" y="801"/>
-                    <a:pt x="686" y="580"/>
-                  </a:cubicBezTo>
-                  <a:cubicBezTo>
-                    <a:pt x="491" y="352"/>
-                    <a:pt x="264" y="145"/>
-                    <a:pt x="0" y="0"/>
+                    <a:pt x="101" y="193"/>
+                    <a:pt x="198" y="100"/>
+                    <a:pt x="287" y="0"/>
                   </a:cubicBezTo>
                 </a:path>
               </a:pathLst>
             </a:custGeom>
             <a:noFill/>
-            <a:ln w="12700" cap="flat">
+            <a:ln w="9525" cap="flat">
               <a:solidFill>
                 <a:schemeClr val="tx1">
-                  <a:alpha val="20000"/>
+                  <a:alpha val="15000"/>
                 </a:schemeClr>
               </a:solidFill>
-              <a:prstDash val="dashDot"/>
+              <a:prstDash val="solid"/>
               <a:miter lim="800000"/>
               <a:headEnd/>
               <a:tailEnd/>
@@ -32216,10 +33317,10 @@
         </p:sp>
         <p:sp>
           <p:nvSpPr>
-            <p:cNvPr id="278" name="Freeform 16">
+            <p:cNvPr id="24" name="Freeform 16">
               <a:extLst>
                 <a:ext uri="{FF2B5EF4-FFF2-40B4-BE49-F238E27FC236}">
-                  <a16:creationId xmlns:a16="http://schemas.microsoft.com/office/drawing/2014/main" id="{E4CFC039-EC6B-46A4-83D7-A911821ECA7E}"/>
+                  <a16:creationId xmlns:a16="http://schemas.microsoft.com/office/drawing/2014/main" id="{275F112D-24B3-48F4-B2DB-FAB9E57C7AD3}"/>
                 </a:ext>
                 <a:ext uri="{C183D7F6-B498-43B3-948B-1728B52AA6E4}">
                   <adec:decorative xmlns:adec="http://schemas.microsoft.com/office/drawing/2017/decorative" val="1"/>
@@ -32239,16 +33340,16 @@
           </p:nvSpPr>
           <p:spPr bwMode="auto">
             <a:xfrm>
-              <a:off x="-1061" y="5579"/>
-              <a:ext cx="357188" cy="213875"/>
+              <a:off x="889000" y="0"/>
+              <a:ext cx="3230563" cy="6843713"/>
             </a:xfrm>
             <a:custGeom>
               <a:avLst/>
               <a:gdLst>
-                <a:gd name="T0" fmla="*/ 75 w 75"/>
-                <a:gd name="T1" fmla="*/ 0 h 45"/>
-                <a:gd name="T2" fmla="*/ 0 w 75"/>
-                <a:gd name="T3" fmla="*/ 45 h 45"/>
+                <a:gd name="T0" fmla="*/ 680 w 680"/>
+                <a:gd name="T1" fmla="*/ 0 h 1440"/>
+                <a:gd name="T2" fmla="*/ 337 w 680"/>
+                <a:gd name="T3" fmla="*/ 1440 h 1440"/>
               </a:gdLst>
               <a:ahLst/>
               <a:cxnLst>
@@ -32261,26 +33362,26 @@
               </a:cxnLst>
               <a:rect l="0" t="0" r="r" b="b"/>
               <a:pathLst>
-                <a:path w="75" h="45">
+                <a:path w="680" h="1440">
                   <a:moveTo>
-                    <a:pt x="75" y="0"/>
+                    <a:pt x="680" y="0"/>
                   </a:moveTo>
                   <a:cubicBezTo>
-                    <a:pt x="50" y="14"/>
-                    <a:pt x="25" y="29"/>
-                    <a:pt x="0" y="45"/>
+                    <a:pt x="257" y="265"/>
+                    <a:pt x="0" y="1026"/>
+                    <a:pt x="337" y="1440"/>
                   </a:cubicBezTo>
                 </a:path>
               </a:pathLst>
             </a:custGeom>
             <a:noFill/>
-            <a:ln w="12700" cap="flat">
+            <a:ln w="9525" cap="flat">
               <a:solidFill>
                 <a:schemeClr val="tx1">
-                  <a:alpha val="20000"/>
+                  <a:alpha val="15000"/>
                 </a:schemeClr>
               </a:solidFill>
-              <a:prstDash val="dashDot"/>
+              <a:prstDash val="solid"/>
               <a:miter lim="800000"/>
               <a:headEnd/>
               <a:tailEnd/>
@@ -32309,10 +33410,10 @@
         </p:sp>
         <p:sp>
           <p:nvSpPr>
-            <p:cNvPr id="279" name="Freeform 17">
+            <p:cNvPr id="25" name="Freeform 17">
               <a:extLst>
                 <a:ext uri="{FF2B5EF4-FFF2-40B4-BE49-F238E27FC236}">
-                  <a16:creationId xmlns:a16="http://schemas.microsoft.com/office/drawing/2014/main" id="{DB630E96-6498-40BC-A4C0-C6BEF956B91A}"/>
+                  <a16:creationId xmlns:a16="http://schemas.microsoft.com/office/drawing/2014/main" id="{4224785A-F9F5-4670-880A-D7C6FBAB9AF2}"/>
                 </a:ext>
                 <a:ext uri="{C183D7F6-B498-43B3-948B-1728B52AA6E4}">
                   <adec:decorative xmlns:adec="http://schemas.microsoft.com/office/drawing/2017/decorative" val="1"/>
@@ -32332,18 +33433,16 @@
           </p:nvSpPr>
           <p:spPr bwMode="auto">
             <a:xfrm>
-              <a:off x="6210826" y="790"/>
-              <a:ext cx="5522913" cy="6871126"/>
+              <a:off x="10979150" y="5694363"/>
+              <a:ext cx="1187450" cy="1149350"/>
             </a:xfrm>
             <a:custGeom>
               <a:avLst/>
               <a:gdLst>
-                <a:gd name="T0" fmla="*/ 1053 w 1160"/>
-                <a:gd name="T1" fmla="*/ 1441 h 1441"/>
-                <a:gd name="T2" fmla="*/ 705 w 1160"/>
-                <a:gd name="T3" fmla="*/ 599 h 1441"/>
-                <a:gd name="T4" fmla="*/ 0 w 1160"/>
-                <a:gd name="T5" fmla="*/ 0 h 1441"/>
+                <a:gd name="T0" fmla="*/ 0 w 250"/>
+                <a:gd name="T1" fmla="*/ 242 h 242"/>
+                <a:gd name="T2" fmla="*/ 250 w 250"/>
+                <a:gd name="T3" fmla="*/ 0 h 242"/>
               </a:gdLst>
               <a:ahLst/>
               <a:cxnLst>
@@ -32353,25 +33452,17 @@
                 <a:cxn ang="0">
                   <a:pos x="T2" y="T3"/>
                 </a:cxn>
-                <a:cxn ang="0">
-                  <a:pos x="T4" y="T5"/>
-                </a:cxn>
               </a:cxnLst>
               <a:rect l="0" t="0" r="r" b="b"/>
               <a:pathLst>
-                <a:path w="1160" h="1441">
+                <a:path w="250" h="242">
                   <a:moveTo>
-                    <a:pt x="1053" y="1441"/>
+                    <a:pt x="0" y="242"/>
                   </a:moveTo>
                   <a:cubicBezTo>
-                    <a:pt x="1160" y="1129"/>
-                    <a:pt x="892" y="817"/>
-                    <a:pt x="705" y="599"/>
-                  </a:cubicBezTo>
-                  <a:cubicBezTo>
-                    <a:pt x="503" y="365"/>
-                    <a:pt x="270" y="152"/>
-                    <a:pt x="0" y="0"/>
+                    <a:pt x="88" y="166"/>
+                    <a:pt x="172" y="85"/>
+                    <a:pt x="250" y="0"/>
                   </a:cubicBezTo>
                 </a:path>
               </a:pathLst>
@@ -32380,7 +33471,7 @@
             <a:ln w="9525" cap="flat">
               <a:solidFill>
                 <a:schemeClr val="tx1">
-                  <a:alpha val="20000"/>
+                  <a:alpha val="15000"/>
                 </a:schemeClr>
               </a:solidFill>
               <a:prstDash val="solid"/>
@@ -32412,10 +33503,10 @@
         </p:sp>
         <p:sp>
           <p:nvSpPr>
-            <p:cNvPr id="280" name="Freeform 18">
+            <p:cNvPr id="26" name="Freeform 18">
               <a:extLst>
                 <a:ext uri="{FF2B5EF4-FFF2-40B4-BE49-F238E27FC236}">
-                  <a16:creationId xmlns:a16="http://schemas.microsoft.com/office/drawing/2014/main" id="{65AE7716-DB70-4BD7-AAC5-0120012FB398}"/>
+                  <a16:creationId xmlns:a16="http://schemas.microsoft.com/office/drawing/2014/main" id="{6767A8E2-1B21-4162-ACFD-4B70C1403266}"/>
                 </a:ext>
                 <a:ext uri="{C183D7F6-B498-43B3-948B-1728B52AA6E4}">
                   <adec:decorative xmlns:adec="http://schemas.microsoft.com/office/drawing/2017/decorative" val="1"/>
@@ -32435,18 +33526,16 @@
           </p:nvSpPr>
           <p:spPr bwMode="auto">
             <a:xfrm>
-              <a:off x="6463239" y="5579"/>
-              <a:ext cx="5413375" cy="6866337"/>
+              <a:off x="484188" y="0"/>
+              <a:ext cx="3421063" cy="6843713"/>
             </a:xfrm>
             <a:custGeom>
               <a:avLst/>
               <a:gdLst>
-                <a:gd name="T0" fmla="*/ 1040 w 1137"/>
-                <a:gd name="T1" fmla="*/ 1440 h 1440"/>
-                <a:gd name="T2" fmla="*/ 698 w 1137"/>
-                <a:gd name="T3" fmla="*/ 611 h 1440"/>
-                <a:gd name="T4" fmla="*/ 0 w 1137"/>
-                <a:gd name="T5" fmla="*/ 0 h 1440"/>
+                <a:gd name="T0" fmla="*/ 720 w 720"/>
+                <a:gd name="T1" fmla="*/ 0 h 1440"/>
+                <a:gd name="T2" fmla="*/ 362 w 720"/>
+                <a:gd name="T3" fmla="*/ 1440 h 1440"/>
               </a:gdLst>
               <a:ahLst/>
               <a:cxnLst>
@@ -32456,25 +33545,17 @@
                 <a:cxn ang="0">
                   <a:pos x="T2" y="T3"/>
                 </a:cxn>
-                <a:cxn ang="0">
-                  <a:pos x="T4" y="T5"/>
-                </a:cxn>
               </a:cxnLst>
               <a:rect l="0" t="0" r="r" b="b"/>
               <a:pathLst>
-                <a:path w="1137" h="1440">
+                <a:path w="720" h="1440">
                   <a:moveTo>
-                    <a:pt x="1040" y="1440"/>
+                    <a:pt x="720" y="0"/>
                   </a:moveTo>
                   <a:cubicBezTo>
-                    <a:pt x="1137" y="1131"/>
-                    <a:pt x="883" y="828"/>
-                    <a:pt x="698" y="611"/>
-                  </a:cubicBezTo>
-                  <a:cubicBezTo>
-                    <a:pt x="498" y="375"/>
-                    <a:pt x="268" y="159"/>
-                    <a:pt x="0" y="0"/>
+                    <a:pt x="316" y="282"/>
+                    <a:pt x="0" y="1018"/>
+                    <a:pt x="362" y="1440"/>
                   </a:cubicBezTo>
                 </a:path>
               </a:pathLst>
@@ -32483,7 +33564,7 @@
             <a:ln w="9525" cap="flat">
               <a:solidFill>
                 <a:schemeClr val="tx1">
-                  <a:alpha val="20000"/>
+                  <a:alpha val="15000"/>
                 </a:schemeClr>
               </a:solidFill>
               <a:prstDash val="solid"/>
@@ -32515,10 +33596,10 @@
         </p:sp>
         <p:sp>
           <p:nvSpPr>
-            <p:cNvPr id="281" name="Freeform 19">
+            <p:cNvPr id="27" name="Freeform 19">
               <a:extLst>
                 <a:ext uri="{FF2B5EF4-FFF2-40B4-BE49-F238E27FC236}">
-                  <a16:creationId xmlns:a16="http://schemas.microsoft.com/office/drawing/2014/main" id="{7E5E7089-D280-4F95-9353-2CDA3F6A93D5}"/>
+                  <a16:creationId xmlns:a16="http://schemas.microsoft.com/office/drawing/2014/main" id="{260829BA-C3E3-4388-B253-321C7F999AEC}"/>
                 </a:ext>
                 <a:ext uri="{C183D7F6-B498-43B3-948B-1728B52AA6E4}">
                   <adec:decorative xmlns:adec="http://schemas.microsoft.com/office/drawing/2017/decorative" val="1"/>
@@ -32538,18 +33619,16 @@
           </p:nvSpPr>
           <p:spPr bwMode="auto">
             <a:xfrm>
-              <a:off x="6877576" y="5579"/>
-              <a:ext cx="5037138" cy="6861550"/>
+              <a:off x="11287125" y="6049963"/>
+              <a:ext cx="879475" cy="793750"/>
             </a:xfrm>
             <a:custGeom>
               <a:avLst/>
               <a:gdLst>
-                <a:gd name="T0" fmla="*/ 1011 w 1058"/>
-                <a:gd name="T1" fmla="*/ 1439 h 1439"/>
-                <a:gd name="T2" fmla="*/ 648 w 1058"/>
-                <a:gd name="T3" fmla="*/ 617 h 1439"/>
-                <a:gd name="T4" fmla="*/ 0 w 1058"/>
-                <a:gd name="T5" fmla="*/ 0 h 1439"/>
+                <a:gd name="T0" fmla="*/ 0 w 185"/>
+                <a:gd name="T1" fmla="*/ 167 h 167"/>
+                <a:gd name="T2" fmla="*/ 185 w 185"/>
+                <a:gd name="T3" fmla="*/ 0 h 167"/>
               </a:gdLst>
               <a:ahLst/>
               <a:cxnLst>
@@ -32559,25 +33638,17 @@
                 <a:cxn ang="0">
                   <a:pos x="T2" y="T3"/>
                 </a:cxn>
-                <a:cxn ang="0">
-                  <a:pos x="T4" y="T5"/>
-                </a:cxn>
               </a:cxnLst>
               <a:rect l="0" t="0" r="r" b="b"/>
               <a:pathLst>
-                <a:path w="1058" h="1439">
+                <a:path w="185" h="167">
                   <a:moveTo>
-                    <a:pt x="1011" y="1439"/>
+                    <a:pt x="0" y="167"/>
                   </a:moveTo>
                   <a:cubicBezTo>
-                    <a:pt x="1058" y="1131"/>
-                    <a:pt x="825" y="841"/>
-                    <a:pt x="648" y="617"/>
-                  </a:cubicBezTo>
-                  <a:cubicBezTo>
-                    <a:pt x="462" y="383"/>
-                    <a:pt x="248" y="168"/>
-                    <a:pt x="0" y="0"/>
+                    <a:pt x="63" y="114"/>
+                    <a:pt x="125" y="58"/>
+                    <a:pt x="185" y="0"/>
                   </a:cubicBezTo>
                 </a:path>
               </a:pathLst>
@@ -32586,7 +33657,7 @@
             <a:ln w="9525" cap="flat">
               <a:solidFill>
                 <a:schemeClr val="tx1">
-                  <a:alpha val="20000"/>
+                  <a:alpha val="15000"/>
                 </a:schemeClr>
               </a:solidFill>
               <a:prstDash val="solid"/>
@@ -32618,10 +33689,10 @@
         </p:sp>
         <p:sp>
           <p:nvSpPr>
-            <p:cNvPr id="282" name="Freeform 20">
+            <p:cNvPr id="28" name="Freeform 20">
               <a:extLst>
                 <a:ext uri="{FF2B5EF4-FFF2-40B4-BE49-F238E27FC236}">
-                  <a16:creationId xmlns:a16="http://schemas.microsoft.com/office/drawing/2014/main" id="{8B292DAD-B743-4C97-9C23-943618D4C7E0}"/>
+                  <a16:creationId xmlns:a16="http://schemas.microsoft.com/office/drawing/2014/main" id="{7F195E9B-F7B2-48EE-ADF4-0FCA5767B0C5}"/>
                 </a:ext>
                 <a:ext uri="{C183D7F6-B498-43B3-948B-1728B52AA6E4}">
                   <adec:decorative xmlns:adec="http://schemas.microsoft.com/office/drawing/2017/decorative" val="1"/>
@@ -32641,16 +33712,16 @@
           </p:nvSpPr>
           <p:spPr bwMode="auto">
             <a:xfrm>
-              <a:off x="8768289" y="5579"/>
-              <a:ext cx="3417888" cy="2742066"/>
+              <a:off x="598488" y="0"/>
+              <a:ext cx="2717800" cy="6843713"/>
             </a:xfrm>
             <a:custGeom>
               <a:avLst/>
               <a:gdLst>
-                <a:gd name="T0" fmla="*/ 718 w 718"/>
-                <a:gd name="T1" fmla="*/ 575 h 575"/>
-                <a:gd name="T2" fmla="*/ 0 w 718"/>
-                <a:gd name="T3" fmla="*/ 0 h 575"/>
+                <a:gd name="T0" fmla="*/ 572 w 572"/>
+                <a:gd name="T1" fmla="*/ 0 h 1440"/>
+                <a:gd name="T2" fmla="*/ 164 w 572"/>
+                <a:gd name="T3" fmla="*/ 1440 h 1440"/>
               </a:gdLst>
               <a:ahLst/>
               <a:cxnLst>
@@ -32663,26 +33734,26 @@
               </a:cxnLst>
               <a:rect l="0" t="0" r="r" b="b"/>
               <a:pathLst>
-                <a:path w="718" h="575">
+                <a:path w="572" h="1440">
                   <a:moveTo>
-                    <a:pt x="718" y="575"/>
+                    <a:pt x="572" y="0"/>
                   </a:moveTo>
                   <a:cubicBezTo>
-                    <a:pt x="500" y="360"/>
-                    <a:pt x="260" y="163"/>
-                    <a:pt x="0" y="0"/>
+                    <a:pt x="213" y="320"/>
+                    <a:pt x="0" y="979"/>
+                    <a:pt x="164" y="1440"/>
                   </a:cubicBezTo>
                 </a:path>
               </a:pathLst>
             </a:custGeom>
             <a:noFill/>
-            <a:ln w="9525" cap="flat">
+            <a:ln w="12700" cap="flat">
               <a:solidFill>
                 <a:schemeClr val="tx1">
-                  <a:alpha val="20000"/>
+                  <a:alpha val="15000"/>
                 </a:schemeClr>
               </a:solidFill>
-              <a:prstDash val="solid"/>
+              <a:prstDash val="dashDot"/>
               <a:miter lim="800000"/>
               <a:headEnd/>
               <a:tailEnd/>
@@ -32711,10 +33782,10 @@
         </p:sp>
         <p:sp>
           <p:nvSpPr>
-            <p:cNvPr id="283" name="Freeform 21">
+            <p:cNvPr id="29" name="Freeform 21">
               <a:extLst>
                 <a:ext uri="{FF2B5EF4-FFF2-40B4-BE49-F238E27FC236}">
-                  <a16:creationId xmlns:a16="http://schemas.microsoft.com/office/drawing/2014/main" id="{D6461074-285F-4983-9304-74D10A7CF03D}"/>
+                  <a16:creationId xmlns:a16="http://schemas.microsoft.com/office/drawing/2014/main" id="{BD0E493A-B71F-4BD3-B6BC-84DC52C14C2C}"/>
                 </a:ext>
                 <a:ext uri="{C183D7F6-B498-43B3-948B-1728B52AA6E4}">
                   <adec:decorative xmlns:adec="http://schemas.microsoft.com/office/drawing/2017/decorative" val="1"/>
@@ -32734,16 +33805,16 @@
           </p:nvSpPr>
           <p:spPr bwMode="auto">
             <a:xfrm>
-              <a:off x="9235014" y="10367"/>
-              <a:ext cx="2951163" cy="2555325"/>
+              <a:off x="261938" y="0"/>
+              <a:ext cx="2944813" cy="6843713"/>
             </a:xfrm>
             <a:custGeom>
               <a:avLst/>
               <a:gdLst>
                 <a:gd name="T0" fmla="*/ 620 w 620"/>
-                <a:gd name="T1" fmla="*/ 536 h 536"/>
-                <a:gd name="T2" fmla="*/ 0 w 620"/>
-                <a:gd name="T3" fmla="*/ 0 h 536"/>
+                <a:gd name="T1" fmla="*/ 0 h 1440"/>
+                <a:gd name="T2" fmla="*/ 186 w 620"/>
+                <a:gd name="T3" fmla="*/ 1440 h 1440"/>
               </a:gdLst>
               <a:ahLst/>
               <a:cxnLst>
@@ -32756,14 +33827,14 @@
               </a:cxnLst>
               <a:rect l="0" t="0" r="r" b="b"/>
               <a:pathLst>
-                <a:path w="620" h="536">
+                <a:path w="620" h="1440">
                   <a:moveTo>
-                    <a:pt x="620" y="536"/>
+                    <a:pt x="620" y="0"/>
                   </a:moveTo>
                   <a:cubicBezTo>
-                    <a:pt x="404" y="314"/>
-                    <a:pt x="196" y="138"/>
-                    <a:pt x="0" y="0"/>
+                    <a:pt x="248" y="325"/>
+                    <a:pt x="0" y="960"/>
+                    <a:pt x="186" y="1440"/>
                   </a:cubicBezTo>
                 </a:path>
               </a:pathLst>
@@ -32772,10 +33843,10 @@
             <a:ln w="9525" cap="flat">
               <a:solidFill>
                 <a:schemeClr val="tx1">
-                  <a:alpha val="20000"/>
+                  <a:alpha val="15000"/>
                 </a:schemeClr>
               </a:solidFill>
-              <a:prstDash val="solid"/>
+              <a:prstDash val="lgDash"/>
               <a:miter lim="800000"/>
               <a:headEnd/>
               <a:tailEnd/>
@@ -32804,10 +33875,10 @@
         </p:sp>
         <p:sp>
           <p:nvSpPr>
-            <p:cNvPr id="284" name="Freeform 22">
+            <p:cNvPr id="30" name="Freeform 22">
               <a:extLst>
                 <a:ext uri="{FF2B5EF4-FFF2-40B4-BE49-F238E27FC236}">
-                  <a16:creationId xmlns:a16="http://schemas.microsoft.com/office/drawing/2014/main" id="{F90880AB-2D3F-4E91-8F02-D83C79F023D7}"/>
+                  <a16:creationId xmlns:a16="http://schemas.microsoft.com/office/drawing/2014/main" id="{C82D4841-AB36-409F-AD31-FF0FE10B4471}"/>
                 </a:ext>
                 <a:ext uri="{C183D7F6-B498-43B3-948B-1728B52AA6E4}">
                   <adec:decorative xmlns:adec="http://schemas.microsoft.com/office/drawing/2017/decorative" val="1"/>
@@ -32827,16 +33898,16 @@
           </p:nvSpPr>
           <p:spPr bwMode="auto">
             <a:xfrm>
-              <a:off x="10020826" y="5579"/>
-              <a:ext cx="2165350" cy="1358265"/>
+              <a:off x="-417513" y="0"/>
+              <a:ext cx="2403475" cy="6843713"/>
             </a:xfrm>
             <a:custGeom>
               <a:avLst/>
               <a:gdLst>
-                <a:gd name="T0" fmla="*/ 0 w 455"/>
-                <a:gd name="T1" fmla="*/ 0 h 285"/>
-                <a:gd name="T2" fmla="*/ 455 w 455"/>
-                <a:gd name="T3" fmla="*/ 285 h 285"/>
+                <a:gd name="T0" fmla="*/ 506 w 506"/>
+                <a:gd name="T1" fmla="*/ 0 h 1440"/>
+                <a:gd name="T2" fmla="*/ 171 w 506"/>
+                <a:gd name="T3" fmla="*/ 1440 h 1440"/>
               </a:gdLst>
               <a:ahLst/>
               <a:cxnLst>
@@ -32849,14 +33920,14 @@
               </a:cxnLst>
               <a:rect l="0" t="0" r="r" b="b"/>
               <a:pathLst>
-                <a:path w="455" h="285">
+                <a:path w="506" h="1440">
                   <a:moveTo>
-                    <a:pt x="0" y="0"/>
+                    <a:pt x="506" y="0"/>
                   </a:moveTo>
                   <a:cubicBezTo>
-                    <a:pt x="153" y="85"/>
-                    <a:pt x="308" y="180"/>
-                    <a:pt x="455" y="285"/>
+                    <a:pt x="109" y="356"/>
+                    <a:pt x="0" y="943"/>
+                    <a:pt x="171" y="1440"/>
                   </a:cubicBezTo>
                 </a:path>
               </a:pathLst>
@@ -32865,10 +33936,10 @@
             <a:ln w="9525" cap="flat">
               <a:solidFill>
                 <a:schemeClr val="tx1">
-                  <a:alpha val="20000"/>
+                  <a:alpha val="15000"/>
                 </a:schemeClr>
               </a:solidFill>
-              <a:prstDash val="dash"/>
+              <a:prstDash val="solid"/>
               <a:miter lim="800000"/>
               <a:headEnd/>
               <a:tailEnd/>
@@ -32897,10 +33968,10 @@
         </p:sp>
         <p:sp>
           <p:nvSpPr>
-            <p:cNvPr id="285" name="Freeform 23">
+            <p:cNvPr id="31" name="Freeform 23">
               <a:extLst>
                 <a:ext uri="{FF2B5EF4-FFF2-40B4-BE49-F238E27FC236}">
-                  <a16:creationId xmlns:a16="http://schemas.microsoft.com/office/drawing/2014/main" id="{592E0C8A-2965-4EA6-A917-3DFC9F666D14}"/>
+                  <a16:creationId xmlns:a16="http://schemas.microsoft.com/office/drawing/2014/main" id="{A025D47F-C545-4969-97D8-A41AE0B2E391}"/>
                 </a:ext>
                 <a:ext uri="{C183D7F6-B498-43B3-948B-1728B52AA6E4}">
                   <adec:decorative xmlns:adec="http://schemas.microsoft.com/office/drawing/2017/decorative" val="1"/>
@@ -32920,16 +33991,16 @@
           </p:nvSpPr>
           <p:spPr bwMode="auto">
             <a:xfrm>
-              <a:off x="11290826" y="5579"/>
-              <a:ext cx="895350" cy="534687"/>
+              <a:off x="14288" y="9525"/>
+              <a:ext cx="1771650" cy="3198813"/>
             </a:xfrm>
             <a:custGeom>
               <a:avLst/>
               <a:gdLst>
-                <a:gd name="T0" fmla="*/ 0 w 188"/>
-                <a:gd name="T1" fmla="*/ 0 h 112"/>
-                <a:gd name="T2" fmla="*/ 188 w 188"/>
-                <a:gd name="T3" fmla="*/ 112 h 112"/>
+                <a:gd name="T0" fmla="*/ 373 w 373"/>
+                <a:gd name="T1" fmla="*/ 0 h 673"/>
+                <a:gd name="T2" fmla="*/ 0 w 373"/>
+                <a:gd name="T3" fmla="*/ 673 h 673"/>
               </a:gdLst>
               <a:ahLst/>
               <a:cxnLst>
@@ -32942,14 +34013,14 @@
               </a:cxnLst>
               <a:rect l="0" t="0" r="r" b="b"/>
               <a:pathLst>
-                <a:path w="188" h="112">
+                <a:path w="373" h="673">
                   <a:moveTo>
-                    <a:pt x="0" y="0"/>
+                    <a:pt x="373" y="0"/>
                   </a:moveTo>
                   <a:cubicBezTo>
-                    <a:pt x="63" y="36"/>
-                    <a:pt x="126" y="73"/>
-                    <a:pt x="188" y="112"/>
+                    <a:pt x="175" y="183"/>
+                    <a:pt x="51" y="409"/>
+                    <a:pt x="0" y="673"/>
                   </a:cubicBezTo>
                 </a:path>
               </a:pathLst>
@@ -32958,7 +34029,193 @@
             <a:ln w="9525" cap="flat">
               <a:solidFill>
                 <a:schemeClr val="tx1">
-                  <a:alpha val="20000"/>
+                  <a:alpha val="15000"/>
+                </a:schemeClr>
+              </a:solidFill>
+              <a:prstDash val="solid"/>
+              <a:miter lim="800000"/>
+              <a:headEnd/>
+              <a:tailEnd/>
+            </a:ln>
+            <a:extLst>
+              <a:ext uri="{909E8E84-426E-40DD-AFC4-6F175D3DCCD1}">
+                <a14:hiddenFill xmlns:a14="http://schemas.microsoft.com/office/drawing/2010/main">
+                  <a:solidFill>
+                    <a:srgbClr val="FFFFFF"/>
+                  </a:solidFill>
+                </a14:hiddenFill>
+              </a:ext>
+            </a:extLst>
+          </p:spPr>
+          <p:txBody>
+            <a:bodyPr vert="horz" wrap="square" lIns="91440" tIns="45720" rIns="91440" bIns="45720" numCol="1" anchor="t" anchorCtr="0" compatLnSpc="1">
+              <a:prstTxWarp prst="textNoShape">
+                <a:avLst/>
+              </a:prstTxWarp>
+            </a:bodyPr>
+            <a:lstStyle/>
+            <a:p>
+              <a:endParaRPr lang="en-US"/>
+            </a:p>
+          </p:txBody>
+        </p:sp>
+        <p:sp>
+          <p:nvSpPr>
+            <p:cNvPr id="32" name="Freeform 24">
+              <a:extLst>
+                <a:ext uri="{FF2B5EF4-FFF2-40B4-BE49-F238E27FC236}">
+                  <a16:creationId xmlns:a16="http://schemas.microsoft.com/office/drawing/2014/main" id="{CB1A3BE3-B4BA-4266-A08A-DC26E7CA6B6D}"/>
+                </a:ext>
+                <a:ext uri="{C183D7F6-B498-43B3-948B-1728B52AA6E4}">
+                  <adec:decorative xmlns:adec="http://schemas.microsoft.com/office/drawing/2017/decorative" val="1"/>
+                </a:ext>
+              </a:extLst>
+            </p:cNvPr>
+            <p:cNvSpPr>
+              <a:spLocks/>
+            </p:cNvSpPr>
+            <p:nvPr>
+              <p:extLst>
+                <p:ext uri="{386F3935-93C4-4BCD-93E2-E3B085C9AB24}">
+                  <p16:designElem xmlns:p16="http://schemas.microsoft.com/office/powerpoint/2015/main" val="1"/>
+                </p:ext>
+              </p:extLst>
+            </p:nvPr>
+          </p:nvSpPr>
+          <p:spPr bwMode="auto">
+            <a:xfrm>
+              <a:off x="4763" y="6016625"/>
+              <a:ext cx="214313" cy="827088"/>
+            </a:xfrm>
+            <a:custGeom>
+              <a:avLst/>
+              <a:gdLst>
+                <a:gd name="T0" fmla="*/ 0 w 45"/>
+                <a:gd name="T1" fmla="*/ 0 h 174"/>
+                <a:gd name="T2" fmla="*/ 45 w 45"/>
+                <a:gd name="T3" fmla="*/ 174 h 174"/>
+              </a:gdLst>
+              <a:ahLst/>
+              <a:cxnLst>
+                <a:cxn ang="0">
+                  <a:pos x="T0" y="T1"/>
+                </a:cxn>
+                <a:cxn ang="0">
+                  <a:pos x="T2" y="T3"/>
+                </a:cxn>
+              </a:cxnLst>
+              <a:rect l="0" t="0" r="r" b="b"/>
+              <a:pathLst>
+                <a:path w="45" h="174">
+                  <a:moveTo>
+                    <a:pt x="0" y="0"/>
+                  </a:moveTo>
+                  <a:cubicBezTo>
+                    <a:pt x="11" y="59"/>
+                    <a:pt x="26" y="118"/>
+                    <a:pt x="45" y="174"/>
+                  </a:cubicBezTo>
+                </a:path>
+              </a:pathLst>
+            </a:custGeom>
+            <a:noFill/>
+            <a:ln w="9525" cap="flat">
+              <a:solidFill>
+                <a:schemeClr val="tx1">
+                  <a:alpha val="15000"/>
+                </a:schemeClr>
+              </a:solidFill>
+              <a:prstDash val="solid"/>
+              <a:miter lim="800000"/>
+              <a:headEnd/>
+              <a:tailEnd/>
+            </a:ln>
+            <a:extLst>
+              <a:ext uri="{909E8E84-426E-40DD-AFC4-6F175D3DCCD1}">
+                <a14:hiddenFill xmlns:a14="http://schemas.microsoft.com/office/drawing/2010/main">
+                  <a:solidFill>
+                    <a:srgbClr val="FFFFFF"/>
+                  </a:solidFill>
+                </a14:hiddenFill>
+              </a:ext>
+            </a:extLst>
+          </p:spPr>
+          <p:txBody>
+            <a:bodyPr vert="horz" wrap="square" lIns="91440" tIns="45720" rIns="91440" bIns="45720" numCol="1" anchor="t" anchorCtr="0" compatLnSpc="1">
+              <a:prstTxWarp prst="textNoShape">
+                <a:avLst/>
+              </a:prstTxWarp>
+            </a:bodyPr>
+            <a:lstStyle/>
+            <a:p>
+              <a:endParaRPr lang="en-US"/>
+            </a:p>
+          </p:txBody>
+        </p:sp>
+        <p:sp>
+          <p:nvSpPr>
+            <p:cNvPr id="33" name="Freeform 25">
+              <a:extLst>
+                <a:ext uri="{FF2B5EF4-FFF2-40B4-BE49-F238E27FC236}">
+                  <a16:creationId xmlns:a16="http://schemas.microsoft.com/office/drawing/2014/main" id="{CC5D0E10-479B-45F0-9A6D-F38F3240A66E}"/>
+                </a:ext>
+                <a:ext uri="{C183D7F6-B498-43B3-948B-1728B52AA6E4}">
+                  <adec:decorative xmlns:adec="http://schemas.microsoft.com/office/drawing/2017/decorative" val="1"/>
+                </a:ext>
+              </a:extLst>
+            </p:cNvPr>
+            <p:cNvSpPr>
+              <a:spLocks/>
+            </p:cNvSpPr>
+            <p:nvPr>
+              <p:extLst>
+                <p:ext uri="{386F3935-93C4-4BCD-93E2-E3B085C9AB24}">
+                  <p16:designElem xmlns:p16="http://schemas.microsoft.com/office/powerpoint/2015/main" val="1"/>
+                </p:ext>
+              </p:extLst>
+            </p:nvPr>
+          </p:nvSpPr>
+          <p:spPr bwMode="auto">
+            <a:xfrm>
+              <a:off x="14288" y="0"/>
+              <a:ext cx="1562100" cy="2228850"/>
+            </a:xfrm>
+            <a:custGeom>
+              <a:avLst/>
+              <a:gdLst>
+                <a:gd name="T0" fmla="*/ 329 w 329"/>
+                <a:gd name="T1" fmla="*/ 0 h 469"/>
+                <a:gd name="T2" fmla="*/ 0 w 329"/>
+                <a:gd name="T3" fmla="*/ 469 h 469"/>
+              </a:gdLst>
+              <a:ahLst/>
+              <a:cxnLst>
+                <a:cxn ang="0">
+                  <a:pos x="T0" y="T1"/>
+                </a:cxn>
+                <a:cxn ang="0">
+                  <a:pos x="T2" y="T3"/>
+                </a:cxn>
+              </a:cxnLst>
+              <a:rect l="0" t="0" r="r" b="b"/>
+              <a:pathLst>
+                <a:path w="329" h="469">
+                  <a:moveTo>
+                    <a:pt x="329" y="0"/>
+                  </a:moveTo>
+                  <a:cubicBezTo>
+                    <a:pt x="189" y="133"/>
+                    <a:pt x="69" y="288"/>
+                    <a:pt x="0" y="469"/>
+                  </a:cubicBezTo>
+                </a:path>
+              </a:pathLst>
+            </a:custGeom>
+            <a:noFill/>
+            <a:ln w="9525" cap="flat">
+              <a:solidFill>
+                <a:schemeClr val="tx1">
+                  <a:alpha val="15000"/>
                 </a:schemeClr>
               </a:solidFill>
               <a:prstDash val="solid"/>
@@ -32994,7 +34251,7 @@
           <p:cNvPr id="2" name="Title 1">
             <a:extLst>
               <a:ext uri="{FF2B5EF4-FFF2-40B4-BE49-F238E27FC236}">
-                <a16:creationId xmlns:a16="http://schemas.microsoft.com/office/drawing/2014/main" id="{09309B81-EAD6-D2B1-5691-621CC99B9E9A}"/>
+                <a16:creationId xmlns:a16="http://schemas.microsoft.com/office/drawing/2014/main" id="{EB0F8DA7-3E02-5F06-8CD6-DE231E955904}"/>
               </a:ext>
             </a:extLst>
           </p:cNvPr>
@@ -33007,195 +34264,67 @@
         </p:nvSpPr>
         <p:spPr>
           <a:xfrm>
-            <a:off x="2057443" y="5509670"/>
-            <a:ext cx="8081960" cy="943954"/>
+            <a:off x="7801092" y="2349925"/>
+            <a:ext cx="3498979" cy="2456442"/>
           </a:xfrm>
         </p:spPr>
         <p:txBody>
-          <a:bodyPr vert="horz" lIns="228600" tIns="228600" rIns="228600" bIns="0" rtlCol="0" anchor="b">
+          <a:bodyPr>
             <a:normAutofit/>
           </a:bodyPr>
           <a:lstStyle/>
           <a:p>
-            <a:pPr>
-              <a:lnSpc>
-                <a:spcPct val="80000"/>
-              </a:lnSpc>
-            </a:pPr>
             <a:r>
               <a:rPr lang="en-US" dirty="0">
                 <a:solidFill>
-                  <a:schemeClr val="tx2"/>
+                  <a:schemeClr val="tx1"/>
                 </a:solidFill>
               </a:rPr>
-              <a:t>UML Diagrams</a:t>
+              <a:t>Admin Design</a:t>
             </a:r>
+            <a:endParaRPr lang="en-IN" dirty="0">
+              <a:solidFill>
+                <a:schemeClr val="tx1"/>
+              </a:solidFill>
+            </a:endParaRPr>
           </a:p>
         </p:txBody>
       </p:sp>
-      <p:sp>
-        <p:nvSpPr>
-          <p:cNvPr id="287" name="Isosceles Triangle 39">
+      <p:graphicFrame>
+        <p:nvGraphicFramePr>
+          <p:cNvPr id="5" name="Content Placeholder 2">
             <a:extLst>
               <a:ext uri="{FF2B5EF4-FFF2-40B4-BE49-F238E27FC236}">
-                <a16:creationId xmlns:a16="http://schemas.microsoft.com/office/drawing/2014/main" id="{4F37E7FB-7372-47E3-914E-7CF7E94B1C49}"/>
-              </a:ext>
-              <a:ext uri="{C183D7F6-B498-43B3-948B-1728B52AA6E4}">
-                <adec:decorative xmlns:adec="http://schemas.microsoft.com/office/drawing/2017/decorative" val="1"/>
+                <a16:creationId xmlns:a16="http://schemas.microsoft.com/office/drawing/2014/main" id="{683DAAB7-BFFF-A520-5B5C-2A040C13E49D}"/>
               </a:ext>
             </a:extLst>
           </p:cNvPr>
-          <p:cNvSpPr>
-            <a:spLocks noGrp="1" noRot="1" noChangeAspect="1" noMove="1" noResize="1" noEditPoints="1" noAdjustHandles="1" noChangeArrowheads="1" noChangeShapeType="1" noTextEdit="1"/>
-          </p:cNvSpPr>
+          <p:cNvGraphicFramePr>
+            <a:graphicFrameLocks noGrp="1"/>
+          </p:cNvGraphicFramePr>
           <p:nvPr>
+            <p:ph idx="1"/>
             <p:extLst>
-              <p:ext uri="{386F3935-93C4-4BCD-93E2-E3B085C9AB24}">
-                <p16:designElem xmlns:p16="http://schemas.microsoft.com/office/powerpoint/2015/main" val="1"/>
+              <p:ext uri="{D42A27DB-BD31-4B8C-83A1-F6EECF244321}">
+                <p14:modId xmlns:p14="http://schemas.microsoft.com/office/powerpoint/2010/main" val="1397129669"/>
               </p:ext>
             </p:extLst>
           </p:nvPr>
-        </p:nvSpPr>
-        <p:spPr>
-          <a:xfrm rot="10800000">
-            <a:off x="5892384" y="4386808"/>
-            <a:ext cx="407233" cy="351063"/>
-          </a:xfrm>
-          <a:prstGeom prst="triangle">
-            <a:avLst/>
-          </a:prstGeom>
-          <a:solidFill>
-            <a:srgbClr val="9DFF7F"/>
-          </a:solidFill>
-          <a:ln>
-            <a:noFill/>
-          </a:ln>
-        </p:spPr>
-        <p:style>
-          <a:lnRef idx="2">
-            <a:schemeClr val="accent1">
-              <a:shade val="50000"/>
-            </a:schemeClr>
-          </a:lnRef>
-          <a:fillRef idx="1">
-            <a:schemeClr val="accent1"/>
-          </a:fillRef>
-          <a:effectRef idx="0">
-            <a:schemeClr val="accent1"/>
-          </a:effectRef>
-          <a:fontRef idx="minor">
-            <a:schemeClr val="lt1"/>
-          </a:fontRef>
-        </p:style>
-        <p:txBody>
-          <a:bodyPr rtlCol="0" anchor="ctr"/>
-          <a:lstStyle/>
-          <a:p>
-            <a:pPr algn="ctr"/>
-            <a:endParaRPr lang="en-US"/>
-          </a:p>
-        </p:txBody>
-      </p:sp>
-      <p:sp>
-        <p:nvSpPr>
-          <p:cNvPr id="289" name="Rectangle 288">
-            <a:extLst>
-              <a:ext uri="{FF2B5EF4-FFF2-40B4-BE49-F238E27FC236}">
-                <a16:creationId xmlns:a16="http://schemas.microsoft.com/office/drawing/2014/main" id="{16E168E2-3256-43A5-9298-9E5A6AE8F736}"/>
-              </a:ext>
-              <a:ext uri="{C183D7F6-B498-43B3-948B-1728B52AA6E4}">
-                <adec:decorative xmlns:adec="http://schemas.microsoft.com/office/drawing/2017/decorative" val="1"/>
-              </a:ext>
-            </a:extLst>
-          </p:cNvPr>
-          <p:cNvSpPr>
-            <a:spLocks noGrp="1" noRot="1" noChangeAspect="1" noMove="1" noResize="1" noEditPoints="1" noAdjustHandles="1" noChangeArrowheads="1" noChangeShapeType="1" noTextEdit="1"/>
-          </p:cNvSpPr>
-          <p:nvPr>
-            <p:extLst>
-              <p:ext uri="{386F3935-93C4-4BCD-93E2-E3B085C9AB24}">
-                <p16:designElem xmlns:p16="http://schemas.microsoft.com/office/powerpoint/2015/main" val="1"/>
-              </p:ext>
-            </p:extLst>
-          </p:nvPr>
-        </p:nvSpPr>
-        <p:spPr>
-          <a:xfrm>
-            <a:off x="3052847" y="954593"/>
-            <a:ext cx="6086306" cy="3432215"/>
-          </a:xfrm>
-          <a:prstGeom prst="rect">
-            <a:avLst/>
-          </a:prstGeom>
-          <a:solidFill>
-            <a:schemeClr val="bg1"/>
-          </a:solidFill>
-          <a:ln w="19050">
-            <a:solidFill>
-              <a:srgbClr val="9DFF7F"/>
-            </a:solidFill>
-            <a:miter lim="800000"/>
-          </a:ln>
-        </p:spPr>
-        <p:style>
-          <a:lnRef idx="2">
-            <a:schemeClr val="accent1">
-              <a:shade val="50000"/>
-            </a:schemeClr>
-          </a:lnRef>
-          <a:fillRef idx="1">
-            <a:schemeClr val="accent1"/>
-          </a:fillRef>
-          <a:effectRef idx="0">
-            <a:schemeClr val="accent1"/>
-          </a:effectRef>
-          <a:fontRef idx="minor">
-            <a:schemeClr val="lt1"/>
-          </a:fontRef>
-        </p:style>
-        <p:txBody>
-          <a:bodyPr rtlCol="0" anchor="ctr"/>
-          <a:lstStyle/>
-          <a:p>
-            <a:pPr algn="ctr"/>
-            <a:endParaRPr lang="en-US"/>
-          </a:p>
-        </p:txBody>
-      </p:sp>
-      <p:pic>
-        <p:nvPicPr>
-          <p:cNvPr id="11" name="Picture 10" descr="Graphical user interface&#10;&#10;Description automatically generated">
-            <a:extLst>
-              <a:ext uri="{FF2B5EF4-FFF2-40B4-BE49-F238E27FC236}">
-                <a16:creationId xmlns:a16="http://schemas.microsoft.com/office/drawing/2014/main" id="{D2EED00F-130B-1D1B-F347-05FB1E1734E0}"/>
-              </a:ext>
-            </a:extLst>
-          </p:cNvPr>
-          <p:cNvPicPr>
-            <a:picLocks noChangeAspect="1"/>
-          </p:cNvPicPr>
-          <p:nvPr/>
-        </p:nvPicPr>
-        <p:blipFill>
-          <a:blip r:embed="rId2"/>
-          <a:stretch>
-            <a:fillRect/>
-          </a:stretch>
-        </p:blipFill>
-        <p:spPr>
-          <a:xfrm>
-            <a:off x="2776823" y="346331"/>
-            <a:ext cx="6958495" cy="5220760"/>
-          </a:xfrm>
-          <a:prstGeom prst="rect">
-            <a:avLst/>
-          </a:prstGeom>
-        </p:spPr>
-      </p:pic>
+        </p:nvGraphicFramePr>
+        <p:xfrm>
+          <a:off x="804672" y="798444"/>
+          <a:ext cx="6007290" cy="5257614"/>
+        </p:xfrm>
+        <a:graphic>
+          <a:graphicData uri="http://schemas.openxmlformats.org/drawingml/2006/diagram">
+            <dgm:relIds xmlns:dgm="http://schemas.openxmlformats.org/drawingml/2006/diagram" xmlns:r="http://schemas.openxmlformats.org/officeDocument/2006/relationships" r:dm="rId2" r:lo="rId3" r:qs="rId4" r:cs="rId5"/>
+          </a:graphicData>
+        </a:graphic>
+      </p:graphicFrame>
     </p:spTree>
     <p:extLst>
       <p:ext uri="{BB962C8B-B14F-4D97-AF65-F5344CB8AC3E}">
-        <p14:creationId xmlns:p14="http://schemas.microsoft.com/office/powerpoint/2010/main" val="3498045410"/>
+        <p14:creationId xmlns:p14="http://schemas.microsoft.com/office/powerpoint/2010/main" val="3132439812"/>
       </p:ext>
     </p:extLst>
   </p:cSld>
@@ -33206,1594 +34335,6 @@
 </file>
 
 <file path=ppt/slides/slide6.xml><?xml version="1.0" encoding="utf-8"?>
-<p:sld xmlns:a="http://schemas.openxmlformats.org/drawingml/2006/main" xmlns:r="http://schemas.openxmlformats.org/officeDocument/2006/relationships" xmlns:p="http://schemas.openxmlformats.org/presentationml/2006/main">
-  <p:cSld>
-    <p:bg>
-      <p:bgPr>
-        <a:solidFill>
-          <a:schemeClr val="bg2"/>
-        </a:solidFill>
-        <a:effectLst/>
-      </p:bgPr>
-    </p:bg>
-    <p:spTree>
-      <p:nvGrpSpPr>
-        <p:cNvPr id="1" name=""/>
-        <p:cNvGrpSpPr/>
-        <p:nvPr/>
-      </p:nvGrpSpPr>
-      <p:grpSpPr>
-        <a:xfrm>
-          <a:off x="0" y="0"/>
-          <a:ext cx="0" cy="0"/>
-          <a:chOff x="0" y="0"/>
-          <a:chExt cx="0" cy="0"/>
-        </a:xfrm>
-      </p:grpSpPr>
-      <p:sp useBgFill="1">
-        <p:nvSpPr>
-          <p:cNvPr id="68" name="Rectangle 67">
-            <a:extLst>
-              <a:ext uri="{FF2B5EF4-FFF2-40B4-BE49-F238E27FC236}">
-                <a16:creationId xmlns:a16="http://schemas.microsoft.com/office/drawing/2014/main" id="{53BB5D57-6178-4F62-B472-0312F6D95A85}"/>
-              </a:ext>
-              <a:ext uri="{C183D7F6-B498-43B3-948B-1728B52AA6E4}">
-                <adec:decorative xmlns:adec="http://schemas.microsoft.com/office/drawing/2017/decorative" val="1"/>
-              </a:ext>
-            </a:extLst>
-          </p:cNvPr>
-          <p:cNvSpPr>
-            <a:spLocks noGrp="1" noRot="1" noChangeAspect="1" noMove="1" noResize="1" noEditPoints="1" noAdjustHandles="1" noChangeArrowheads="1" noChangeShapeType="1" noTextEdit="1"/>
-          </p:cNvSpPr>
-          <p:nvPr>
-            <p:extLst>
-              <p:ext uri="{386F3935-93C4-4BCD-93E2-E3B085C9AB24}">
-                <p16:designElem xmlns:p16="http://schemas.microsoft.com/office/powerpoint/2015/main" val="1"/>
-              </p:ext>
-            </p:extLst>
-          </p:nvPr>
-        </p:nvSpPr>
-        <p:spPr>
-          <a:xfrm>
-            <a:off x="0" y="0"/>
-            <a:ext cx="12192000" cy="6858000"/>
-          </a:xfrm>
-          <a:prstGeom prst="rect">
-            <a:avLst/>
-          </a:prstGeom>
-          <a:ln>
-            <a:noFill/>
-          </a:ln>
-        </p:spPr>
-        <p:style>
-          <a:lnRef idx="2">
-            <a:schemeClr val="accent1">
-              <a:shade val="50000"/>
-            </a:schemeClr>
-          </a:lnRef>
-          <a:fillRef idx="1">
-            <a:schemeClr val="accent1"/>
-          </a:fillRef>
-          <a:effectRef idx="0">
-            <a:schemeClr val="accent1"/>
-          </a:effectRef>
-          <a:fontRef idx="minor">
-            <a:schemeClr val="lt1"/>
-          </a:fontRef>
-        </p:style>
-        <p:txBody>
-          <a:bodyPr rtlCol="0" anchor="ctr"/>
-          <a:lstStyle/>
-          <a:p>
-            <a:pPr algn="ctr"/>
-            <a:endParaRPr lang="en-US"/>
-          </a:p>
-        </p:txBody>
-      </p:sp>
-      <p:grpSp>
-        <p:nvGrpSpPr>
-          <p:cNvPr id="70" name="Group 69">
-            <a:extLst>
-              <a:ext uri="{FF2B5EF4-FFF2-40B4-BE49-F238E27FC236}">
-                <a16:creationId xmlns:a16="http://schemas.microsoft.com/office/drawing/2014/main" id="{4800B320-C486-4967-AFB8-58E3EBDA9EF5}"/>
-              </a:ext>
-              <a:ext uri="{C183D7F6-B498-43B3-948B-1728B52AA6E4}">
-                <adec:decorative xmlns:adec="http://schemas.microsoft.com/office/drawing/2017/decorative" val="1"/>
-              </a:ext>
-            </a:extLst>
-          </p:cNvPr>
-          <p:cNvGrpSpPr>
-            <a:grpSpLocks noGrp="1" noUngrp="1" noRot="1" noChangeAspect="1" noMove="1" noResize="1"/>
-          </p:cNvGrpSpPr>
-          <p:nvPr>
-            <p:extLst>
-              <p:ext uri="{386F3935-93C4-4BCD-93E2-E3B085C9AB24}">
-                <p16:designElem xmlns:p16="http://schemas.microsoft.com/office/powerpoint/2015/main" val="1"/>
-              </p:ext>
-            </p:extLst>
-          </p:nvPr>
-        </p:nvGrpSpPr>
-        <p:grpSpPr>
-          <a:xfrm>
-            <a:off x="-420624" y="0"/>
-            <a:ext cx="12584114" cy="6853238"/>
-            <a:chOff x="-417513" y="0"/>
-            <a:chExt cx="12584114" cy="6853238"/>
-          </a:xfrm>
-        </p:grpSpPr>
-        <p:sp>
-          <p:nvSpPr>
-            <p:cNvPr id="71" name="Freeform 5">
-              <a:extLst>
-                <a:ext uri="{FF2B5EF4-FFF2-40B4-BE49-F238E27FC236}">
-                  <a16:creationId xmlns:a16="http://schemas.microsoft.com/office/drawing/2014/main" id="{B6E6BEB2-753A-4253-9BE2-9E569A8A5E11}"/>
-                </a:ext>
-                <a:ext uri="{C183D7F6-B498-43B3-948B-1728B52AA6E4}">
-                  <adec:decorative xmlns:adec="http://schemas.microsoft.com/office/drawing/2017/decorative" val="1"/>
-                </a:ext>
-              </a:extLst>
-            </p:cNvPr>
-            <p:cNvSpPr/>
-            <p:nvPr>
-              <p:extLst>
-                <p:ext uri="{386F3935-93C4-4BCD-93E2-E3B085C9AB24}">
-                  <p16:designElem xmlns:p16="http://schemas.microsoft.com/office/powerpoint/2015/main" val="1"/>
-                </p:ext>
-              </p:extLst>
-            </p:nvPr>
-          </p:nvSpPr>
-          <p:spPr bwMode="auto">
-            <a:xfrm>
-              <a:off x="1306513" y="0"/>
-              <a:ext cx="3862388" cy="6843713"/>
-            </a:xfrm>
-            <a:custGeom>
-              <a:avLst/>
-              <a:gdLst/>
-              <a:ahLst/>
-              <a:cxnLst/>
-              <a:rect l="0" t="0" r="r" b="b"/>
-              <a:pathLst>
-                <a:path w="813" h="1440">
-                  <a:moveTo>
-                    <a:pt x="813" y="0"/>
-                  </a:moveTo>
-                  <a:cubicBezTo>
-                    <a:pt x="331" y="221"/>
-                    <a:pt x="0" y="1039"/>
-                    <a:pt x="435" y="1440"/>
-                  </a:cubicBezTo>
-                </a:path>
-              </a:pathLst>
-            </a:custGeom>
-            <a:noFill/>
-            <a:ln w="9525" cap="flat">
-              <a:solidFill>
-                <a:schemeClr val="tx1">
-                  <a:alpha val="20000"/>
-                </a:schemeClr>
-              </a:solidFill>
-              <a:prstDash val="solid"/>
-              <a:miter lim="800000"/>
-              <a:headEnd/>
-              <a:tailEnd/>
-            </a:ln>
-            <a:extLst>
-              <a:ext uri="{909E8E84-426E-40DD-AFC4-6F175D3DCCD1}">
-                <a14:hiddenFill xmlns:a14="http://schemas.microsoft.com/office/drawing/2010/main">
-                  <a:solidFill>
-                    <a:srgbClr val="FFFFFF"/>
-                  </a:solidFill>
-                </a14:hiddenFill>
-              </a:ext>
-            </a:extLst>
-          </p:spPr>
-        </p:sp>
-        <p:sp>
-          <p:nvSpPr>
-            <p:cNvPr id="72" name="Freeform 6">
-              <a:extLst>
-                <a:ext uri="{FF2B5EF4-FFF2-40B4-BE49-F238E27FC236}">
-                  <a16:creationId xmlns:a16="http://schemas.microsoft.com/office/drawing/2014/main" id="{196A6026-E2E2-4401-BB72-F8314907AB30}"/>
-                </a:ext>
-                <a:ext uri="{C183D7F6-B498-43B3-948B-1728B52AA6E4}">
-                  <adec:decorative xmlns:adec="http://schemas.microsoft.com/office/drawing/2017/decorative" val="1"/>
-                </a:ext>
-              </a:extLst>
-            </p:cNvPr>
-            <p:cNvSpPr/>
-            <p:nvPr>
-              <p:extLst>
-                <p:ext uri="{386F3935-93C4-4BCD-93E2-E3B085C9AB24}">
-                  <p16:designElem xmlns:p16="http://schemas.microsoft.com/office/powerpoint/2015/main" val="1"/>
-                </p:ext>
-              </p:extLst>
-            </p:nvPr>
-          </p:nvSpPr>
-          <p:spPr bwMode="auto">
-            <a:xfrm>
-              <a:off x="10626725" y="9525"/>
-              <a:ext cx="1539875" cy="555625"/>
-            </a:xfrm>
-            <a:custGeom>
-              <a:avLst/>
-              <a:gdLst/>
-              <a:ahLst/>
-              <a:cxnLst/>
-              <a:rect l="0" t="0" r="r" b="b"/>
-              <a:pathLst>
-                <a:path w="324" h="117">
-                  <a:moveTo>
-                    <a:pt x="324" y="117"/>
-                  </a:moveTo>
-                  <a:cubicBezTo>
-                    <a:pt x="223" y="64"/>
-                    <a:pt x="107" y="28"/>
-                    <a:pt x="0" y="0"/>
-                  </a:cubicBezTo>
-                </a:path>
-              </a:pathLst>
-            </a:custGeom>
-            <a:noFill/>
-            <a:ln w="9525" cap="flat">
-              <a:solidFill>
-                <a:schemeClr val="tx1">
-                  <a:alpha val="20000"/>
-                </a:schemeClr>
-              </a:solidFill>
-              <a:prstDash val="solid"/>
-              <a:miter lim="800000"/>
-              <a:headEnd/>
-              <a:tailEnd/>
-            </a:ln>
-            <a:extLst>
-              <a:ext uri="{909E8E84-426E-40DD-AFC4-6F175D3DCCD1}">
-                <a14:hiddenFill xmlns:a14="http://schemas.microsoft.com/office/drawing/2010/main">
-                  <a:solidFill>
-                    <a:srgbClr val="FFFFFF"/>
-                  </a:solidFill>
-                </a14:hiddenFill>
-              </a:ext>
-            </a:extLst>
-          </p:spPr>
-        </p:sp>
-        <p:sp>
-          <p:nvSpPr>
-            <p:cNvPr id="73" name="Freeform 7">
-              <a:extLst>
-                <a:ext uri="{FF2B5EF4-FFF2-40B4-BE49-F238E27FC236}">
-                  <a16:creationId xmlns:a16="http://schemas.microsoft.com/office/drawing/2014/main" id="{C852B828-3E4B-4404-AEE7-815B0B6EEB41}"/>
-                </a:ext>
-                <a:ext uri="{C183D7F6-B498-43B3-948B-1728B52AA6E4}">
-                  <adec:decorative xmlns:adec="http://schemas.microsoft.com/office/drawing/2017/decorative" val="1"/>
-                </a:ext>
-              </a:extLst>
-            </p:cNvPr>
-            <p:cNvSpPr/>
-            <p:nvPr>
-              <p:extLst>
-                <p:ext uri="{386F3935-93C4-4BCD-93E2-E3B085C9AB24}">
-                  <p16:designElem xmlns:p16="http://schemas.microsoft.com/office/powerpoint/2015/main" val="1"/>
-                </p:ext>
-              </p:extLst>
-            </p:nvPr>
-          </p:nvSpPr>
-          <p:spPr bwMode="auto">
-            <a:xfrm>
-              <a:off x="10247313" y="5013325"/>
-              <a:ext cx="1919288" cy="1830388"/>
-            </a:xfrm>
-            <a:custGeom>
-              <a:avLst/>
-              <a:gdLst/>
-              <a:ahLst/>
-              <a:cxnLst/>
-              <a:rect l="0" t="0" r="r" b="b"/>
-              <a:pathLst>
-                <a:path w="404" h="385">
-                  <a:moveTo>
-                    <a:pt x="0" y="385"/>
-                  </a:moveTo>
-                  <a:cubicBezTo>
-                    <a:pt x="146" y="272"/>
-                    <a:pt x="285" y="142"/>
-                    <a:pt x="404" y="0"/>
-                  </a:cubicBezTo>
-                </a:path>
-              </a:pathLst>
-            </a:custGeom>
-            <a:noFill/>
-            <a:ln w="9525" cap="flat">
-              <a:solidFill>
-                <a:schemeClr val="tx1">
-                  <a:alpha val="20000"/>
-                </a:schemeClr>
-              </a:solidFill>
-              <a:prstDash val="solid"/>
-              <a:miter lim="800000"/>
-              <a:headEnd/>
-              <a:tailEnd/>
-            </a:ln>
-            <a:extLst>
-              <a:ext uri="{909E8E84-426E-40DD-AFC4-6F175D3DCCD1}">
-                <a14:hiddenFill xmlns:a14="http://schemas.microsoft.com/office/drawing/2010/main">
-                  <a:solidFill>
-                    <a:srgbClr val="FFFFFF"/>
-                  </a:solidFill>
-                </a14:hiddenFill>
-              </a:ext>
-            </a:extLst>
-          </p:spPr>
-        </p:sp>
-        <p:sp>
-          <p:nvSpPr>
-            <p:cNvPr id="74" name="Freeform 8">
-              <a:extLst>
-                <a:ext uri="{FF2B5EF4-FFF2-40B4-BE49-F238E27FC236}">
-                  <a16:creationId xmlns:a16="http://schemas.microsoft.com/office/drawing/2014/main" id="{B2BAC571-023A-4027-9689-5A7375FE5338}"/>
-                </a:ext>
-                <a:ext uri="{C183D7F6-B498-43B3-948B-1728B52AA6E4}">
-                  <adec:decorative xmlns:adec="http://schemas.microsoft.com/office/drawing/2017/decorative" val="1"/>
-                </a:ext>
-              </a:extLst>
-            </p:cNvPr>
-            <p:cNvSpPr/>
-            <p:nvPr>
-              <p:extLst>
-                <p:ext uri="{386F3935-93C4-4BCD-93E2-E3B085C9AB24}">
-                  <p16:designElem xmlns:p16="http://schemas.microsoft.com/office/powerpoint/2015/main" val="1"/>
-                </p:ext>
-              </p:extLst>
-            </p:nvPr>
-          </p:nvSpPr>
-          <p:spPr bwMode="auto">
-            <a:xfrm>
-              <a:off x="1120775" y="0"/>
-              <a:ext cx="3676650" cy="6843713"/>
-            </a:xfrm>
-            <a:custGeom>
-              <a:avLst/>
-              <a:gdLst/>
-              <a:ahLst/>
-              <a:cxnLst/>
-              <a:rect l="0" t="0" r="r" b="b"/>
-              <a:pathLst>
-                <a:path w="774" h="1440">
-                  <a:moveTo>
-                    <a:pt x="774" y="0"/>
-                  </a:moveTo>
-                  <a:cubicBezTo>
-                    <a:pt x="312" y="240"/>
-                    <a:pt x="0" y="1034"/>
-                    <a:pt x="411" y="1440"/>
-                  </a:cubicBezTo>
-                </a:path>
-              </a:pathLst>
-            </a:custGeom>
-            <a:noFill/>
-            <a:ln w="9525" cap="flat">
-              <a:solidFill>
-                <a:schemeClr val="tx1">
-                  <a:alpha val="20000"/>
-                </a:schemeClr>
-              </a:solidFill>
-              <a:prstDash val="dash"/>
-              <a:miter lim="800000"/>
-              <a:headEnd/>
-              <a:tailEnd/>
-            </a:ln>
-            <a:extLst>
-              <a:ext uri="{909E8E84-426E-40DD-AFC4-6F175D3DCCD1}">
-                <a14:hiddenFill xmlns:a14="http://schemas.microsoft.com/office/drawing/2010/main">
-                  <a:solidFill>
-                    <a:srgbClr val="FFFFFF"/>
-                  </a:solidFill>
-                </a14:hiddenFill>
-              </a:ext>
-            </a:extLst>
-          </p:spPr>
-        </p:sp>
-        <p:sp>
-          <p:nvSpPr>
-            <p:cNvPr id="75" name="Freeform 9">
-              <a:extLst>
-                <a:ext uri="{FF2B5EF4-FFF2-40B4-BE49-F238E27FC236}">
-                  <a16:creationId xmlns:a16="http://schemas.microsoft.com/office/drawing/2014/main" id="{6BB424FB-2158-48AB-9A28-A11889AA5A01}"/>
-                </a:ext>
-                <a:ext uri="{C183D7F6-B498-43B3-948B-1728B52AA6E4}">
-                  <adec:decorative xmlns:adec="http://schemas.microsoft.com/office/drawing/2017/decorative" val="1"/>
-                </a:ext>
-              </a:extLst>
-            </p:cNvPr>
-            <p:cNvSpPr/>
-            <p:nvPr>
-              <p:extLst>
-                <p:ext uri="{386F3935-93C4-4BCD-93E2-E3B085C9AB24}">
-                  <p16:designElem xmlns:p16="http://schemas.microsoft.com/office/powerpoint/2015/main" val="1"/>
-                </p:ext>
-              </p:extLst>
-            </p:nvPr>
-          </p:nvSpPr>
-          <p:spPr bwMode="auto">
-            <a:xfrm>
-              <a:off x="11202988" y="9525"/>
-              <a:ext cx="963613" cy="366713"/>
-            </a:xfrm>
-            <a:custGeom>
-              <a:avLst/>
-              <a:gdLst/>
-              <a:ahLst/>
-              <a:cxnLst/>
-              <a:rect l="0" t="0" r="r" b="b"/>
-              <a:pathLst>
-                <a:path w="203" h="77">
-                  <a:moveTo>
-                    <a:pt x="203" y="77"/>
-                  </a:moveTo>
-                  <a:cubicBezTo>
-                    <a:pt x="138" y="46"/>
-                    <a:pt x="68" y="21"/>
-                    <a:pt x="0" y="0"/>
-                  </a:cubicBezTo>
-                </a:path>
-              </a:pathLst>
-            </a:custGeom>
-            <a:noFill/>
-            <a:ln w="9525" cap="flat">
-              <a:solidFill>
-                <a:schemeClr val="tx1">
-                  <a:alpha val="20000"/>
-                </a:schemeClr>
-              </a:solidFill>
-              <a:prstDash val="dash"/>
-              <a:miter lim="800000"/>
-              <a:headEnd/>
-              <a:tailEnd/>
-            </a:ln>
-            <a:extLst>
-              <a:ext uri="{909E8E84-426E-40DD-AFC4-6F175D3DCCD1}">
-                <a14:hiddenFill xmlns:a14="http://schemas.microsoft.com/office/drawing/2010/main">
-                  <a:solidFill>
-                    <a:srgbClr val="FFFFFF"/>
-                  </a:solidFill>
-                </a14:hiddenFill>
-              </a:ext>
-            </a:extLst>
-          </p:spPr>
-        </p:sp>
-        <p:sp>
-          <p:nvSpPr>
-            <p:cNvPr id="76" name="Freeform 10">
-              <a:extLst>
-                <a:ext uri="{FF2B5EF4-FFF2-40B4-BE49-F238E27FC236}">
-                  <a16:creationId xmlns:a16="http://schemas.microsoft.com/office/drawing/2014/main" id="{BE5FA512-D3FE-4F91-AE23-51DAAAA74EE1}"/>
-                </a:ext>
-                <a:ext uri="{C183D7F6-B498-43B3-948B-1728B52AA6E4}">
-                  <adec:decorative xmlns:adec="http://schemas.microsoft.com/office/drawing/2017/decorative" val="1"/>
-                </a:ext>
-              </a:extLst>
-            </p:cNvPr>
-            <p:cNvSpPr/>
-            <p:nvPr>
-              <p:extLst>
-                <p:ext uri="{386F3935-93C4-4BCD-93E2-E3B085C9AB24}">
-                  <p16:designElem xmlns:p16="http://schemas.microsoft.com/office/powerpoint/2015/main" val="1"/>
-                </p:ext>
-              </p:extLst>
-            </p:nvPr>
-          </p:nvSpPr>
-          <p:spPr bwMode="auto">
-            <a:xfrm>
-              <a:off x="10494963" y="5275263"/>
-              <a:ext cx="1666875" cy="1577975"/>
-            </a:xfrm>
-            <a:custGeom>
-              <a:avLst/>
-              <a:gdLst/>
-              <a:ahLst/>
-              <a:cxnLst/>
-              <a:rect l="0" t="0" r="r" b="b"/>
-              <a:pathLst>
-                <a:path w="351" h="332">
-                  <a:moveTo>
-                    <a:pt x="0" y="332"/>
-                  </a:moveTo>
-                  <a:cubicBezTo>
-                    <a:pt x="125" y="232"/>
-                    <a:pt x="245" y="121"/>
-                    <a:pt x="351" y="0"/>
-                  </a:cubicBezTo>
-                </a:path>
-              </a:pathLst>
-            </a:custGeom>
-            <a:noFill/>
-            <a:ln w="9525" cap="flat">
-              <a:solidFill>
-                <a:schemeClr val="tx1">
-                  <a:alpha val="20000"/>
-                </a:schemeClr>
-              </a:solidFill>
-              <a:prstDash val="dash"/>
-              <a:miter lim="800000"/>
-              <a:headEnd/>
-              <a:tailEnd/>
-            </a:ln>
-            <a:extLst>
-              <a:ext uri="{909E8E84-426E-40DD-AFC4-6F175D3DCCD1}">
-                <a14:hiddenFill xmlns:a14="http://schemas.microsoft.com/office/drawing/2010/main">
-                  <a:solidFill>
-                    <a:srgbClr val="FFFFFF"/>
-                  </a:solidFill>
-                </a14:hiddenFill>
-              </a:ext>
-            </a:extLst>
-          </p:spPr>
-        </p:sp>
-        <p:sp>
-          <p:nvSpPr>
-            <p:cNvPr id="77" name="Freeform 11">
-              <a:extLst>
-                <a:ext uri="{FF2B5EF4-FFF2-40B4-BE49-F238E27FC236}">
-                  <a16:creationId xmlns:a16="http://schemas.microsoft.com/office/drawing/2014/main" id="{83CF3A0A-06AA-4987-8182-4F86E662EC2C}"/>
-                </a:ext>
-                <a:ext uri="{C183D7F6-B498-43B3-948B-1728B52AA6E4}">
-                  <adec:decorative xmlns:adec="http://schemas.microsoft.com/office/drawing/2017/decorative" val="1"/>
-                </a:ext>
-              </a:extLst>
-            </p:cNvPr>
-            <p:cNvSpPr/>
-            <p:nvPr>
-              <p:extLst>
-                <p:ext uri="{386F3935-93C4-4BCD-93E2-E3B085C9AB24}">
-                  <p16:designElem xmlns:p16="http://schemas.microsoft.com/office/powerpoint/2015/main" val="1"/>
-                </p:ext>
-              </p:extLst>
-            </p:nvPr>
-          </p:nvSpPr>
-          <p:spPr bwMode="auto">
-            <a:xfrm>
-              <a:off x="1001713" y="0"/>
-              <a:ext cx="3621088" cy="6843713"/>
-            </a:xfrm>
-            <a:custGeom>
-              <a:avLst/>
-              <a:gdLst/>
-              <a:ahLst/>
-              <a:cxnLst/>
-              <a:rect l="0" t="0" r="r" b="b"/>
-              <a:pathLst>
-                <a:path w="762" h="1440">
-                  <a:moveTo>
-                    <a:pt x="762" y="0"/>
-                  </a:moveTo>
-                  <a:cubicBezTo>
-                    <a:pt x="308" y="245"/>
-                    <a:pt x="0" y="1033"/>
-                    <a:pt x="403" y="1440"/>
-                  </a:cubicBezTo>
-                </a:path>
-              </a:pathLst>
-            </a:custGeom>
-            <a:noFill/>
-            <a:ln w="9525" cap="flat">
-              <a:solidFill>
-                <a:schemeClr val="tx1">
-                  <a:alpha val="20000"/>
-                </a:schemeClr>
-              </a:solidFill>
-              <a:prstDash val="solid"/>
-              <a:miter lim="800000"/>
-              <a:headEnd/>
-              <a:tailEnd/>
-            </a:ln>
-            <a:extLst>
-              <a:ext uri="{909E8E84-426E-40DD-AFC4-6F175D3DCCD1}">
-                <a14:hiddenFill xmlns:a14="http://schemas.microsoft.com/office/drawing/2010/main">
-                  <a:solidFill>
-                    <a:srgbClr val="FFFFFF"/>
-                  </a:solidFill>
-                </a14:hiddenFill>
-              </a:ext>
-            </a:extLst>
-          </p:spPr>
-        </p:sp>
-        <p:sp>
-          <p:nvSpPr>
-            <p:cNvPr id="78" name="Freeform 12">
-              <a:extLst>
-                <a:ext uri="{FF2B5EF4-FFF2-40B4-BE49-F238E27FC236}">
-                  <a16:creationId xmlns:a16="http://schemas.microsoft.com/office/drawing/2014/main" id="{969C6F15-1F6D-46D5-8C47-3FBC3125365B}"/>
-                </a:ext>
-                <a:ext uri="{C183D7F6-B498-43B3-948B-1728B52AA6E4}">
-                  <adec:decorative xmlns:adec="http://schemas.microsoft.com/office/drawing/2017/decorative" val="1"/>
-                </a:ext>
-              </a:extLst>
-            </p:cNvPr>
-            <p:cNvSpPr/>
-            <p:nvPr>
-              <p:extLst>
-                <p:ext uri="{386F3935-93C4-4BCD-93E2-E3B085C9AB24}">
-                  <p16:designElem xmlns:p16="http://schemas.microsoft.com/office/powerpoint/2015/main" val="1"/>
-                </p:ext>
-              </p:extLst>
-            </p:nvPr>
-          </p:nvSpPr>
-          <p:spPr bwMode="auto">
-            <a:xfrm>
-              <a:off x="11501438" y="9525"/>
-              <a:ext cx="665163" cy="257175"/>
-            </a:xfrm>
-            <a:custGeom>
-              <a:avLst/>
-              <a:gdLst/>
-              <a:ahLst/>
-              <a:cxnLst/>
-              <a:rect l="0" t="0" r="r" b="b"/>
-              <a:pathLst>
-                <a:path w="140" h="54">
-                  <a:moveTo>
-                    <a:pt x="140" y="54"/>
-                  </a:moveTo>
-                  <a:cubicBezTo>
-                    <a:pt x="95" y="34"/>
-                    <a:pt x="48" y="16"/>
-                    <a:pt x="0" y="0"/>
-                  </a:cubicBezTo>
-                </a:path>
-              </a:pathLst>
-            </a:custGeom>
-            <a:noFill/>
-            <a:ln w="9525" cap="flat">
-              <a:solidFill>
-                <a:schemeClr val="tx1">
-                  <a:alpha val="20000"/>
-                </a:schemeClr>
-              </a:solidFill>
-              <a:prstDash val="solid"/>
-              <a:miter lim="800000"/>
-              <a:headEnd/>
-              <a:tailEnd/>
-            </a:ln>
-            <a:extLst>
-              <a:ext uri="{909E8E84-426E-40DD-AFC4-6F175D3DCCD1}">
-                <a14:hiddenFill xmlns:a14="http://schemas.microsoft.com/office/drawing/2010/main">
-                  <a:solidFill>
-                    <a:srgbClr val="FFFFFF"/>
-                  </a:solidFill>
-                </a14:hiddenFill>
-              </a:ext>
-            </a:extLst>
-          </p:spPr>
-        </p:sp>
-        <p:sp>
-          <p:nvSpPr>
-            <p:cNvPr id="79" name="Freeform 13">
-              <a:extLst>
-                <a:ext uri="{FF2B5EF4-FFF2-40B4-BE49-F238E27FC236}">
-                  <a16:creationId xmlns:a16="http://schemas.microsoft.com/office/drawing/2014/main" id="{01E2B94D-4E93-4C11-A1FC-B3A6E8CC5F19}"/>
-                </a:ext>
-                <a:ext uri="{C183D7F6-B498-43B3-948B-1728B52AA6E4}">
-                  <adec:decorative xmlns:adec="http://schemas.microsoft.com/office/drawing/2017/decorative" val="1"/>
-                </a:ext>
-              </a:extLst>
-            </p:cNvPr>
-            <p:cNvSpPr/>
-            <p:nvPr>
-              <p:extLst>
-                <p:ext uri="{386F3935-93C4-4BCD-93E2-E3B085C9AB24}">
-                  <p16:designElem xmlns:p16="http://schemas.microsoft.com/office/powerpoint/2015/main" val="1"/>
-                </p:ext>
-              </p:extLst>
-            </p:nvPr>
-          </p:nvSpPr>
-          <p:spPr bwMode="auto">
-            <a:xfrm>
-              <a:off x="10641013" y="5408613"/>
-              <a:ext cx="1525588" cy="1435100"/>
-            </a:xfrm>
-            <a:custGeom>
-              <a:avLst/>
-              <a:gdLst/>
-              <a:ahLst/>
-              <a:cxnLst/>
-              <a:rect l="0" t="0" r="r" b="b"/>
-              <a:pathLst>
-                <a:path w="321" h="302">
-                  <a:moveTo>
-                    <a:pt x="0" y="302"/>
-                  </a:moveTo>
-                  <a:cubicBezTo>
-                    <a:pt x="114" y="210"/>
-                    <a:pt x="223" y="109"/>
-                    <a:pt x="321" y="0"/>
-                  </a:cubicBezTo>
-                </a:path>
-              </a:pathLst>
-            </a:custGeom>
-            <a:noFill/>
-            <a:ln w="9525" cap="flat">
-              <a:solidFill>
-                <a:schemeClr val="tx1">
-                  <a:alpha val="20000"/>
-                </a:schemeClr>
-              </a:solidFill>
-              <a:prstDash val="solid"/>
-              <a:miter lim="800000"/>
-              <a:headEnd/>
-              <a:tailEnd/>
-            </a:ln>
-            <a:extLst>
-              <a:ext uri="{909E8E84-426E-40DD-AFC4-6F175D3DCCD1}">
-                <a14:hiddenFill xmlns:a14="http://schemas.microsoft.com/office/drawing/2010/main">
-                  <a:solidFill>
-                    <a:srgbClr val="FFFFFF"/>
-                  </a:solidFill>
-                </a14:hiddenFill>
-              </a:ext>
-            </a:extLst>
-          </p:spPr>
-        </p:sp>
-        <p:sp>
-          <p:nvSpPr>
-            <p:cNvPr id="80" name="Freeform 14">
-              <a:extLst>
-                <a:ext uri="{FF2B5EF4-FFF2-40B4-BE49-F238E27FC236}">
-                  <a16:creationId xmlns:a16="http://schemas.microsoft.com/office/drawing/2014/main" id="{F47C1110-8C08-4C26-BD0D-3083BFAC1D60}"/>
-                </a:ext>
-                <a:ext uri="{C183D7F6-B498-43B3-948B-1728B52AA6E4}">
-                  <adec:decorative xmlns:adec="http://schemas.microsoft.com/office/drawing/2017/decorative" val="1"/>
-                </a:ext>
-              </a:extLst>
-            </p:cNvPr>
-            <p:cNvSpPr/>
-            <p:nvPr>
-              <p:extLst>
-                <p:ext uri="{386F3935-93C4-4BCD-93E2-E3B085C9AB24}">
-                  <p16:designElem xmlns:p16="http://schemas.microsoft.com/office/powerpoint/2015/main" val="1"/>
-                </p:ext>
-              </p:extLst>
-            </p:nvPr>
-          </p:nvSpPr>
-          <p:spPr bwMode="auto">
-            <a:xfrm>
-              <a:off x="1001713" y="0"/>
-              <a:ext cx="3244850" cy="6843713"/>
-            </a:xfrm>
-            <a:custGeom>
-              <a:avLst/>
-              <a:gdLst/>
-              <a:ahLst/>
-              <a:cxnLst/>
-              <a:rect l="0" t="0" r="r" b="b"/>
-              <a:pathLst>
-                <a:path w="683" h="1440">
-                  <a:moveTo>
-                    <a:pt x="683" y="0"/>
-                  </a:moveTo>
-                  <a:cubicBezTo>
-                    <a:pt x="258" y="256"/>
-                    <a:pt x="0" y="1041"/>
-                    <a:pt x="355" y="1440"/>
-                  </a:cubicBezTo>
-                </a:path>
-              </a:pathLst>
-            </a:custGeom>
-            <a:noFill/>
-            <a:ln w="9525" cap="flat">
-              <a:solidFill>
-                <a:schemeClr val="tx1">
-                  <a:alpha val="20000"/>
-                </a:schemeClr>
-              </a:solidFill>
-              <a:prstDash val="solid"/>
-              <a:miter lim="800000"/>
-              <a:headEnd/>
-              <a:tailEnd/>
-            </a:ln>
-            <a:extLst>
-              <a:ext uri="{909E8E84-426E-40DD-AFC4-6F175D3DCCD1}">
-                <a14:hiddenFill xmlns:a14="http://schemas.microsoft.com/office/drawing/2010/main">
-                  <a:solidFill>
-                    <a:srgbClr val="FFFFFF"/>
-                  </a:solidFill>
-                </a14:hiddenFill>
-              </a:ext>
-            </a:extLst>
-          </p:spPr>
-        </p:sp>
-        <p:sp>
-          <p:nvSpPr>
-            <p:cNvPr id="81" name="Freeform 15">
-              <a:extLst>
-                <a:ext uri="{FF2B5EF4-FFF2-40B4-BE49-F238E27FC236}">
-                  <a16:creationId xmlns:a16="http://schemas.microsoft.com/office/drawing/2014/main" id="{3085CEBC-D1F5-4F82-93C8-8ED38B7CBEC4}"/>
-                </a:ext>
-                <a:ext uri="{C183D7F6-B498-43B3-948B-1728B52AA6E4}">
-                  <adec:decorative xmlns:adec="http://schemas.microsoft.com/office/drawing/2017/decorative" val="1"/>
-                </a:ext>
-              </a:extLst>
-            </p:cNvPr>
-            <p:cNvSpPr/>
-            <p:nvPr>
-              <p:extLst>
-                <p:ext uri="{386F3935-93C4-4BCD-93E2-E3B085C9AB24}">
-                  <p16:designElem xmlns:p16="http://schemas.microsoft.com/office/powerpoint/2015/main" val="1"/>
-                </p:ext>
-              </p:extLst>
-            </p:nvPr>
-          </p:nvSpPr>
-          <p:spPr bwMode="auto">
-            <a:xfrm>
-              <a:off x="10802938" y="5518150"/>
-              <a:ext cx="1363663" cy="1325563"/>
-            </a:xfrm>
-            <a:custGeom>
-              <a:avLst/>
-              <a:gdLst/>
-              <a:ahLst/>
-              <a:cxnLst/>
-              <a:rect l="0" t="0" r="r" b="b"/>
-              <a:pathLst>
-                <a:path w="287" h="279">
-                  <a:moveTo>
-                    <a:pt x="0" y="279"/>
-                  </a:moveTo>
-                  <a:cubicBezTo>
-                    <a:pt x="101" y="193"/>
-                    <a:pt x="198" y="100"/>
-                    <a:pt x="287" y="0"/>
-                  </a:cubicBezTo>
-                </a:path>
-              </a:pathLst>
-            </a:custGeom>
-            <a:noFill/>
-            <a:ln w="9525" cap="flat">
-              <a:solidFill>
-                <a:schemeClr val="tx1">
-                  <a:alpha val="20000"/>
-                </a:schemeClr>
-              </a:solidFill>
-              <a:prstDash val="solid"/>
-              <a:miter lim="800000"/>
-              <a:headEnd/>
-              <a:tailEnd/>
-            </a:ln>
-            <a:extLst>
-              <a:ext uri="{909E8E84-426E-40DD-AFC4-6F175D3DCCD1}">
-                <a14:hiddenFill xmlns:a14="http://schemas.microsoft.com/office/drawing/2010/main">
-                  <a:solidFill>
-                    <a:srgbClr val="FFFFFF"/>
-                  </a:solidFill>
-                </a14:hiddenFill>
-              </a:ext>
-            </a:extLst>
-          </p:spPr>
-        </p:sp>
-        <p:sp>
-          <p:nvSpPr>
-            <p:cNvPr id="82" name="Freeform 16">
-              <a:extLst>
-                <a:ext uri="{FF2B5EF4-FFF2-40B4-BE49-F238E27FC236}">
-                  <a16:creationId xmlns:a16="http://schemas.microsoft.com/office/drawing/2014/main" id="{3ED8F25D-E867-46B6-A62D-3B2114768020}"/>
-                </a:ext>
-                <a:ext uri="{C183D7F6-B498-43B3-948B-1728B52AA6E4}">
-                  <adec:decorative xmlns:adec="http://schemas.microsoft.com/office/drawing/2017/decorative" val="1"/>
-                </a:ext>
-              </a:extLst>
-            </p:cNvPr>
-            <p:cNvSpPr/>
-            <p:nvPr>
-              <p:extLst>
-                <p:ext uri="{386F3935-93C4-4BCD-93E2-E3B085C9AB24}">
-                  <p16:designElem xmlns:p16="http://schemas.microsoft.com/office/powerpoint/2015/main" val="1"/>
-                </p:ext>
-              </p:extLst>
-            </p:nvPr>
-          </p:nvSpPr>
-          <p:spPr bwMode="auto">
-            <a:xfrm>
-              <a:off x="889000" y="0"/>
-              <a:ext cx="3230563" cy="6843713"/>
-            </a:xfrm>
-            <a:custGeom>
-              <a:avLst/>
-              <a:gdLst/>
-              <a:ahLst/>
-              <a:cxnLst/>
-              <a:rect l="0" t="0" r="r" b="b"/>
-              <a:pathLst>
-                <a:path w="680" h="1440">
-                  <a:moveTo>
-                    <a:pt x="680" y="0"/>
-                  </a:moveTo>
-                  <a:cubicBezTo>
-                    <a:pt x="257" y="265"/>
-                    <a:pt x="0" y="1026"/>
-                    <a:pt x="337" y="1440"/>
-                  </a:cubicBezTo>
-                </a:path>
-              </a:pathLst>
-            </a:custGeom>
-            <a:noFill/>
-            <a:ln w="9525" cap="flat">
-              <a:solidFill>
-                <a:schemeClr val="tx1">
-                  <a:alpha val="20000"/>
-                </a:schemeClr>
-              </a:solidFill>
-              <a:prstDash val="solid"/>
-              <a:miter lim="800000"/>
-              <a:headEnd/>
-              <a:tailEnd/>
-            </a:ln>
-            <a:extLst>
-              <a:ext uri="{909E8E84-426E-40DD-AFC4-6F175D3DCCD1}">
-                <a14:hiddenFill xmlns:a14="http://schemas.microsoft.com/office/drawing/2010/main">
-                  <a:solidFill>
-                    <a:srgbClr val="FFFFFF"/>
-                  </a:solidFill>
-                </a14:hiddenFill>
-              </a:ext>
-            </a:extLst>
-          </p:spPr>
-        </p:sp>
-        <p:sp>
-          <p:nvSpPr>
-            <p:cNvPr id="83" name="Freeform 17">
-              <a:extLst>
-                <a:ext uri="{FF2B5EF4-FFF2-40B4-BE49-F238E27FC236}">
-                  <a16:creationId xmlns:a16="http://schemas.microsoft.com/office/drawing/2014/main" id="{6BB81545-0C01-4B56-BADD-6B7D5B72AF8E}"/>
-                </a:ext>
-                <a:ext uri="{C183D7F6-B498-43B3-948B-1728B52AA6E4}">
-                  <adec:decorative xmlns:adec="http://schemas.microsoft.com/office/drawing/2017/decorative" val="1"/>
-                </a:ext>
-              </a:extLst>
-            </p:cNvPr>
-            <p:cNvSpPr/>
-            <p:nvPr>
-              <p:extLst>
-                <p:ext uri="{386F3935-93C4-4BCD-93E2-E3B085C9AB24}">
-                  <p16:designElem xmlns:p16="http://schemas.microsoft.com/office/powerpoint/2015/main" val="1"/>
-                </p:ext>
-              </p:extLst>
-            </p:nvPr>
-          </p:nvSpPr>
-          <p:spPr bwMode="auto">
-            <a:xfrm>
-              <a:off x="10979150" y="5694363"/>
-              <a:ext cx="1187450" cy="1149350"/>
-            </a:xfrm>
-            <a:custGeom>
-              <a:avLst/>
-              <a:gdLst/>
-              <a:ahLst/>
-              <a:cxnLst/>
-              <a:rect l="0" t="0" r="r" b="b"/>
-              <a:pathLst>
-                <a:path w="250" h="242">
-                  <a:moveTo>
-                    <a:pt x="0" y="242"/>
-                  </a:moveTo>
-                  <a:cubicBezTo>
-                    <a:pt x="88" y="166"/>
-                    <a:pt x="172" y="85"/>
-                    <a:pt x="250" y="0"/>
-                  </a:cubicBezTo>
-                </a:path>
-              </a:pathLst>
-            </a:custGeom>
-            <a:noFill/>
-            <a:ln w="9525" cap="flat">
-              <a:solidFill>
-                <a:schemeClr val="tx1">
-                  <a:alpha val="20000"/>
-                </a:schemeClr>
-              </a:solidFill>
-              <a:prstDash val="solid"/>
-              <a:miter lim="800000"/>
-              <a:headEnd/>
-              <a:tailEnd/>
-            </a:ln>
-            <a:extLst>
-              <a:ext uri="{909E8E84-426E-40DD-AFC4-6F175D3DCCD1}">
-                <a14:hiddenFill xmlns:a14="http://schemas.microsoft.com/office/drawing/2010/main">
-                  <a:solidFill>
-                    <a:srgbClr val="FFFFFF"/>
-                  </a:solidFill>
-                </a14:hiddenFill>
-              </a:ext>
-            </a:extLst>
-          </p:spPr>
-        </p:sp>
-        <p:sp>
-          <p:nvSpPr>
-            <p:cNvPr id="84" name="Freeform 18">
-              <a:extLst>
-                <a:ext uri="{FF2B5EF4-FFF2-40B4-BE49-F238E27FC236}">
-                  <a16:creationId xmlns:a16="http://schemas.microsoft.com/office/drawing/2014/main" id="{A1574FCC-646A-4771-AB54-A44212F198F9}"/>
-                </a:ext>
-                <a:ext uri="{C183D7F6-B498-43B3-948B-1728B52AA6E4}">
-                  <adec:decorative xmlns:adec="http://schemas.microsoft.com/office/drawing/2017/decorative" val="1"/>
-                </a:ext>
-              </a:extLst>
-            </p:cNvPr>
-            <p:cNvSpPr/>
-            <p:nvPr>
-              <p:extLst>
-                <p:ext uri="{386F3935-93C4-4BCD-93E2-E3B085C9AB24}">
-                  <p16:designElem xmlns:p16="http://schemas.microsoft.com/office/powerpoint/2015/main" val="1"/>
-                </p:ext>
-              </p:extLst>
-            </p:nvPr>
-          </p:nvSpPr>
-          <p:spPr bwMode="auto">
-            <a:xfrm>
-              <a:off x="484188" y="0"/>
-              <a:ext cx="3421063" cy="6843713"/>
-            </a:xfrm>
-            <a:custGeom>
-              <a:avLst/>
-              <a:gdLst/>
-              <a:ahLst/>
-              <a:cxnLst/>
-              <a:rect l="0" t="0" r="r" b="b"/>
-              <a:pathLst>
-                <a:path w="720" h="1440">
-                  <a:moveTo>
-                    <a:pt x="720" y="0"/>
-                  </a:moveTo>
-                  <a:cubicBezTo>
-                    <a:pt x="316" y="282"/>
-                    <a:pt x="0" y="1018"/>
-                    <a:pt x="362" y="1440"/>
-                  </a:cubicBezTo>
-                </a:path>
-              </a:pathLst>
-            </a:custGeom>
-            <a:noFill/>
-            <a:ln w="9525" cap="flat">
-              <a:solidFill>
-                <a:schemeClr val="tx1">
-                  <a:alpha val="20000"/>
-                </a:schemeClr>
-              </a:solidFill>
-              <a:prstDash val="solid"/>
-              <a:miter lim="800000"/>
-              <a:headEnd/>
-              <a:tailEnd/>
-            </a:ln>
-            <a:extLst>
-              <a:ext uri="{909E8E84-426E-40DD-AFC4-6F175D3DCCD1}">
-                <a14:hiddenFill xmlns:a14="http://schemas.microsoft.com/office/drawing/2010/main">
-                  <a:solidFill>
-                    <a:srgbClr val="FFFFFF"/>
-                  </a:solidFill>
-                </a14:hiddenFill>
-              </a:ext>
-            </a:extLst>
-          </p:spPr>
-        </p:sp>
-        <p:sp>
-          <p:nvSpPr>
-            <p:cNvPr id="85" name="Freeform 19">
-              <a:extLst>
-                <a:ext uri="{FF2B5EF4-FFF2-40B4-BE49-F238E27FC236}">
-                  <a16:creationId xmlns:a16="http://schemas.microsoft.com/office/drawing/2014/main" id="{A56CC2BC-E51D-4A79-AA80-770FAA7844E5}"/>
-                </a:ext>
-                <a:ext uri="{C183D7F6-B498-43B3-948B-1728B52AA6E4}">
-                  <adec:decorative xmlns:adec="http://schemas.microsoft.com/office/drawing/2017/decorative" val="1"/>
-                </a:ext>
-              </a:extLst>
-            </p:cNvPr>
-            <p:cNvSpPr/>
-            <p:nvPr>
-              <p:extLst>
-                <p:ext uri="{386F3935-93C4-4BCD-93E2-E3B085C9AB24}">
-                  <p16:designElem xmlns:p16="http://schemas.microsoft.com/office/powerpoint/2015/main" val="1"/>
-                </p:ext>
-              </p:extLst>
-            </p:nvPr>
-          </p:nvSpPr>
-          <p:spPr bwMode="auto">
-            <a:xfrm>
-              <a:off x="11287125" y="6049963"/>
-              <a:ext cx="879475" cy="793750"/>
-            </a:xfrm>
-            <a:custGeom>
-              <a:avLst/>
-              <a:gdLst/>
-              <a:ahLst/>
-              <a:cxnLst/>
-              <a:rect l="0" t="0" r="r" b="b"/>
-              <a:pathLst>
-                <a:path w="185" h="167">
-                  <a:moveTo>
-                    <a:pt x="0" y="167"/>
-                  </a:moveTo>
-                  <a:cubicBezTo>
-                    <a:pt x="63" y="114"/>
-                    <a:pt x="125" y="58"/>
-                    <a:pt x="185" y="0"/>
-                  </a:cubicBezTo>
-                </a:path>
-              </a:pathLst>
-            </a:custGeom>
-            <a:noFill/>
-            <a:ln w="9525" cap="flat">
-              <a:solidFill>
-                <a:schemeClr val="tx1">
-                  <a:alpha val="20000"/>
-                </a:schemeClr>
-              </a:solidFill>
-              <a:prstDash val="solid"/>
-              <a:miter lim="800000"/>
-              <a:headEnd/>
-              <a:tailEnd/>
-            </a:ln>
-            <a:extLst>
-              <a:ext uri="{909E8E84-426E-40DD-AFC4-6F175D3DCCD1}">
-                <a14:hiddenFill xmlns:a14="http://schemas.microsoft.com/office/drawing/2010/main">
-                  <a:solidFill>
-                    <a:srgbClr val="FFFFFF"/>
-                  </a:solidFill>
-                </a14:hiddenFill>
-              </a:ext>
-            </a:extLst>
-          </p:spPr>
-        </p:sp>
-        <p:sp>
-          <p:nvSpPr>
-            <p:cNvPr id="86" name="Freeform 20">
-              <a:extLst>
-                <a:ext uri="{FF2B5EF4-FFF2-40B4-BE49-F238E27FC236}">
-                  <a16:creationId xmlns:a16="http://schemas.microsoft.com/office/drawing/2014/main" id="{C95E0495-B7F8-44C5-AD1F-5F3C8633E3F9}"/>
-                </a:ext>
-                <a:ext uri="{C183D7F6-B498-43B3-948B-1728B52AA6E4}">
-                  <adec:decorative xmlns:adec="http://schemas.microsoft.com/office/drawing/2017/decorative" val="1"/>
-                </a:ext>
-              </a:extLst>
-            </p:cNvPr>
-            <p:cNvSpPr/>
-            <p:nvPr>
-              <p:extLst>
-                <p:ext uri="{386F3935-93C4-4BCD-93E2-E3B085C9AB24}">
-                  <p16:designElem xmlns:p16="http://schemas.microsoft.com/office/powerpoint/2015/main" val="1"/>
-                </p:ext>
-              </p:extLst>
-            </p:nvPr>
-          </p:nvSpPr>
-          <p:spPr bwMode="auto">
-            <a:xfrm>
-              <a:off x="598488" y="0"/>
-              <a:ext cx="2717800" cy="6843713"/>
-            </a:xfrm>
-            <a:custGeom>
-              <a:avLst/>
-              <a:gdLst/>
-              <a:ahLst/>
-              <a:cxnLst/>
-              <a:rect l="0" t="0" r="r" b="b"/>
-              <a:pathLst>
-                <a:path w="572" h="1440">
-                  <a:moveTo>
-                    <a:pt x="572" y="0"/>
-                  </a:moveTo>
-                  <a:cubicBezTo>
-                    <a:pt x="213" y="320"/>
-                    <a:pt x="0" y="979"/>
-                    <a:pt x="164" y="1440"/>
-                  </a:cubicBezTo>
-                </a:path>
-              </a:pathLst>
-            </a:custGeom>
-            <a:noFill/>
-            <a:ln w="12700" cap="flat">
-              <a:solidFill>
-                <a:schemeClr val="tx1">
-                  <a:alpha val="20000"/>
-                </a:schemeClr>
-              </a:solidFill>
-              <a:prstDash val="dashDot"/>
-              <a:miter lim="800000"/>
-              <a:headEnd/>
-              <a:tailEnd/>
-            </a:ln>
-            <a:extLst>
-              <a:ext uri="{909E8E84-426E-40DD-AFC4-6F175D3DCCD1}">
-                <a14:hiddenFill xmlns:a14="http://schemas.microsoft.com/office/drawing/2010/main">
-                  <a:solidFill>
-                    <a:srgbClr val="FFFFFF"/>
-                  </a:solidFill>
-                </a14:hiddenFill>
-              </a:ext>
-            </a:extLst>
-          </p:spPr>
-        </p:sp>
-        <p:sp>
-          <p:nvSpPr>
-            <p:cNvPr id="87" name="Freeform 21">
-              <a:extLst>
-                <a:ext uri="{FF2B5EF4-FFF2-40B4-BE49-F238E27FC236}">
-                  <a16:creationId xmlns:a16="http://schemas.microsoft.com/office/drawing/2014/main" id="{28C1E7AA-A198-498A-9426-7632D7AA35EB}"/>
-                </a:ext>
-                <a:ext uri="{C183D7F6-B498-43B3-948B-1728B52AA6E4}">
-                  <adec:decorative xmlns:adec="http://schemas.microsoft.com/office/drawing/2017/decorative" val="1"/>
-                </a:ext>
-              </a:extLst>
-            </p:cNvPr>
-            <p:cNvSpPr/>
-            <p:nvPr>
-              <p:extLst>
-                <p:ext uri="{386F3935-93C4-4BCD-93E2-E3B085C9AB24}">
-                  <p16:designElem xmlns:p16="http://schemas.microsoft.com/office/powerpoint/2015/main" val="1"/>
-                </p:ext>
-              </p:extLst>
-            </p:nvPr>
-          </p:nvSpPr>
-          <p:spPr bwMode="auto">
-            <a:xfrm>
-              <a:off x="261938" y="0"/>
-              <a:ext cx="2944813" cy="6843713"/>
-            </a:xfrm>
-            <a:custGeom>
-              <a:avLst/>
-              <a:gdLst/>
-              <a:ahLst/>
-              <a:cxnLst/>
-              <a:rect l="0" t="0" r="r" b="b"/>
-              <a:pathLst>
-                <a:path w="620" h="1440">
-                  <a:moveTo>
-                    <a:pt x="620" y="0"/>
-                  </a:moveTo>
-                  <a:cubicBezTo>
-                    <a:pt x="248" y="325"/>
-                    <a:pt x="0" y="960"/>
-                    <a:pt x="186" y="1440"/>
-                  </a:cubicBezTo>
-                </a:path>
-              </a:pathLst>
-            </a:custGeom>
-            <a:noFill/>
-            <a:ln w="9525" cap="flat">
-              <a:solidFill>
-                <a:schemeClr val="tx1">
-                  <a:alpha val="20000"/>
-                </a:schemeClr>
-              </a:solidFill>
-              <a:prstDash val="lgDash"/>
-              <a:miter lim="800000"/>
-              <a:headEnd/>
-              <a:tailEnd/>
-            </a:ln>
-            <a:extLst>
-              <a:ext uri="{909E8E84-426E-40DD-AFC4-6F175D3DCCD1}">
-                <a14:hiddenFill xmlns:a14="http://schemas.microsoft.com/office/drawing/2010/main">
-                  <a:solidFill>
-                    <a:srgbClr val="FFFFFF"/>
-                  </a:solidFill>
-                </a14:hiddenFill>
-              </a:ext>
-            </a:extLst>
-          </p:spPr>
-        </p:sp>
-        <p:sp>
-          <p:nvSpPr>
-            <p:cNvPr id="88" name="Freeform 22">
-              <a:extLst>
-                <a:ext uri="{FF2B5EF4-FFF2-40B4-BE49-F238E27FC236}">
-                  <a16:creationId xmlns:a16="http://schemas.microsoft.com/office/drawing/2014/main" id="{96410611-0DF8-42D3-91B1-B87AE692EB2C}"/>
-                </a:ext>
-                <a:ext uri="{C183D7F6-B498-43B3-948B-1728B52AA6E4}">
-                  <adec:decorative xmlns:adec="http://schemas.microsoft.com/office/drawing/2017/decorative" val="1"/>
-                </a:ext>
-              </a:extLst>
-            </p:cNvPr>
-            <p:cNvSpPr/>
-            <p:nvPr>
-              <p:extLst>
-                <p:ext uri="{386F3935-93C4-4BCD-93E2-E3B085C9AB24}">
-                  <p16:designElem xmlns:p16="http://schemas.microsoft.com/office/powerpoint/2015/main" val="1"/>
-                </p:ext>
-              </p:extLst>
-            </p:nvPr>
-          </p:nvSpPr>
-          <p:spPr bwMode="auto">
-            <a:xfrm>
-              <a:off x="-417513" y="0"/>
-              <a:ext cx="2403475" cy="6843713"/>
-            </a:xfrm>
-            <a:custGeom>
-              <a:avLst/>
-              <a:gdLst/>
-              <a:ahLst/>
-              <a:cxnLst/>
-              <a:rect l="0" t="0" r="r" b="b"/>
-              <a:pathLst>
-                <a:path w="506" h="1440">
-                  <a:moveTo>
-                    <a:pt x="506" y="0"/>
-                  </a:moveTo>
-                  <a:cubicBezTo>
-                    <a:pt x="109" y="356"/>
-                    <a:pt x="0" y="943"/>
-                    <a:pt x="171" y="1440"/>
-                  </a:cubicBezTo>
-                </a:path>
-              </a:pathLst>
-            </a:custGeom>
-            <a:noFill/>
-            <a:ln w="9525" cap="flat">
-              <a:solidFill>
-                <a:schemeClr val="tx1">
-                  <a:alpha val="20000"/>
-                </a:schemeClr>
-              </a:solidFill>
-              <a:prstDash val="solid"/>
-              <a:miter lim="800000"/>
-              <a:headEnd/>
-              <a:tailEnd/>
-            </a:ln>
-            <a:extLst>
-              <a:ext uri="{909E8E84-426E-40DD-AFC4-6F175D3DCCD1}">
-                <a14:hiddenFill xmlns:a14="http://schemas.microsoft.com/office/drawing/2010/main">
-                  <a:solidFill>
-                    <a:srgbClr val="FFFFFF"/>
-                  </a:solidFill>
-                </a14:hiddenFill>
-              </a:ext>
-            </a:extLst>
-          </p:spPr>
-        </p:sp>
-        <p:sp>
-          <p:nvSpPr>
-            <p:cNvPr id="89" name="Freeform 23">
-              <a:extLst>
-                <a:ext uri="{FF2B5EF4-FFF2-40B4-BE49-F238E27FC236}">
-                  <a16:creationId xmlns:a16="http://schemas.microsoft.com/office/drawing/2014/main" id="{EACF821F-24B2-49B5-8688-744B0EADF0A6}"/>
-                </a:ext>
-                <a:ext uri="{C183D7F6-B498-43B3-948B-1728B52AA6E4}">
-                  <adec:decorative xmlns:adec="http://schemas.microsoft.com/office/drawing/2017/decorative" val="1"/>
-                </a:ext>
-              </a:extLst>
-            </p:cNvPr>
-            <p:cNvSpPr/>
-            <p:nvPr>
-              <p:extLst>
-                <p:ext uri="{386F3935-93C4-4BCD-93E2-E3B085C9AB24}">
-                  <p16:designElem xmlns:p16="http://schemas.microsoft.com/office/powerpoint/2015/main" val="1"/>
-                </p:ext>
-              </p:extLst>
-            </p:nvPr>
-          </p:nvSpPr>
-          <p:spPr bwMode="auto">
-            <a:xfrm>
-              <a:off x="14288" y="9525"/>
-              <a:ext cx="1771650" cy="3198813"/>
-            </a:xfrm>
-            <a:custGeom>
-              <a:avLst/>
-              <a:gdLst/>
-              <a:ahLst/>
-              <a:cxnLst/>
-              <a:rect l="0" t="0" r="r" b="b"/>
-              <a:pathLst>
-                <a:path w="373" h="673">
-                  <a:moveTo>
-                    <a:pt x="373" y="0"/>
-                  </a:moveTo>
-                  <a:cubicBezTo>
-                    <a:pt x="175" y="183"/>
-                    <a:pt x="51" y="409"/>
-                    <a:pt x="0" y="673"/>
-                  </a:cubicBezTo>
-                </a:path>
-              </a:pathLst>
-            </a:custGeom>
-            <a:noFill/>
-            <a:ln w="9525" cap="flat">
-              <a:solidFill>
-                <a:schemeClr val="tx1">
-                  <a:alpha val="20000"/>
-                </a:schemeClr>
-              </a:solidFill>
-              <a:prstDash val="solid"/>
-              <a:miter lim="800000"/>
-              <a:headEnd/>
-              <a:tailEnd/>
-            </a:ln>
-            <a:extLst>
-              <a:ext uri="{909E8E84-426E-40DD-AFC4-6F175D3DCCD1}">
-                <a14:hiddenFill xmlns:a14="http://schemas.microsoft.com/office/drawing/2010/main">
-                  <a:solidFill>
-                    <a:srgbClr val="FFFFFF"/>
-                  </a:solidFill>
-                </a14:hiddenFill>
-              </a:ext>
-            </a:extLst>
-          </p:spPr>
-        </p:sp>
-        <p:sp>
-          <p:nvSpPr>
-            <p:cNvPr id="90" name="Freeform 24">
-              <a:extLst>
-                <a:ext uri="{FF2B5EF4-FFF2-40B4-BE49-F238E27FC236}">
-                  <a16:creationId xmlns:a16="http://schemas.microsoft.com/office/drawing/2014/main" id="{418BD791-FEEE-4A18-A5EF-F3815F184CD5}"/>
-                </a:ext>
-                <a:ext uri="{C183D7F6-B498-43B3-948B-1728B52AA6E4}">
-                  <adec:decorative xmlns:adec="http://schemas.microsoft.com/office/drawing/2017/decorative" val="1"/>
-                </a:ext>
-              </a:extLst>
-            </p:cNvPr>
-            <p:cNvSpPr/>
-            <p:nvPr>
-              <p:extLst>
-                <p:ext uri="{386F3935-93C4-4BCD-93E2-E3B085C9AB24}">
-                  <p16:designElem xmlns:p16="http://schemas.microsoft.com/office/powerpoint/2015/main" val="1"/>
-                </p:ext>
-              </p:extLst>
-            </p:nvPr>
-          </p:nvSpPr>
-          <p:spPr bwMode="auto">
-            <a:xfrm>
-              <a:off x="4763" y="6016625"/>
-              <a:ext cx="214313" cy="827088"/>
-            </a:xfrm>
-            <a:custGeom>
-              <a:avLst/>
-              <a:gdLst/>
-              <a:ahLst/>
-              <a:cxnLst/>
-              <a:rect l="0" t="0" r="r" b="b"/>
-              <a:pathLst>
-                <a:path w="45" h="174">
-                  <a:moveTo>
-                    <a:pt x="0" y="0"/>
-                  </a:moveTo>
-                  <a:cubicBezTo>
-                    <a:pt x="11" y="59"/>
-                    <a:pt x="26" y="118"/>
-                    <a:pt x="45" y="174"/>
-                  </a:cubicBezTo>
-                </a:path>
-              </a:pathLst>
-            </a:custGeom>
-            <a:noFill/>
-            <a:ln w="9525" cap="flat">
-              <a:solidFill>
-                <a:schemeClr val="tx1">
-                  <a:alpha val="20000"/>
-                </a:schemeClr>
-              </a:solidFill>
-              <a:prstDash val="solid"/>
-              <a:miter lim="800000"/>
-              <a:headEnd/>
-              <a:tailEnd/>
-            </a:ln>
-            <a:extLst>
-              <a:ext uri="{909E8E84-426E-40DD-AFC4-6F175D3DCCD1}">
-                <a14:hiddenFill xmlns:a14="http://schemas.microsoft.com/office/drawing/2010/main">
-                  <a:solidFill>
-                    <a:srgbClr val="FFFFFF"/>
-                  </a:solidFill>
-                </a14:hiddenFill>
-              </a:ext>
-            </a:extLst>
-          </p:spPr>
-        </p:sp>
-        <p:sp>
-          <p:nvSpPr>
-            <p:cNvPr id="91" name="Freeform 25">
-              <a:extLst>
-                <a:ext uri="{FF2B5EF4-FFF2-40B4-BE49-F238E27FC236}">
-                  <a16:creationId xmlns:a16="http://schemas.microsoft.com/office/drawing/2014/main" id="{D5D16C8F-EA4F-447C-934A-06E7BFAE927A}"/>
-                </a:ext>
-                <a:ext uri="{C183D7F6-B498-43B3-948B-1728B52AA6E4}">
-                  <adec:decorative xmlns:adec="http://schemas.microsoft.com/office/drawing/2017/decorative" val="1"/>
-                </a:ext>
-              </a:extLst>
-            </p:cNvPr>
-            <p:cNvSpPr/>
-            <p:nvPr>
-              <p:extLst>
-                <p:ext uri="{386F3935-93C4-4BCD-93E2-E3B085C9AB24}">
-                  <p16:designElem xmlns:p16="http://schemas.microsoft.com/office/powerpoint/2015/main" val="1"/>
-                </p:ext>
-              </p:extLst>
-            </p:nvPr>
-          </p:nvSpPr>
-          <p:spPr bwMode="auto">
-            <a:xfrm>
-              <a:off x="14288" y="0"/>
-              <a:ext cx="1562100" cy="2228850"/>
-            </a:xfrm>
-            <a:custGeom>
-              <a:avLst/>
-              <a:gdLst/>
-              <a:ahLst/>
-              <a:cxnLst/>
-              <a:rect l="0" t="0" r="r" b="b"/>
-              <a:pathLst>
-                <a:path w="329" h="469">
-                  <a:moveTo>
-                    <a:pt x="329" y="0"/>
-                  </a:moveTo>
-                  <a:cubicBezTo>
-                    <a:pt x="189" y="133"/>
-                    <a:pt x="69" y="288"/>
-                    <a:pt x="0" y="469"/>
-                  </a:cubicBezTo>
-                </a:path>
-              </a:pathLst>
-            </a:custGeom>
-            <a:noFill/>
-            <a:ln w="9525" cap="flat">
-              <a:solidFill>
-                <a:schemeClr val="tx1">
-                  <a:alpha val="20000"/>
-                </a:schemeClr>
-              </a:solidFill>
-              <a:prstDash val="solid"/>
-              <a:miter lim="800000"/>
-              <a:headEnd/>
-              <a:tailEnd/>
-            </a:ln>
-            <a:extLst>
-              <a:ext uri="{909E8E84-426E-40DD-AFC4-6F175D3DCCD1}">
-                <a14:hiddenFill xmlns:a14="http://schemas.microsoft.com/office/drawing/2010/main">
-                  <a:solidFill>
-                    <a:srgbClr val="FFFFFF"/>
-                  </a:solidFill>
-                </a14:hiddenFill>
-              </a:ext>
-            </a:extLst>
-          </p:spPr>
-        </p:sp>
-      </p:grpSp>
-      <p:pic>
-        <p:nvPicPr>
-          <p:cNvPr id="5" name="Picture 4" descr="Graphical user interface, text&#10;&#10;Description automatically generated">
-            <a:extLst>
-              <a:ext uri="{FF2B5EF4-FFF2-40B4-BE49-F238E27FC236}">
-                <a16:creationId xmlns:a16="http://schemas.microsoft.com/office/drawing/2014/main" id="{A20CC5CA-514A-80B4-4C36-79D436B21106}"/>
-              </a:ext>
-            </a:extLst>
-          </p:cNvPr>
-          <p:cNvPicPr>
-            <a:picLocks noChangeAspect="1"/>
-          </p:cNvPicPr>
-          <p:nvPr/>
-        </p:nvPicPr>
-        <p:blipFill>
-          <a:blip r:embed="rId2"/>
-          <a:stretch>
-            <a:fillRect/>
-          </a:stretch>
-        </p:blipFill>
-        <p:spPr>
-          <a:xfrm>
-            <a:off x="2552996" y="1017598"/>
-            <a:ext cx="7086007" cy="4676765"/>
-          </a:xfrm>
-          <a:prstGeom prst="rect">
-            <a:avLst/>
-          </a:prstGeom>
-        </p:spPr>
-      </p:pic>
-    </p:spTree>
-    <p:extLst>
-      <p:ext uri="{BB962C8B-B14F-4D97-AF65-F5344CB8AC3E}">
-        <p14:creationId xmlns:p14="http://schemas.microsoft.com/office/powerpoint/2010/main" val="1466654972"/>
-      </p:ext>
-    </p:extLst>
-  </p:cSld>
-  <p:clrMapOvr>
-    <a:overrideClrMapping bg1="dk1" tx1="lt1" bg2="dk2" tx2="lt2" accent1="accent1" accent2="accent2" accent3="accent3" accent4="accent4" accent5="accent5" accent6="accent6" hlink="hlink" folHlink="folHlink"/>
-  </p:clrMapOvr>
-</p:sld>
-</file>
-
-<file path=ppt/slides/slide7.xml><?xml version="1.0" encoding="utf-8"?>
 <p:sld xmlns:a="http://schemas.openxmlformats.org/drawingml/2006/main" xmlns:r="http://schemas.openxmlformats.org/officeDocument/2006/relationships" xmlns:p="http://schemas.openxmlformats.org/presentationml/2006/main">
   <p:cSld>
     <p:bg>
@@ -38887,7 +38428,7 @@
 </p:sld>
 </file>
 
-<file path=ppt/slides/slide8.xml><?xml version="1.0" encoding="utf-8"?>
+<file path=ppt/slides/slide7.xml><?xml version="1.0" encoding="utf-8"?>
 <p:sld xmlns:a="http://schemas.openxmlformats.org/drawingml/2006/main" xmlns:r="http://schemas.openxmlformats.org/officeDocument/2006/relationships" xmlns:p="http://schemas.openxmlformats.org/presentationml/2006/main">
   <p:cSld>
     <p:bg>
@@ -43442,15 +42983,6 @@
 </file>
 
 <file path=customXml/item1.xml><?xml version="1.0" encoding="utf-8"?>
-<?mso-contentType ?>
-<FormTemplates xmlns="http://schemas.microsoft.com/sharepoint/v3/contenttype/forms">
-  <Display>DocumentLibraryForm</Display>
-  <Edit>DocumentLibraryForm</Edit>
-  <New>DocumentLibraryForm</New>
-</FormTemplates>
-</file>
-
-<file path=customXml/item2.xml><?xml version="1.0" encoding="utf-8"?>
 <ct:contentTypeSchema xmlns:ct="http://schemas.microsoft.com/office/2006/metadata/contentType" xmlns:ma="http://schemas.microsoft.com/office/2006/metadata/properties/metaAttributes" ct:_="" ma:_="" ma:contentTypeName="Document" ma:contentTypeID="0x01010079F111ED35F8CC479449609E8A0923A6" ma:contentTypeVersion="11" ma:contentTypeDescription="Create a new document." ma:contentTypeScope="" ma:versionID="9677210f24a1be23c92c90fd886aa0aa">
   <xsd:schema xmlns:xsd="http://www.w3.org/2001/XMLSchema" xmlns:xs="http://www.w3.org/2001/XMLSchema" xmlns:p="http://schemas.microsoft.com/office/2006/metadata/properties" xmlns:ns2="71af3243-3dd4-4a8d-8c0d-dd76da1f02a5" xmlns:ns3="16c05727-aa75-4e4a-9b5f-8a80a1165891" targetNamespace="http://schemas.microsoft.com/office/2006/metadata/properties" ma:root="true" ma:fieldsID="60e05723c5c1908df1a1a4ebf11d344e" ns2:_="" ns3:_="">
     <xsd:import namespace="71af3243-3dd4-4a8d-8c0d-dd76da1f02a5"/>
@@ -43661,6 +43193,15 @@
 </ct:contentTypeSchema>
 </file>
 
+<file path=customXml/item2.xml><?xml version="1.0" encoding="utf-8"?>
+<?mso-contentType ?>
+<FormTemplates xmlns="http://schemas.microsoft.com/sharepoint/v3/contenttype/forms">
+  <Display>DocumentLibraryForm</Display>
+  <Edit>DocumentLibraryForm</Edit>
+  <New>DocumentLibraryForm</New>
+</FormTemplates>
+</file>
+
 <file path=customXml/item3.xml><?xml version="1.0" encoding="utf-8"?>
 <p:properties xmlns:p="http://schemas.microsoft.com/office/2006/metadata/properties" xmlns:xsi="http://www.w3.org/2001/XMLSchema-instance" xmlns:pc="http://schemas.microsoft.com/office/infopath/2007/PartnerControls">
   <documentManagement>
@@ -43670,14 +43211,6 @@
 </file>
 
 <file path=customXml/itemProps1.xml><?xml version="1.0" encoding="utf-8"?>
-<ds:datastoreItem xmlns:ds="http://schemas.openxmlformats.org/officeDocument/2006/customXml" ds:itemID="{58F3D8C7-1E6F-4D15-8163-ADBC81A00AAD}">
-  <ds:schemaRefs>
-    <ds:schemaRef ds:uri="http://schemas.microsoft.com/sharepoint/v3/contenttype/forms"/>
-  </ds:schemaRefs>
-</ds:datastoreItem>
-</file>
-
-<file path=customXml/itemProps2.xml><?xml version="1.0" encoding="utf-8"?>
 <ds:datastoreItem xmlns:ds="http://schemas.openxmlformats.org/officeDocument/2006/customXml" ds:itemID="{F3A8986E-DA64-415A-A390-AF2FFA01BA73}">
   <ds:schemaRefs>
     <ds:schemaRef ds:uri="http://schemas.microsoft.com/office/2006/metadata/contentType"/>
@@ -43696,6 +43229,14 @@
 </ds:datastoreItem>
 </file>
 
+<file path=customXml/itemProps2.xml><?xml version="1.0" encoding="utf-8"?>
+<ds:datastoreItem xmlns:ds="http://schemas.openxmlformats.org/officeDocument/2006/customXml" ds:itemID="{58F3D8C7-1E6F-4D15-8163-ADBC81A00AAD}">
+  <ds:schemaRefs>
+    <ds:schemaRef ds:uri="http://schemas.microsoft.com/sharepoint/v3/contenttype/forms"/>
+  </ds:schemaRefs>
+</ds:datastoreItem>
+</file>
+
 <file path=customXml/itemProps3.xml><?xml version="1.0" encoding="utf-8"?>
 <ds:datastoreItem xmlns:ds="http://schemas.openxmlformats.org/officeDocument/2006/customXml" ds:itemID="{AD24716F-C831-4AC2-BB0A-5EC60E4671B3}">
   <ds:schemaRefs>
